--- a/Image2ppt/Output/test.pptx
+++ b/Image2ppt/Output/test.pptx
@@ -3105,7 +3105,7 @@
         <p:spPr>
           <a:xfrm>
             <a:off x="0" y="0"/>
-            <a:ext cx="1758854" cy="3044952"/>
+            <a:ext cx="1760570" cy="3047923"/>
           </a:xfrm>
           <a:prstGeom prst="rect">
             <a:avLst/>
@@ -3128,8 +3128,8 @@
         </p:blipFill>
         <p:spPr>
           <a:xfrm>
-            <a:off x="3044952" y="0"/>
-            <a:ext cx="3044952" cy="3044952"/>
+            <a:off x="3047923" y="0"/>
+            <a:ext cx="3047923" cy="3047923"/>
           </a:xfrm>
           <a:prstGeom prst="rect">
             <a:avLst/>
@@ -3152,8 +3152,8 @@
         </p:blipFill>
         <p:spPr>
           <a:xfrm>
-            <a:off x="6099048" y="0"/>
-            <a:ext cx="3044952" cy="3044952"/>
+            <a:off x="6095847" y="0"/>
+            <a:ext cx="3047923" cy="3047923"/>
           </a:xfrm>
           <a:prstGeom prst="rect">
             <a:avLst/>
@@ -3176,8 +3176,8 @@
         </p:blipFill>
         <p:spPr>
           <a:xfrm>
-            <a:off x="9144000" y="0"/>
-            <a:ext cx="3044952" cy="3044952"/>
+            <a:off x="9143771" y="0"/>
+            <a:ext cx="3047923" cy="3047923"/>
           </a:xfrm>
           <a:prstGeom prst="rect">
             <a:avLst/>
@@ -3200,8 +3200,8 @@
         </p:blipFill>
         <p:spPr>
           <a:xfrm>
-            <a:off x="0" y="3813048"/>
-            <a:ext cx="3044952" cy="3044952"/>
+            <a:off x="0" y="3429000"/>
+            <a:ext cx="3047923" cy="3047923"/>
           </a:xfrm>
           <a:prstGeom prst="rect">
             <a:avLst/>
@@ -3224,8 +3224,8 @@
         </p:blipFill>
         <p:spPr>
           <a:xfrm>
-            <a:off x="3044952" y="3813048"/>
-            <a:ext cx="3044952" cy="3044952"/>
+            <a:off x="3047923" y="3429000"/>
+            <a:ext cx="3047923" cy="3047923"/>
           </a:xfrm>
           <a:prstGeom prst="rect">
             <a:avLst/>
@@ -3248,8 +3248,8 @@
         </p:blipFill>
         <p:spPr>
           <a:xfrm>
-            <a:off x="6099048" y="3813048"/>
-            <a:ext cx="3044952" cy="3044952"/>
+            <a:off x="6095847" y="3429000"/>
+            <a:ext cx="3047923" cy="3047923"/>
           </a:xfrm>
           <a:prstGeom prst="rect">
             <a:avLst/>
@@ -3272,8 +3272,8 @@
         </p:blipFill>
         <p:spPr>
           <a:xfrm>
-            <a:off x="9144000" y="3813048"/>
-            <a:ext cx="3044952" cy="3044952"/>
+            <a:off x="9143771" y="3429000"/>
+            <a:ext cx="3047923" cy="3047923"/>
           </a:xfrm>
           <a:prstGeom prst="rect">
             <a:avLst/>

--- a/Image2ppt/Output/test.pptx
+++ b/Image2ppt/Output/test.pptx
@@ -6,6 +6,9 @@
   </p:sldMasterIdLst>
   <p:sldIdLst>
     <p:sldId id="256" r:id="rId7"/>
+    <p:sldId id="257" r:id="rId8"/>
+    <p:sldId id="258" r:id="rId9"/>
+    <p:sldId id="259" r:id="rId10"/>
   </p:sldIdLst>
   <p:sldSz cx="12191695" cy="6858000" type="screen4x3"/>
   <p:notesSz cx="6858000" cy="9144000"/>
@@ -3090,7 +3093,7 @@
       <p:grpSpPr/>
       <p:pic>
         <p:nvPicPr>
-          <p:cNvPr id="2" name="Picture 1" descr="Picture1.1.png"/>
+          <p:cNvPr id="2" name="Picture 1" descr="image.gif"/>
           <p:cNvPicPr>
             <a:picLocks noChangeAspect="1"/>
           </p:cNvPicPr>
@@ -3105,7 +3108,7 @@
         <p:spPr>
           <a:xfrm>
             <a:off x="0" y="0"/>
-            <a:ext cx="1760570" cy="3047923"/>
+            <a:ext cx="1968500" cy="3429000"/>
           </a:xfrm>
           <a:prstGeom prst="rect">
             <a:avLst/>
@@ -3114,7 +3117,7 @@
       </p:pic>
       <p:pic>
         <p:nvPicPr>
-          <p:cNvPr id="3" name="Picture 2" descr="Sample_Cell.tif"/>
+          <p:cNvPr id="3" name="Picture 2" descr="image.gif"/>
           <p:cNvPicPr>
             <a:picLocks noChangeAspect="1"/>
           </p:cNvPicPr>
@@ -3129,7 +3132,7 @@
         <p:spPr>
           <a:xfrm>
             <a:off x="3047923" y="0"/>
-            <a:ext cx="3047923" cy="3047923"/>
+            <a:ext cx="3048000" cy="3048000"/>
           </a:xfrm>
           <a:prstGeom prst="rect">
             <a:avLst/>
@@ -3138,7 +3141,7 @@
       </p:pic>
       <p:pic>
         <p:nvPicPr>
-          <p:cNvPr id="4" name="Picture 3" descr="Sample_Cell.tif"/>
+          <p:cNvPr id="4" name="Picture 3" descr="image.gif"/>
           <p:cNvPicPr>
             <a:picLocks noChangeAspect="1"/>
           </p:cNvPicPr>
@@ -3153,7 +3156,7 @@
         <p:spPr>
           <a:xfrm>
             <a:off x="6095847" y="0"/>
-            <a:ext cx="3047923" cy="3047923"/>
+            <a:ext cx="3048000" cy="3048000"/>
           </a:xfrm>
           <a:prstGeom prst="rect">
             <a:avLst/>
@@ -3162,7 +3165,7 @@
       </p:pic>
       <p:pic>
         <p:nvPicPr>
-          <p:cNvPr id="5" name="Picture 4" descr="Sample_Cell.tif"/>
+          <p:cNvPr id="5" name="Picture 4" descr="image.gif"/>
           <p:cNvPicPr>
             <a:picLocks noChangeAspect="1"/>
           </p:cNvPicPr>
@@ -3177,7 +3180,7 @@
         <p:spPr>
           <a:xfrm>
             <a:off x="9143771" y="0"/>
-            <a:ext cx="3047923" cy="3047923"/>
+            <a:ext cx="3048000" cy="3048000"/>
           </a:xfrm>
           <a:prstGeom prst="rect">
             <a:avLst/>
@@ -3186,7 +3189,7 @@
       </p:pic>
       <p:pic>
         <p:nvPicPr>
-          <p:cNvPr id="6" name="Picture 5" descr="Sample_Cell.tif"/>
+          <p:cNvPr id="6" name="Picture 5" descr="image.gif"/>
           <p:cNvPicPr>
             <a:picLocks noChangeAspect="1"/>
           </p:cNvPicPr>
@@ -3201,7 +3204,7 @@
         <p:spPr>
           <a:xfrm>
             <a:off x="0" y="3429000"/>
-            <a:ext cx="3047923" cy="3047923"/>
+            <a:ext cx="3048000" cy="3048000"/>
           </a:xfrm>
           <a:prstGeom prst="rect">
             <a:avLst/>
@@ -3210,7 +3213,7 @@
       </p:pic>
       <p:pic>
         <p:nvPicPr>
-          <p:cNvPr id="7" name="Picture 6" descr="Sample_Cell.tif"/>
+          <p:cNvPr id="7" name="Picture 6" descr="image.gif"/>
           <p:cNvPicPr>
             <a:picLocks noChangeAspect="1"/>
           </p:cNvPicPr>
@@ -3225,7 +3228,7 @@
         <p:spPr>
           <a:xfrm>
             <a:off x="3047923" y="3429000"/>
-            <a:ext cx="3047923" cy="3047923"/>
+            <a:ext cx="3048000" cy="3048000"/>
           </a:xfrm>
           <a:prstGeom prst="rect">
             <a:avLst/>
@@ -3234,7 +3237,7 @@
       </p:pic>
       <p:pic>
         <p:nvPicPr>
-          <p:cNvPr id="8" name="Picture 7" descr="Sample_Cell.tif"/>
+          <p:cNvPr id="8" name="Picture 7" descr="image.gif"/>
           <p:cNvPicPr>
             <a:picLocks noChangeAspect="1"/>
           </p:cNvPicPr>
@@ -3249,7 +3252,7 @@
         <p:spPr>
           <a:xfrm>
             <a:off x="6095847" y="3429000"/>
-            <a:ext cx="3047923" cy="3047923"/>
+            <a:ext cx="3048000" cy="3048000"/>
           </a:xfrm>
           <a:prstGeom prst="rect">
             <a:avLst/>
@@ -3258,7 +3261,7 @@
       </p:pic>
       <p:pic>
         <p:nvPicPr>
-          <p:cNvPr id="9" name="Picture 8" descr="Sample_Cell.tif"/>
+          <p:cNvPr id="9" name="Picture 8" descr="image.gif"/>
           <p:cNvPicPr>
             <a:picLocks noChangeAspect="1"/>
           </p:cNvPicPr>
@@ -3273,7 +3276,493 @@
         <p:spPr>
           <a:xfrm>
             <a:off x="9143771" y="3429000"/>
-            <a:ext cx="3047923" cy="3047923"/>
+            <a:ext cx="3048000" cy="3048000"/>
+          </a:xfrm>
+          <a:prstGeom prst="rect">
+            <a:avLst/>
+          </a:prstGeom>
+        </p:spPr>
+      </p:pic>
+    </p:spTree>
+  </p:cSld>
+  <p:clrMapOvr>
+    <a:masterClrMapping/>
+  </p:clrMapOvr>
+</p:sld>
+</file>
+
+<file path=ppt/slides/slide2.xml><?xml version="1.0" encoding="utf-8"?>
+<p:sld xmlns:a="http://schemas.openxmlformats.org/drawingml/2006/main" xmlns:p="http://schemas.openxmlformats.org/presentationml/2006/main" xmlns:r="http://schemas.openxmlformats.org/officeDocument/2006/relationships">
+  <p:cSld>
+    <p:spTree>
+      <p:nvGrpSpPr>
+        <p:cNvPr id="1" name=""/>
+        <p:cNvGrpSpPr/>
+        <p:nvPr/>
+      </p:nvGrpSpPr>
+      <p:grpSpPr/>
+      <p:pic>
+        <p:nvPicPr>
+          <p:cNvPr id="2" name="Picture 1" descr="image.gif"/>
+          <p:cNvPicPr>
+            <a:picLocks noChangeAspect="1"/>
+          </p:cNvPicPr>
+          <p:nvPr/>
+        </p:nvPicPr>
+        <p:blipFill>
+          <a:blip r:embed="rId2"/>
+          <a:stretch>
+            <a:fillRect/>
+          </a:stretch>
+        </p:blipFill>
+        <p:spPr>
+          <a:xfrm>
+            <a:off x="0" y="0"/>
+            <a:ext cx="3048000" cy="2286000"/>
+          </a:xfrm>
+          <a:prstGeom prst="rect">
+            <a:avLst/>
+          </a:prstGeom>
+        </p:spPr>
+      </p:pic>
+      <p:pic>
+        <p:nvPicPr>
+          <p:cNvPr id="3" name="Picture 2" descr="image.gif"/>
+          <p:cNvPicPr>
+            <a:picLocks noChangeAspect="1"/>
+          </p:cNvPicPr>
+          <p:nvPr/>
+        </p:nvPicPr>
+        <p:blipFill>
+          <a:blip r:embed="rId3"/>
+          <a:stretch>
+            <a:fillRect/>
+          </a:stretch>
+        </p:blipFill>
+        <p:spPr>
+          <a:xfrm>
+            <a:off x="3047923" y="0"/>
+            <a:ext cx="2565400" cy="3429000"/>
+          </a:xfrm>
+          <a:prstGeom prst="rect">
+            <a:avLst/>
+          </a:prstGeom>
+        </p:spPr>
+      </p:pic>
+      <p:pic>
+        <p:nvPicPr>
+          <p:cNvPr id="4" name="Picture 3" descr="image.gif"/>
+          <p:cNvPicPr>
+            <a:picLocks noChangeAspect="1"/>
+          </p:cNvPicPr>
+          <p:nvPr/>
+        </p:nvPicPr>
+        <p:blipFill>
+          <a:blip r:embed="rId4"/>
+          <a:stretch>
+            <a:fillRect/>
+          </a:stretch>
+        </p:blipFill>
+        <p:spPr>
+          <a:xfrm>
+            <a:off x="6095847" y="0"/>
+            <a:ext cx="3048000" cy="2286000"/>
+          </a:xfrm>
+          <a:prstGeom prst="rect">
+            <a:avLst/>
+          </a:prstGeom>
+        </p:spPr>
+      </p:pic>
+      <p:pic>
+        <p:nvPicPr>
+          <p:cNvPr id="5" name="Picture 4" descr="image.gif"/>
+          <p:cNvPicPr>
+            <a:picLocks noChangeAspect="1"/>
+          </p:cNvPicPr>
+          <p:nvPr/>
+        </p:nvPicPr>
+        <p:blipFill>
+          <a:blip r:embed="rId5"/>
+          <a:stretch>
+            <a:fillRect/>
+          </a:stretch>
+        </p:blipFill>
+        <p:spPr>
+          <a:xfrm>
+            <a:off x="9143771" y="0"/>
+            <a:ext cx="3048000" cy="2286000"/>
+          </a:xfrm>
+          <a:prstGeom prst="rect">
+            <a:avLst/>
+          </a:prstGeom>
+        </p:spPr>
+      </p:pic>
+      <p:pic>
+        <p:nvPicPr>
+          <p:cNvPr id="6" name="Picture 5" descr="image.gif"/>
+          <p:cNvPicPr>
+            <a:picLocks noChangeAspect="1"/>
+          </p:cNvPicPr>
+          <p:nvPr/>
+        </p:nvPicPr>
+        <p:blipFill>
+          <a:blip r:embed="rId6"/>
+          <a:stretch>
+            <a:fillRect/>
+          </a:stretch>
+        </p:blipFill>
+        <p:spPr>
+          <a:xfrm>
+            <a:off x="0" y="3429000"/>
+            <a:ext cx="2565400" cy="3429000"/>
+          </a:xfrm>
+          <a:prstGeom prst="rect">
+            <a:avLst/>
+          </a:prstGeom>
+        </p:spPr>
+      </p:pic>
+      <p:pic>
+        <p:nvPicPr>
+          <p:cNvPr id="7" name="Picture 6" descr="image.gif"/>
+          <p:cNvPicPr>
+            <a:picLocks noChangeAspect="1"/>
+          </p:cNvPicPr>
+          <p:nvPr/>
+        </p:nvPicPr>
+        <p:blipFill>
+          <a:blip r:embed="rId7"/>
+          <a:stretch>
+            <a:fillRect/>
+          </a:stretch>
+        </p:blipFill>
+        <p:spPr>
+          <a:xfrm>
+            <a:off x="3047923" y="3429000"/>
+            <a:ext cx="2565400" cy="3429000"/>
+          </a:xfrm>
+          <a:prstGeom prst="rect">
+            <a:avLst/>
+          </a:prstGeom>
+        </p:spPr>
+      </p:pic>
+      <p:pic>
+        <p:nvPicPr>
+          <p:cNvPr id="8" name="Picture 7" descr="image.gif"/>
+          <p:cNvPicPr>
+            <a:picLocks noChangeAspect="1"/>
+          </p:cNvPicPr>
+          <p:nvPr/>
+        </p:nvPicPr>
+        <p:blipFill>
+          <a:blip r:embed="rId8"/>
+          <a:stretch>
+            <a:fillRect/>
+          </a:stretch>
+        </p:blipFill>
+        <p:spPr>
+          <a:xfrm>
+            <a:off x="6095847" y="3429000"/>
+            <a:ext cx="2565400" cy="3429000"/>
+          </a:xfrm>
+          <a:prstGeom prst="rect">
+            <a:avLst/>
+          </a:prstGeom>
+        </p:spPr>
+      </p:pic>
+      <p:pic>
+        <p:nvPicPr>
+          <p:cNvPr id="9" name="Picture 8" descr="image.gif"/>
+          <p:cNvPicPr>
+            <a:picLocks noChangeAspect="1"/>
+          </p:cNvPicPr>
+          <p:nvPr/>
+        </p:nvPicPr>
+        <p:blipFill>
+          <a:blip r:embed="rId9"/>
+          <a:stretch>
+            <a:fillRect/>
+          </a:stretch>
+        </p:blipFill>
+        <p:spPr>
+          <a:xfrm>
+            <a:off x="9143771" y="3429000"/>
+            <a:ext cx="2565400" cy="3429000"/>
+          </a:xfrm>
+          <a:prstGeom prst="rect">
+            <a:avLst/>
+          </a:prstGeom>
+        </p:spPr>
+      </p:pic>
+    </p:spTree>
+  </p:cSld>
+  <p:clrMapOvr>
+    <a:masterClrMapping/>
+  </p:clrMapOvr>
+</p:sld>
+</file>
+
+<file path=ppt/slides/slide3.xml><?xml version="1.0" encoding="utf-8"?>
+<p:sld xmlns:a="http://schemas.openxmlformats.org/drawingml/2006/main" xmlns:p="http://schemas.openxmlformats.org/presentationml/2006/main" xmlns:r="http://schemas.openxmlformats.org/officeDocument/2006/relationships">
+  <p:cSld>
+    <p:spTree>
+      <p:nvGrpSpPr>
+        <p:cNvPr id="1" name=""/>
+        <p:cNvGrpSpPr/>
+        <p:nvPr/>
+      </p:nvGrpSpPr>
+      <p:grpSpPr/>
+      <p:pic>
+        <p:nvPicPr>
+          <p:cNvPr id="2" name="Picture 1" descr="image.gif"/>
+          <p:cNvPicPr>
+            <a:picLocks noChangeAspect="1"/>
+          </p:cNvPicPr>
+          <p:nvPr/>
+        </p:nvPicPr>
+        <p:blipFill>
+          <a:blip r:embed="rId2"/>
+          <a:stretch>
+            <a:fillRect/>
+          </a:stretch>
+        </p:blipFill>
+        <p:spPr>
+          <a:xfrm>
+            <a:off x="0" y="0"/>
+            <a:ext cx="2565400" cy="3429000"/>
+          </a:xfrm>
+          <a:prstGeom prst="rect">
+            <a:avLst/>
+          </a:prstGeom>
+        </p:spPr>
+      </p:pic>
+      <p:pic>
+        <p:nvPicPr>
+          <p:cNvPr id="3" name="Picture 2" descr="image.gif"/>
+          <p:cNvPicPr>
+            <a:picLocks noChangeAspect="1"/>
+          </p:cNvPicPr>
+          <p:nvPr/>
+        </p:nvPicPr>
+        <p:blipFill>
+          <a:blip r:embed="rId3"/>
+          <a:stretch>
+            <a:fillRect/>
+          </a:stretch>
+        </p:blipFill>
+        <p:spPr>
+          <a:xfrm>
+            <a:off x="3047923" y="0"/>
+            <a:ext cx="3048000" cy="2286000"/>
+          </a:xfrm>
+          <a:prstGeom prst="rect">
+            <a:avLst/>
+          </a:prstGeom>
+        </p:spPr>
+      </p:pic>
+      <p:pic>
+        <p:nvPicPr>
+          <p:cNvPr id="4" name="Picture 3" descr="image.gif"/>
+          <p:cNvPicPr>
+            <a:picLocks noChangeAspect="1"/>
+          </p:cNvPicPr>
+          <p:nvPr/>
+        </p:nvPicPr>
+        <p:blipFill>
+          <a:blip r:embed="rId4"/>
+          <a:stretch>
+            <a:fillRect/>
+          </a:stretch>
+        </p:blipFill>
+        <p:spPr>
+          <a:xfrm>
+            <a:off x="6095847" y="0"/>
+            <a:ext cx="2565400" cy="3429000"/>
+          </a:xfrm>
+          <a:prstGeom prst="rect">
+            <a:avLst/>
+          </a:prstGeom>
+        </p:spPr>
+      </p:pic>
+      <p:pic>
+        <p:nvPicPr>
+          <p:cNvPr id="5" name="Picture 4" descr="image.gif"/>
+          <p:cNvPicPr>
+            <a:picLocks noChangeAspect="1"/>
+          </p:cNvPicPr>
+          <p:nvPr/>
+        </p:nvPicPr>
+        <p:blipFill>
+          <a:blip r:embed="rId5"/>
+          <a:stretch>
+            <a:fillRect/>
+          </a:stretch>
+        </p:blipFill>
+        <p:spPr>
+          <a:xfrm>
+            <a:off x="9143771" y="0"/>
+            <a:ext cx="3048000" cy="2286000"/>
+          </a:xfrm>
+          <a:prstGeom prst="rect">
+            <a:avLst/>
+          </a:prstGeom>
+        </p:spPr>
+      </p:pic>
+      <p:pic>
+        <p:nvPicPr>
+          <p:cNvPr id="6" name="Picture 5" descr="image.gif"/>
+          <p:cNvPicPr>
+            <a:picLocks noChangeAspect="1"/>
+          </p:cNvPicPr>
+          <p:nvPr/>
+        </p:nvPicPr>
+        <p:blipFill>
+          <a:blip r:embed="rId6"/>
+          <a:stretch>
+            <a:fillRect/>
+          </a:stretch>
+        </p:blipFill>
+        <p:spPr>
+          <a:xfrm>
+            <a:off x="0" y="3429000"/>
+            <a:ext cx="3048000" cy="2286000"/>
+          </a:xfrm>
+          <a:prstGeom prst="rect">
+            <a:avLst/>
+          </a:prstGeom>
+        </p:spPr>
+      </p:pic>
+      <p:pic>
+        <p:nvPicPr>
+          <p:cNvPr id="7" name="Picture 6" descr="image.gif"/>
+          <p:cNvPicPr>
+            <a:picLocks noChangeAspect="1"/>
+          </p:cNvPicPr>
+          <p:nvPr/>
+        </p:nvPicPr>
+        <p:blipFill>
+          <a:blip r:embed="rId7"/>
+          <a:stretch>
+            <a:fillRect/>
+          </a:stretch>
+        </p:blipFill>
+        <p:spPr>
+          <a:xfrm>
+            <a:off x="3047923" y="3429000"/>
+            <a:ext cx="2565400" cy="3429000"/>
+          </a:xfrm>
+          <a:prstGeom prst="rect">
+            <a:avLst/>
+          </a:prstGeom>
+        </p:spPr>
+      </p:pic>
+      <p:pic>
+        <p:nvPicPr>
+          <p:cNvPr id="8" name="Picture 7" descr="image.gif"/>
+          <p:cNvPicPr>
+            <a:picLocks noChangeAspect="1"/>
+          </p:cNvPicPr>
+          <p:nvPr/>
+        </p:nvPicPr>
+        <p:blipFill>
+          <a:blip r:embed="rId8"/>
+          <a:stretch>
+            <a:fillRect/>
+          </a:stretch>
+        </p:blipFill>
+        <p:spPr>
+          <a:xfrm>
+            <a:off x="6095847" y="3429000"/>
+            <a:ext cx="2565400" cy="3429000"/>
+          </a:xfrm>
+          <a:prstGeom prst="rect">
+            <a:avLst/>
+          </a:prstGeom>
+        </p:spPr>
+      </p:pic>
+      <p:pic>
+        <p:nvPicPr>
+          <p:cNvPr id="9" name="Picture 8" descr="image.gif"/>
+          <p:cNvPicPr>
+            <a:picLocks noChangeAspect="1"/>
+          </p:cNvPicPr>
+          <p:nvPr/>
+        </p:nvPicPr>
+        <p:blipFill>
+          <a:blip r:embed="rId9"/>
+          <a:stretch>
+            <a:fillRect/>
+          </a:stretch>
+        </p:blipFill>
+        <p:spPr>
+          <a:xfrm>
+            <a:off x="9143771" y="3429000"/>
+            <a:ext cx="2565400" cy="3429000"/>
+          </a:xfrm>
+          <a:prstGeom prst="rect">
+            <a:avLst/>
+          </a:prstGeom>
+        </p:spPr>
+      </p:pic>
+    </p:spTree>
+  </p:cSld>
+  <p:clrMapOvr>
+    <a:masterClrMapping/>
+  </p:clrMapOvr>
+</p:sld>
+</file>
+
+<file path=ppt/slides/slide4.xml><?xml version="1.0" encoding="utf-8"?>
+<p:sld xmlns:a="http://schemas.openxmlformats.org/drawingml/2006/main" xmlns:p="http://schemas.openxmlformats.org/presentationml/2006/main" xmlns:r="http://schemas.openxmlformats.org/officeDocument/2006/relationships">
+  <p:cSld>
+    <p:spTree>
+      <p:nvGrpSpPr>
+        <p:cNvPr id="1" name=""/>
+        <p:cNvGrpSpPr/>
+        <p:nvPr/>
+      </p:nvGrpSpPr>
+      <p:grpSpPr/>
+      <p:pic>
+        <p:nvPicPr>
+          <p:cNvPr id="2" name="Picture 1" descr="image.gif"/>
+          <p:cNvPicPr>
+            <a:picLocks noChangeAspect="1"/>
+          </p:cNvPicPr>
+          <p:nvPr/>
+        </p:nvPicPr>
+        <p:blipFill>
+          <a:blip r:embed="rId2"/>
+          <a:stretch>
+            <a:fillRect/>
+          </a:stretch>
+        </p:blipFill>
+        <p:spPr>
+          <a:xfrm>
+            <a:off x="0" y="0"/>
+            <a:ext cx="2565400" cy="3429000"/>
+          </a:xfrm>
+          <a:prstGeom prst="rect">
+            <a:avLst/>
+          </a:prstGeom>
+        </p:spPr>
+      </p:pic>
+      <p:pic>
+        <p:nvPicPr>
+          <p:cNvPr id="3" name="Picture 2" descr="image.gif"/>
+          <p:cNvPicPr>
+            <a:picLocks noChangeAspect="1"/>
+          </p:cNvPicPr>
+          <p:nvPr/>
+        </p:nvPicPr>
+        <p:blipFill>
+          <a:blip r:embed="rId3"/>
+          <a:stretch>
+            <a:fillRect/>
+          </a:stretch>
+        </p:blipFill>
+        <p:spPr>
+          <a:xfrm>
+            <a:off x="3047923" y="0"/>
+            <a:ext cx="2565400" cy="3429000"/>
           </a:xfrm>
           <a:prstGeom prst="rect">
             <a:avLst/>

--- a/Image2ppt/Output/test.pptx
+++ b/Image2ppt/Output/test.pptx
@@ -7,8 +7,6 @@
   <p:sldIdLst>
     <p:sldId id="256" r:id="rId7"/>
     <p:sldId id="257" r:id="rId8"/>
-    <p:sldId id="258" r:id="rId9"/>
-    <p:sldId id="259" r:id="rId10"/>
   </p:sldIdLst>
   <p:sldSz cx="12191695" cy="6858000" type="screen4x3"/>
   <p:notesSz cx="6858000" cy="9144000"/>
@@ -3107,8 +3105,8 @@
         </p:blipFill>
         <p:spPr>
           <a:xfrm>
-            <a:off x="0" y="0"/>
-            <a:ext cx="1968500" cy="3429000"/>
+            <a:off x="565119" y="0"/>
+            <a:ext cx="1308100" cy="2286000"/>
           </a:xfrm>
           <a:prstGeom prst="rect">
             <a:avLst/>
@@ -3131,8 +3129,8 @@
         </p:blipFill>
         <p:spPr>
           <a:xfrm>
-            <a:off x="3047923" y="0"/>
-            <a:ext cx="3048000" cy="3048000"/>
+            <a:off x="2514508" y="0"/>
+            <a:ext cx="2286000" cy="2286000"/>
           </a:xfrm>
           <a:prstGeom prst="rect">
             <a:avLst/>
@@ -3155,8 +3153,8 @@
         </p:blipFill>
         <p:spPr>
           <a:xfrm>
-            <a:off x="6095847" y="0"/>
-            <a:ext cx="3048000" cy="3048000"/>
+            <a:off x="4952847" y="0"/>
+            <a:ext cx="2286000" cy="2286000"/>
           </a:xfrm>
           <a:prstGeom prst="rect">
             <a:avLst/>
@@ -3179,8 +3177,8 @@
         </p:blipFill>
         <p:spPr>
           <a:xfrm>
-            <a:off x="9143771" y="0"/>
-            <a:ext cx="3048000" cy="3048000"/>
+            <a:off x="7391186" y="0"/>
+            <a:ext cx="2286000" cy="2286000"/>
           </a:xfrm>
           <a:prstGeom prst="rect">
             <a:avLst/>
@@ -3203,8 +3201,8 @@
         </p:blipFill>
         <p:spPr>
           <a:xfrm>
-            <a:off x="0" y="3429000"/>
-            <a:ext cx="3048000" cy="3048000"/>
+            <a:off x="9829525" y="0"/>
+            <a:ext cx="2286000" cy="2286000"/>
           </a:xfrm>
           <a:prstGeom prst="rect">
             <a:avLst/>
@@ -3227,8 +3225,8 @@
         </p:blipFill>
         <p:spPr>
           <a:xfrm>
-            <a:off x="3047923" y="3429000"/>
-            <a:ext cx="3048000" cy="3048000"/>
+            <a:off x="76169" y="2286000"/>
+            <a:ext cx="2286000" cy="2286000"/>
           </a:xfrm>
           <a:prstGeom prst="rect">
             <a:avLst/>
@@ -3251,8 +3249,8 @@
         </p:blipFill>
         <p:spPr>
           <a:xfrm>
-            <a:off x="6095847" y="3429000"/>
-            <a:ext cx="3048000" cy="3048000"/>
+            <a:off x="2514508" y="2286000"/>
+            <a:ext cx="2286000" cy="2286000"/>
           </a:xfrm>
           <a:prstGeom prst="rect">
             <a:avLst/>
@@ -3275,8 +3273,176 @@
         </p:blipFill>
         <p:spPr>
           <a:xfrm>
-            <a:off x="9143771" y="3429000"/>
-            <a:ext cx="3048000" cy="3048000"/>
+            <a:off x="4952847" y="2286000"/>
+            <a:ext cx="2286000" cy="2286000"/>
+          </a:xfrm>
+          <a:prstGeom prst="rect">
+            <a:avLst/>
+          </a:prstGeom>
+        </p:spPr>
+      </p:pic>
+      <p:pic>
+        <p:nvPicPr>
+          <p:cNvPr id="10" name="Picture 9" descr="image.gif"/>
+          <p:cNvPicPr>
+            <a:picLocks noChangeAspect="1"/>
+          </p:cNvPicPr>
+          <p:nvPr/>
+        </p:nvPicPr>
+        <p:blipFill>
+          <a:blip r:embed="rId4"/>
+          <a:stretch>
+            <a:fillRect/>
+          </a:stretch>
+        </p:blipFill>
+        <p:spPr>
+          <a:xfrm>
+            <a:off x="7314987" y="2514600"/>
+            <a:ext cx="2438400" cy="1828800"/>
+          </a:xfrm>
+          <a:prstGeom prst="rect">
+            <a:avLst/>
+          </a:prstGeom>
+        </p:spPr>
+      </p:pic>
+      <p:pic>
+        <p:nvPicPr>
+          <p:cNvPr id="11" name="Picture 10" descr="image.gif"/>
+          <p:cNvPicPr>
+            <a:picLocks noChangeAspect="1"/>
+          </p:cNvPicPr>
+          <p:nvPr/>
+        </p:nvPicPr>
+        <p:blipFill>
+          <a:blip r:embed="rId5"/>
+          <a:stretch>
+            <a:fillRect/>
+          </a:stretch>
+        </p:blipFill>
+        <p:spPr>
+          <a:xfrm>
+            <a:off x="10115275" y="2286000"/>
+            <a:ext cx="1714500" cy="2286000"/>
+          </a:xfrm>
+          <a:prstGeom prst="rect">
+            <a:avLst/>
+          </a:prstGeom>
+        </p:spPr>
+      </p:pic>
+      <p:pic>
+        <p:nvPicPr>
+          <p:cNvPr id="12" name="Picture 11" descr="image.gif"/>
+          <p:cNvPicPr>
+            <a:picLocks noChangeAspect="1"/>
+          </p:cNvPicPr>
+          <p:nvPr/>
+        </p:nvPicPr>
+        <p:blipFill>
+          <a:blip r:embed="rId6"/>
+          <a:stretch>
+            <a:fillRect/>
+          </a:stretch>
+        </p:blipFill>
+        <p:spPr>
+          <a:xfrm>
+            <a:off x="-30" y="4800600"/>
+            <a:ext cx="2438400" cy="1828800"/>
+          </a:xfrm>
+          <a:prstGeom prst="rect">
+            <a:avLst/>
+          </a:prstGeom>
+        </p:spPr>
+      </p:pic>
+      <p:pic>
+        <p:nvPicPr>
+          <p:cNvPr id="13" name="Picture 12" descr="image.gif"/>
+          <p:cNvPicPr>
+            <a:picLocks noChangeAspect="1"/>
+          </p:cNvPicPr>
+          <p:nvPr/>
+        </p:nvPicPr>
+        <p:blipFill>
+          <a:blip r:embed="rId7"/>
+          <a:stretch>
+            <a:fillRect/>
+          </a:stretch>
+        </p:blipFill>
+        <p:spPr>
+          <a:xfrm>
+            <a:off x="2438309" y="4800600"/>
+            <a:ext cx="2438400" cy="1828800"/>
+          </a:xfrm>
+          <a:prstGeom prst="rect">
+            <a:avLst/>
+          </a:prstGeom>
+        </p:spPr>
+      </p:pic>
+      <p:pic>
+        <p:nvPicPr>
+          <p:cNvPr id="14" name="Picture 13" descr="image.gif"/>
+          <p:cNvPicPr>
+            <a:picLocks noChangeAspect="1"/>
+          </p:cNvPicPr>
+          <p:nvPr/>
+        </p:nvPicPr>
+        <p:blipFill>
+          <a:blip r:embed="rId8"/>
+          <a:stretch>
+            <a:fillRect/>
+          </a:stretch>
+        </p:blipFill>
+        <p:spPr>
+          <a:xfrm>
+            <a:off x="5238597" y="4572000"/>
+            <a:ext cx="1714500" cy="2286000"/>
+          </a:xfrm>
+          <a:prstGeom prst="rect">
+            <a:avLst/>
+          </a:prstGeom>
+        </p:spPr>
+      </p:pic>
+      <p:pic>
+        <p:nvPicPr>
+          <p:cNvPr id="15" name="Picture 14" descr="image.gif"/>
+          <p:cNvPicPr>
+            <a:picLocks noChangeAspect="1"/>
+          </p:cNvPicPr>
+          <p:nvPr/>
+        </p:nvPicPr>
+        <p:blipFill>
+          <a:blip r:embed="rId9"/>
+          <a:stretch>
+            <a:fillRect/>
+          </a:stretch>
+        </p:blipFill>
+        <p:spPr>
+          <a:xfrm>
+            <a:off x="7676936" y="4572000"/>
+            <a:ext cx="1714500" cy="2286000"/>
+          </a:xfrm>
+          <a:prstGeom prst="rect">
+            <a:avLst/>
+          </a:prstGeom>
+        </p:spPr>
+      </p:pic>
+      <p:pic>
+        <p:nvPicPr>
+          <p:cNvPr id="16" name="Picture 15" descr="image.gif"/>
+          <p:cNvPicPr>
+            <a:picLocks noChangeAspect="1"/>
+          </p:cNvPicPr>
+          <p:nvPr/>
+        </p:nvPicPr>
+        <p:blipFill>
+          <a:blip r:embed="rId10"/>
+          <a:stretch>
+            <a:fillRect/>
+          </a:stretch>
+        </p:blipFill>
+        <p:spPr>
+          <a:xfrm>
+            <a:off x="10115275" y="4572000"/>
+            <a:ext cx="1714500" cy="2286000"/>
           </a:xfrm>
           <a:prstGeom prst="rect">
             <a:avLst/>
@@ -3317,8 +3483,8 @@
         </p:blipFill>
         <p:spPr>
           <a:xfrm>
-            <a:off x="0" y="0"/>
-            <a:ext cx="3048000" cy="2286000"/>
+            <a:off x="361919" y="0"/>
+            <a:ext cx="1714500" cy="2286000"/>
           </a:xfrm>
           <a:prstGeom prst="rect">
             <a:avLst/>
@@ -3341,8 +3507,8 @@
         </p:blipFill>
         <p:spPr>
           <a:xfrm>
-            <a:off x="3047923" y="0"/>
-            <a:ext cx="2565400" cy="3429000"/>
+            <a:off x="2800258" y="0"/>
+            <a:ext cx="1714500" cy="2286000"/>
           </a:xfrm>
           <a:prstGeom prst="rect">
             <a:avLst/>
@@ -3365,8 +3531,8 @@
         </p:blipFill>
         <p:spPr>
           <a:xfrm>
-            <a:off x="6095847" y="0"/>
-            <a:ext cx="3048000" cy="2286000"/>
+            <a:off x="4876648" y="228600"/>
+            <a:ext cx="2438400" cy="1828800"/>
           </a:xfrm>
           <a:prstGeom prst="rect">
             <a:avLst/>
@@ -3389,8 +3555,8 @@
         </p:blipFill>
         <p:spPr>
           <a:xfrm>
-            <a:off x="9143771" y="0"/>
-            <a:ext cx="3048000" cy="2286000"/>
+            <a:off x="7676936" y="0"/>
+            <a:ext cx="1714500" cy="2286000"/>
           </a:xfrm>
           <a:prstGeom prst="rect">
             <a:avLst/>
@@ -3413,8 +3579,8 @@
         </p:blipFill>
         <p:spPr>
           <a:xfrm>
-            <a:off x="0" y="3429000"/>
-            <a:ext cx="2565400" cy="3429000"/>
+            <a:off x="9753326" y="228600"/>
+            <a:ext cx="2438400" cy="1828800"/>
           </a:xfrm>
           <a:prstGeom prst="rect">
             <a:avLst/>
@@ -3437,8 +3603,8 @@
         </p:blipFill>
         <p:spPr>
           <a:xfrm>
-            <a:off x="3047923" y="3429000"/>
-            <a:ext cx="2565400" cy="3429000"/>
+            <a:off x="-30" y="2514600"/>
+            <a:ext cx="2438400" cy="1828800"/>
           </a:xfrm>
           <a:prstGeom prst="rect">
             <a:avLst/>
@@ -3461,8 +3627,8 @@
         </p:blipFill>
         <p:spPr>
           <a:xfrm>
-            <a:off x="6095847" y="3429000"/>
-            <a:ext cx="2565400" cy="3429000"/>
+            <a:off x="2800258" y="2286000"/>
+            <a:ext cx="1714500" cy="2286000"/>
           </a:xfrm>
           <a:prstGeom prst="rect">
             <a:avLst/>
@@ -3485,35 +3651,41 @@
         </p:blipFill>
         <p:spPr>
           <a:xfrm>
-            <a:off x="9143771" y="3429000"/>
-            <a:ext cx="2565400" cy="3429000"/>
+            <a:off x="5238597" y="2286000"/>
+            <a:ext cx="1714500" cy="2286000"/>
           </a:xfrm>
           <a:prstGeom prst="rect">
             <a:avLst/>
           </a:prstGeom>
         </p:spPr>
       </p:pic>
-    </p:spTree>
-  </p:cSld>
-  <p:clrMapOvr>
-    <a:masterClrMapping/>
-  </p:clrMapOvr>
-</p:sld>
-</file>
-
-<file path=ppt/slides/slide3.xml><?xml version="1.0" encoding="utf-8"?>
-<p:sld xmlns:a="http://schemas.openxmlformats.org/drawingml/2006/main" xmlns:p="http://schemas.openxmlformats.org/presentationml/2006/main" xmlns:r="http://schemas.openxmlformats.org/officeDocument/2006/relationships">
-  <p:cSld>
-    <p:spTree>
-      <p:nvGrpSpPr>
-        <p:cNvPr id="1" name=""/>
-        <p:cNvGrpSpPr/>
-        <p:nvPr/>
-      </p:nvGrpSpPr>
-      <p:grpSpPr/>
       <p:pic>
         <p:nvPicPr>
-          <p:cNvPr id="2" name="Picture 1" descr="image.gif"/>
+          <p:cNvPr id="10" name="Picture 9" descr="image.gif"/>
+          <p:cNvPicPr>
+            <a:picLocks noChangeAspect="1"/>
+          </p:cNvPicPr>
+          <p:nvPr/>
+        </p:nvPicPr>
+        <p:blipFill>
+          <a:blip r:embed="rId10"/>
+          <a:stretch>
+            <a:fillRect/>
+          </a:stretch>
+        </p:blipFill>
+        <p:spPr>
+          <a:xfrm>
+            <a:off x="7676936" y="2286000"/>
+            <a:ext cx="1714500" cy="2286000"/>
+          </a:xfrm>
+          <a:prstGeom prst="rect">
+            <a:avLst/>
+          </a:prstGeom>
+        </p:spPr>
+      </p:pic>
+      <p:pic>
+        <p:nvPicPr>
+          <p:cNvPr id="11" name="Picture 10" descr="image.gif"/>
           <p:cNvPicPr>
             <a:picLocks noChangeAspect="1"/>
           </p:cNvPicPr>
@@ -3527,8 +3699,8 @@
         </p:blipFill>
         <p:spPr>
           <a:xfrm>
-            <a:off x="0" y="0"/>
-            <a:ext cx="2565400" cy="3429000"/>
+            <a:off x="10115275" y="2286000"/>
+            <a:ext cx="1714500" cy="2286000"/>
           </a:xfrm>
           <a:prstGeom prst="rect">
             <a:avLst/>
@@ -3537,7 +3709,7 @@
       </p:pic>
       <p:pic>
         <p:nvPicPr>
-          <p:cNvPr id="3" name="Picture 2" descr="image.gif"/>
+          <p:cNvPr id="12" name="Picture 11" descr="image.gif"/>
           <p:cNvPicPr>
             <a:picLocks noChangeAspect="1"/>
           </p:cNvPicPr>
@@ -3551,218 +3723,8 @@
         </p:blipFill>
         <p:spPr>
           <a:xfrm>
-            <a:off x="3047923" y="0"/>
-            <a:ext cx="3048000" cy="2286000"/>
-          </a:xfrm>
-          <a:prstGeom prst="rect">
-            <a:avLst/>
-          </a:prstGeom>
-        </p:spPr>
-      </p:pic>
-      <p:pic>
-        <p:nvPicPr>
-          <p:cNvPr id="4" name="Picture 3" descr="image.gif"/>
-          <p:cNvPicPr>
-            <a:picLocks noChangeAspect="1"/>
-          </p:cNvPicPr>
-          <p:nvPr/>
-        </p:nvPicPr>
-        <p:blipFill>
-          <a:blip r:embed="rId4"/>
-          <a:stretch>
-            <a:fillRect/>
-          </a:stretch>
-        </p:blipFill>
-        <p:spPr>
-          <a:xfrm>
-            <a:off x="6095847" y="0"/>
-            <a:ext cx="2565400" cy="3429000"/>
-          </a:xfrm>
-          <a:prstGeom prst="rect">
-            <a:avLst/>
-          </a:prstGeom>
-        </p:spPr>
-      </p:pic>
-      <p:pic>
-        <p:nvPicPr>
-          <p:cNvPr id="5" name="Picture 4" descr="image.gif"/>
-          <p:cNvPicPr>
-            <a:picLocks noChangeAspect="1"/>
-          </p:cNvPicPr>
-          <p:nvPr/>
-        </p:nvPicPr>
-        <p:blipFill>
-          <a:blip r:embed="rId5"/>
-          <a:stretch>
-            <a:fillRect/>
-          </a:stretch>
-        </p:blipFill>
-        <p:spPr>
-          <a:xfrm>
-            <a:off x="9143771" y="0"/>
-            <a:ext cx="3048000" cy="2286000"/>
-          </a:xfrm>
-          <a:prstGeom prst="rect">
-            <a:avLst/>
-          </a:prstGeom>
-        </p:spPr>
-      </p:pic>
-      <p:pic>
-        <p:nvPicPr>
-          <p:cNvPr id="6" name="Picture 5" descr="image.gif"/>
-          <p:cNvPicPr>
-            <a:picLocks noChangeAspect="1"/>
-          </p:cNvPicPr>
-          <p:nvPr/>
-        </p:nvPicPr>
-        <p:blipFill>
-          <a:blip r:embed="rId6"/>
-          <a:stretch>
-            <a:fillRect/>
-          </a:stretch>
-        </p:blipFill>
-        <p:spPr>
-          <a:xfrm>
-            <a:off x="0" y="3429000"/>
-            <a:ext cx="3048000" cy="2286000"/>
-          </a:xfrm>
-          <a:prstGeom prst="rect">
-            <a:avLst/>
-          </a:prstGeom>
-        </p:spPr>
-      </p:pic>
-      <p:pic>
-        <p:nvPicPr>
-          <p:cNvPr id="7" name="Picture 6" descr="image.gif"/>
-          <p:cNvPicPr>
-            <a:picLocks noChangeAspect="1"/>
-          </p:cNvPicPr>
-          <p:nvPr/>
-        </p:nvPicPr>
-        <p:blipFill>
-          <a:blip r:embed="rId7"/>
-          <a:stretch>
-            <a:fillRect/>
-          </a:stretch>
-        </p:blipFill>
-        <p:spPr>
-          <a:xfrm>
-            <a:off x="3047923" y="3429000"/>
-            <a:ext cx="2565400" cy="3429000"/>
-          </a:xfrm>
-          <a:prstGeom prst="rect">
-            <a:avLst/>
-          </a:prstGeom>
-        </p:spPr>
-      </p:pic>
-      <p:pic>
-        <p:nvPicPr>
-          <p:cNvPr id="8" name="Picture 7" descr="image.gif"/>
-          <p:cNvPicPr>
-            <a:picLocks noChangeAspect="1"/>
-          </p:cNvPicPr>
-          <p:nvPr/>
-        </p:nvPicPr>
-        <p:blipFill>
-          <a:blip r:embed="rId8"/>
-          <a:stretch>
-            <a:fillRect/>
-          </a:stretch>
-        </p:blipFill>
-        <p:spPr>
-          <a:xfrm>
-            <a:off x="6095847" y="3429000"/>
-            <a:ext cx="2565400" cy="3429000"/>
-          </a:xfrm>
-          <a:prstGeom prst="rect">
-            <a:avLst/>
-          </a:prstGeom>
-        </p:spPr>
-      </p:pic>
-      <p:pic>
-        <p:nvPicPr>
-          <p:cNvPr id="9" name="Picture 8" descr="image.gif"/>
-          <p:cNvPicPr>
-            <a:picLocks noChangeAspect="1"/>
-          </p:cNvPicPr>
-          <p:nvPr/>
-        </p:nvPicPr>
-        <p:blipFill>
-          <a:blip r:embed="rId9"/>
-          <a:stretch>
-            <a:fillRect/>
-          </a:stretch>
-        </p:blipFill>
-        <p:spPr>
-          <a:xfrm>
-            <a:off x="9143771" y="3429000"/>
-            <a:ext cx="2565400" cy="3429000"/>
-          </a:xfrm>
-          <a:prstGeom prst="rect">
-            <a:avLst/>
-          </a:prstGeom>
-        </p:spPr>
-      </p:pic>
-    </p:spTree>
-  </p:cSld>
-  <p:clrMapOvr>
-    <a:masterClrMapping/>
-  </p:clrMapOvr>
-</p:sld>
-</file>
-
-<file path=ppt/slides/slide4.xml><?xml version="1.0" encoding="utf-8"?>
-<p:sld xmlns:a="http://schemas.openxmlformats.org/drawingml/2006/main" xmlns:p="http://schemas.openxmlformats.org/presentationml/2006/main" xmlns:r="http://schemas.openxmlformats.org/officeDocument/2006/relationships">
-  <p:cSld>
-    <p:spTree>
-      <p:nvGrpSpPr>
-        <p:cNvPr id="1" name=""/>
-        <p:cNvGrpSpPr/>
-        <p:nvPr/>
-      </p:nvGrpSpPr>
-      <p:grpSpPr/>
-      <p:pic>
-        <p:nvPicPr>
-          <p:cNvPr id="2" name="Picture 1" descr="image.gif"/>
-          <p:cNvPicPr>
-            <a:picLocks noChangeAspect="1"/>
-          </p:cNvPicPr>
-          <p:nvPr/>
-        </p:nvPicPr>
-        <p:blipFill>
-          <a:blip r:embed="rId2"/>
-          <a:stretch>
-            <a:fillRect/>
-          </a:stretch>
-        </p:blipFill>
-        <p:spPr>
-          <a:xfrm>
-            <a:off x="0" y="0"/>
-            <a:ext cx="2565400" cy="3429000"/>
-          </a:xfrm>
-          <a:prstGeom prst="rect">
-            <a:avLst/>
-          </a:prstGeom>
-        </p:spPr>
-      </p:pic>
-      <p:pic>
-        <p:nvPicPr>
-          <p:cNvPr id="3" name="Picture 2" descr="image.gif"/>
-          <p:cNvPicPr>
-            <a:picLocks noChangeAspect="1"/>
-          </p:cNvPicPr>
-          <p:nvPr/>
-        </p:nvPicPr>
-        <p:blipFill>
-          <a:blip r:embed="rId3"/>
-          <a:stretch>
-            <a:fillRect/>
-          </a:stretch>
-        </p:blipFill>
-        <p:spPr>
-          <a:xfrm>
-            <a:off x="3047923" y="0"/>
-            <a:ext cx="2565400" cy="3429000"/>
+            <a:off x="361919" y="4572000"/>
+            <a:ext cx="1714500" cy="2286000"/>
           </a:xfrm>
           <a:prstGeom prst="rect">
             <a:avLst/>

--- a/Image2ppt/Output/test.pptx
+++ b/Image2ppt/Output/test.pptx
@@ -3105,8 +3105,8 @@
         </p:blipFill>
         <p:spPr>
           <a:xfrm>
-            <a:off x="565119" y="0"/>
-            <a:ext cx="1308100" cy="2286000"/>
+            <a:off x="1130261" y="0"/>
+            <a:ext cx="787400" cy="1371600"/>
           </a:xfrm>
           <a:prstGeom prst="rect">
             <a:avLst/>
@@ -3129,8 +3129,8 @@
         </p:blipFill>
         <p:spPr>
           <a:xfrm>
-            <a:off x="2514508" y="0"/>
-            <a:ext cx="2286000" cy="2286000"/>
+            <a:off x="3886084" y="0"/>
+            <a:ext cx="1371600" cy="1371600"/>
           </a:xfrm>
           <a:prstGeom prst="rect">
             <a:avLst/>
@@ -3153,8 +3153,8 @@
         </p:blipFill>
         <p:spPr>
           <a:xfrm>
-            <a:off x="4952847" y="0"/>
-            <a:ext cx="2286000" cy="2286000"/>
+            <a:off x="6934008" y="0"/>
+            <a:ext cx="1371600" cy="1371600"/>
           </a:xfrm>
           <a:prstGeom prst="rect">
             <a:avLst/>
@@ -3177,8 +3177,8 @@
         </p:blipFill>
         <p:spPr>
           <a:xfrm>
-            <a:off x="7391186" y="0"/>
-            <a:ext cx="2286000" cy="2286000"/>
+            <a:off x="9981932" y="0"/>
+            <a:ext cx="1371600" cy="1371600"/>
           </a:xfrm>
           <a:prstGeom prst="rect">
             <a:avLst/>
@@ -3201,8 +3201,8 @@
         </p:blipFill>
         <p:spPr>
           <a:xfrm>
-            <a:off x="9829525" y="0"/>
-            <a:ext cx="2286000" cy="2286000"/>
+            <a:off x="838161" y="1371600"/>
+            <a:ext cx="1371600" cy="1371600"/>
           </a:xfrm>
           <a:prstGeom prst="rect">
             <a:avLst/>
@@ -3225,8 +3225,8 @@
         </p:blipFill>
         <p:spPr>
           <a:xfrm>
-            <a:off x="76169" y="2286000"/>
-            <a:ext cx="2286000" cy="2286000"/>
+            <a:off x="3886084" y="1371600"/>
+            <a:ext cx="1371600" cy="1371600"/>
           </a:xfrm>
           <a:prstGeom prst="rect">
             <a:avLst/>
@@ -3249,8 +3249,8 @@
         </p:blipFill>
         <p:spPr>
           <a:xfrm>
-            <a:off x="2514508" y="2286000"/>
-            <a:ext cx="2286000" cy="2286000"/>
+            <a:off x="6934008" y="1371600"/>
+            <a:ext cx="1371600" cy="1371600"/>
           </a:xfrm>
           <a:prstGeom prst="rect">
             <a:avLst/>
@@ -3273,8 +3273,8 @@
         </p:blipFill>
         <p:spPr>
           <a:xfrm>
-            <a:off x="4952847" y="2286000"/>
-            <a:ext cx="2286000" cy="2286000"/>
+            <a:off x="9981932" y="1371600"/>
+            <a:ext cx="1371600" cy="1371600"/>
           </a:xfrm>
           <a:prstGeom prst="rect">
             <a:avLst/>
@@ -3297,8 +3297,8 @@
         </p:blipFill>
         <p:spPr>
           <a:xfrm>
-            <a:off x="7314987" y="2514600"/>
-            <a:ext cx="2438400" cy="1828800"/>
+            <a:off x="-38" y="2286000"/>
+            <a:ext cx="3048000" cy="2286000"/>
           </a:xfrm>
           <a:prstGeom prst="rect">
             <a:avLst/>
@@ -3321,8 +3321,8 @@
         </p:blipFill>
         <p:spPr>
           <a:xfrm>
-            <a:off x="10115275" y="2286000"/>
-            <a:ext cx="1714500" cy="2286000"/>
+            <a:off x="4057534" y="2743200"/>
+            <a:ext cx="1028700" cy="1371600"/>
           </a:xfrm>
           <a:prstGeom prst="rect">
             <a:avLst/>
@@ -3345,8 +3345,8 @@
         </p:blipFill>
         <p:spPr>
           <a:xfrm>
-            <a:off x="-30" y="4800600"/>
-            <a:ext cx="2438400" cy="1828800"/>
+            <a:off x="6095809" y="2286000"/>
+            <a:ext cx="3048000" cy="2286000"/>
           </a:xfrm>
           <a:prstGeom prst="rect">
             <a:avLst/>
@@ -3369,8 +3369,8 @@
         </p:blipFill>
         <p:spPr>
           <a:xfrm>
-            <a:off x="2438309" y="4800600"/>
-            <a:ext cx="2438400" cy="1828800"/>
+            <a:off x="9143733" y="2286000"/>
+            <a:ext cx="3048000" cy="2286000"/>
           </a:xfrm>
           <a:prstGeom prst="rect">
             <a:avLst/>
@@ -3393,8 +3393,8 @@
         </p:blipFill>
         <p:spPr>
           <a:xfrm>
-            <a:off x="5238597" y="4572000"/>
-            <a:ext cx="1714500" cy="2286000"/>
+            <a:off x="1009611" y="4114800"/>
+            <a:ext cx="1028700" cy="1371600"/>
           </a:xfrm>
           <a:prstGeom prst="rect">
             <a:avLst/>
@@ -3417,8 +3417,8 @@
         </p:blipFill>
         <p:spPr>
           <a:xfrm>
-            <a:off x="7676936" y="4572000"/>
-            <a:ext cx="1714500" cy="2286000"/>
+            <a:off x="4057534" y="4114800"/>
+            <a:ext cx="1028700" cy="1371600"/>
           </a:xfrm>
           <a:prstGeom prst="rect">
             <a:avLst/>
@@ -3441,8 +3441,128 @@
         </p:blipFill>
         <p:spPr>
           <a:xfrm>
-            <a:off x="10115275" y="4572000"/>
-            <a:ext cx="1714500" cy="2286000"/>
+            <a:off x="7105458" y="4114800"/>
+            <a:ext cx="1028700" cy="1371600"/>
+          </a:xfrm>
+          <a:prstGeom prst="rect">
+            <a:avLst/>
+          </a:prstGeom>
+        </p:spPr>
+      </p:pic>
+      <p:pic>
+        <p:nvPicPr>
+          <p:cNvPr id="17" name="Picture 16" descr="image.gif"/>
+          <p:cNvPicPr>
+            <a:picLocks noChangeAspect="1"/>
+          </p:cNvPicPr>
+          <p:nvPr/>
+        </p:nvPicPr>
+        <p:blipFill>
+          <a:blip r:embed="rId11"/>
+          <a:stretch>
+            <a:fillRect/>
+          </a:stretch>
+        </p:blipFill>
+        <p:spPr>
+          <a:xfrm>
+            <a:off x="10153382" y="4114800"/>
+            <a:ext cx="1028700" cy="1371600"/>
+          </a:xfrm>
+          <a:prstGeom prst="rect">
+            <a:avLst/>
+          </a:prstGeom>
+        </p:spPr>
+      </p:pic>
+      <p:pic>
+        <p:nvPicPr>
+          <p:cNvPr id="18" name="Picture 17" descr="image.gif"/>
+          <p:cNvPicPr>
+            <a:picLocks noChangeAspect="1"/>
+          </p:cNvPicPr>
+          <p:nvPr/>
+        </p:nvPicPr>
+        <p:blipFill>
+          <a:blip r:embed="rId12"/>
+          <a:stretch>
+            <a:fillRect/>
+          </a:stretch>
+        </p:blipFill>
+        <p:spPr>
+          <a:xfrm>
+            <a:off x="1009611" y="5486400"/>
+            <a:ext cx="1028700" cy="1371600"/>
+          </a:xfrm>
+          <a:prstGeom prst="rect">
+            <a:avLst/>
+          </a:prstGeom>
+        </p:spPr>
+      </p:pic>
+      <p:pic>
+        <p:nvPicPr>
+          <p:cNvPr id="19" name="Picture 18" descr="image.gif"/>
+          <p:cNvPicPr>
+            <a:picLocks noChangeAspect="1"/>
+          </p:cNvPicPr>
+          <p:nvPr/>
+        </p:nvPicPr>
+        <p:blipFill>
+          <a:blip r:embed="rId4"/>
+          <a:stretch>
+            <a:fillRect/>
+          </a:stretch>
+        </p:blipFill>
+        <p:spPr>
+          <a:xfrm>
+            <a:off x="3047885" y="5029200"/>
+            <a:ext cx="3048000" cy="2286000"/>
+          </a:xfrm>
+          <a:prstGeom prst="rect">
+            <a:avLst/>
+          </a:prstGeom>
+        </p:spPr>
+      </p:pic>
+      <p:pic>
+        <p:nvPicPr>
+          <p:cNvPr id="20" name="Picture 19" descr="image.gif"/>
+          <p:cNvPicPr>
+            <a:picLocks noChangeAspect="1"/>
+          </p:cNvPicPr>
+          <p:nvPr/>
+        </p:nvPicPr>
+        <p:blipFill>
+          <a:blip r:embed="rId5"/>
+          <a:stretch>
+            <a:fillRect/>
+          </a:stretch>
+        </p:blipFill>
+        <p:spPr>
+          <a:xfrm>
+            <a:off x="7105458" y="5486400"/>
+            <a:ext cx="1028700" cy="1371600"/>
+          </a:xfrm>
+          <a:prstGeom prst="rect">
+            <a:avLst/>
+          </a:prstGeom>
+        </p:spPr>
+      </p:pic>
+      <p:pic>
+        <p:nvPicPr>
+          <p:cNvPr id="21" name="Picture 20" descr="image.gif"/>
+          <p:cNvPicPr>
+            <a:picLocks noChangeAspect="1"/>
+          </p:cNvPicPr>
+          <p:nvPr/>
+        </p:nvPicPr>
+        <p:blipFill>
+          <a:blip r:embed="rId6"/>
+          <a:stretch>
+            <a:fillRect/>
+          </a:stretch>
+        </p:blipFill>
+        <p:spPr>
+          <a:xfrm>
+            <a:off x="9143733" y="5029200"/>
+            <a:ext cx="3048000" cy="2286000"/>
           </a:xfrm>
           <a:prstGeom prst="rect">
             <a:avLst/>
@@ -3483,8 +3603,8 @@
         </p:blipFill>
         <p:spPr>
           <a:xfrm>
-            <a:off x="361919" y="0"/>
-            <a:ext cx="1714500" cy="2286000"/>
+            <a:off x="-38" y="-457200"/>
+            <a:ext cx="3048000" cy="2286000"/>
           </a:xfrm>
           <a:prstGeom prst="rect">
             <a:avLst/>
@@ -3507,8 +3627,8 @@
         </p:blipFill>
         <p:spPr>
           <a:xfrm>
-            <a:off x="2800258" y="0"/>
-            <a:ext cx="1714500" cy="2286000"/>
+            <a:off x="4057534" y="0"/>
+            <a:ext cx="1028700" cy="1371600"/>
           </a:xfrm>
           <a:prstGeom prst="rect">
             <a:avLst/>
@@ -3531,8 +3651,8 @@
         </p:blipFill>
         <p:spPr>
           <a:xfrm>
-            <a:off x="4876648" y="228600"/>
-            <a:ext cx="2438400" cy="1828800"/>
+            <a:off x="7105458" y="0"/>
+            <a:ext cx="1028700" cy="1371600"/>
           </a:xfrm>
           <a:prstGeom prst="rect">
             <a:avLst/>
@@ -3555,8 +3675,8 @@
         </p:blipFill>
         <p:spPr>
           <a:xfrm>
-            <a:off x="7676936" y="0"/>
-            <a:ext cx="1714500" cy="2286000"/>
+            <a:off x="10153382" y="0"/>
+            <a:ext cx="1028700" cy="1371600"/>
           </a:xfrm>
           <a:prstGeom prst="rect">
             <a:avLst/>
@@ -3579,8 +3699,8 @@
         </p:blipFill>
         <p:spPr>
           <a:xfrm>
-            <a:off x="9753326" y="228600"/>
-            <a:ext cx="2438400" cy="1828800"/>
+            <a:off x="1009611" y="1371600"/>
+            <a:ext cx="1028700" cy="1371600"/>
           </a:xfrm>
           <a:prstGeom prst="rect">
             <a:avLst/>
@@ -3603,128 +3723,8 @@
         </p:blipFill>
         <p:spPr>
           <a:xfrm>
-            <a:off x="-30" y="2514600"/>
-            <a:ext cx="2438400" cy="1828800"/>
-          </a:xfrm>
-          <a:prstGeom prst="rect">
-            <a:avLst/>
-          </a:prstGeom>
-        </p:spPr>
-      </p:pic>
-      <p:pic>
-        <p:nvPicPr>
-          <p:cNvPr id="8" name="Picture 7" descr="image.gif"/>
-          <p:cNvPicPr>
-            <a:picLocks noChangeAspect="1"/>
-          </p:cNvPicPr>
-          <p:nvPr/>
-        </p:nvPicPr>
-        <p:blipFill>
-          <a:blip r:embed="rId8"/>
-          <a:stretch>
-            <a:fillRect/>
-          </a:stretch>
-        </p:blipFill>
-        <p:spPr>
-          <a:xfrm>
-            <a:off x="2800258" y="2286000"/>
-            <a:ext cx="1714500" cy="2286000"/>
-          </a:xfrm>
-          <a:prstGeom prst="rect">
-            <a:avLst/>
-          </a:prstGeom>
-        </p:spPr>
-      </p:pic>
-      <p:pic>
-        <p:nvPicPr>
-          <p:cNvPr id="9" name="Picture 8" descr="image.gif"/>
-          <p:cNvPicPr>
-            <a:picLocks noChangeAspect="1"/>
-          </p:cNvPicPr>
-          <p:nvPr/>
-        </p:nvPicPr>
-        <p:blipFill>
-          <a:blip r:embed="rId9"/>
-          <a:stretch>
-            <a:fillRect/>
-          </a:stretch>
-        </p:blipFill>
-        <p:spPr>
-          <a:xfrm>
-            <a:off x="5238597" y="2286000"/>
-            <a:ext cx="1714500" cy="2286000"/>
-          </a:xfrm>
-          <a:prstGeom prst="rect">
-            <a:avLst/>
-          </a:prstGeom>
-        </p:spPr>
-      </p:pic>
-      <p:pic>
-        <p:nvPicPr>
-          <p:cNvPr id="10" name="Picture 9" descr="image.gif"/>
-          <p:cNvPicPr>
-            <a:picLocks noChangeAspect="1"/>
-          </p:cNvPicPr>
-          <p:nvPr/>
-        </p:nvPicPr>
-        <p:blipFill>
-          <a:blip r:embed="rId10"/>
-          <a:stretch>
-            <a:fillRect/>
-          </a:stretch>
-        </p:blipFill>
-        <p:spPr>
-          <a:xfrm>
-            <a:off x="7676936" y="2286000"/>
-            <a:ext cx="1714500" cy="2286000"/>
-          </a:xfrm>
-          <a:prstGeom prst="rect">
-            <a:avLst/>
-          </a:prstGeom>
-        </p:spPr>
-      </p:pic>
-      <p:pic>
-        <p:nvPicPr>
-          <p:cNvPr id="11" name="Picture 10" descr="image.gif"/>
-          <p:cNvPicPr>
-            <a:picLocks noChangeAspect="1"/>
-          </p:cNvPicPr>
-          <p:nvPr/>
-        </p:nvPicPr>
-        <p:blipFill>
-          <a:blip r:embed="rId2"/>
-          <a:stretch>
-            <a:fillRect/>
-          </a:stretch>
-        </p:blipFill>
-        <p:spPr>
-          <a:xfrm>
-            <a:off x="10115275" y="2286000"/>
-            <a:ext cx="1714500" cy="2286000"/>
-          </a:xfrm>
-          <a:prstGeom prst="rect">
-            <a:avLst/>
-          </a:prstGeom>
-        </p:spPr>
-      </p:pic>
-      <p:pic>
-        <p:nvPicPr>
-          <p:cNvPr id="12" name="Picture 11" descr="image.gif"/>
-          <p:cNvPicPr>
-            <a:picLocks noChangeAspect="1"/>
-          </p:cNvPicPr>
-          <p:nvPr/>
-        </p:nvPicPr>
-        <p:blipFill>
-          <a:blip r:embed="rId3"/>
-          <a:stretch>
-            <a:fillRect/>
-          </a:stretch>
-        </p:blipFill>
-        <p:spPr>
-          <a:xfrm>
-            <a:off x="361919" y="4572000"/>
-            <a:ext cx="1714500" cy="2286000"/>
+            <a:off x="4057534" y="1371600"/>
+            <a:ext cx="1028700" cy="1371600"/>
           </a:xfrm>
           <a:prstGeom prst="rect">
             <a:avLst/>

--- a/Image2ppt/Output/test.pptx
+++ b/Image2ppt/Output/test.pptx
@@ -6,7 +6,6 @@
   </p:sldMasterIdLst>
   <p:sldIdLst>
     <p:sldId id="256" r:id="rId7"/>
-    <p:sldId id="257" r:id="rId8"/>
   </p:sldIdLst>
   <p:sldSz cx="12191695" cy="6858000" type="screen4x3"/>
   <p:notesSz cx="6858000" cy="9144000"/>
@@ -3105,7 +3104,7 @@
         </p:blipFill>
         <p:spPr>
           <a:xfrm>
-            <a:off x="1130261" y="0"/>
+            <a:off x="215884" y="0"/>
             <a:ext cx="787400" cy="1371600"/>
           </a:xfrm>
           <a:prstGeom prst="rect">
@@ -3129,8 +3128,8 @@
         </p:blipFill>
         <p:spPr>
           <a:xfrm>
-            <a:off x="3886084" y="0"/>
-            <a:ext cx="1371600" cy="1371600"/>
+            <a:off x="1219154" y="0"/>
+            <a:ext cx="1219200" cy="1219200"/>
           </a:xfrm>
           <a:prstGeom prst="rect">
             <a:avLst/>
@@ -3153,8 +3152,8 @@
         </p:blipFill>
         <p:spPr>
           <a:xfrm>
-            <a:off x="6934008" y="0"/>
-            <a:ext cx="1371600" cy="1371600"/>
+            <a:off x="2438324" y="0"/>
+            <a:ext cx="1219200" cy="1219200"/>
           </a:xfrm>
           <a:prstGeom prst="rect">
             <a:avLst/>
@@ -3177,8 +3176,8 @@
         </p:blipFill>
         <p:spPr>
           <a:xfrm>
-            <a:off x="9981932" y="0"/>
-            <a:ext cx="1371600" cy="1371600"/>
+            <a:off x="3657493" y="0"/>
+            <a:ext cx="1219200" cy="1219200"/>
           </a:xfrm>
           <a:prstGeom prst="rect">
             <a:avLst/>
@@ -3201,8 +3200,8 @@
         </p:blipFill>
         <p:spPr>
           <a:xfrm>
-            <a:off x="838161" y="1371600"/>
-            <a:ext cx="1371600" cy="1371600"/>
+            <a:off x="4876663" y="0"/>
+            <a:ext cx="1219200" cy="1219200"/>
           </a:xfrm>
           <a:prstGeom prst="rect">
             <a:avLst/>
@@ -3225,8 +3224,8 @@
         </p:blipFill>
         <p:spPr>
           <a:xfrm>
-            <a:off x="3886084" y="1371600"/>
-            <a:ext cx="1371600" cy="1371600"/>
+            <a:off x="6095832" y="0"/>
+            <a:ext cx="1219200" cy="1219200"/>
           </a:xfrm>
           <a:prstGeom prst="rect">
             <a:avLst/>
@@ -3249,8 +3248,8 @@
         </p:blipFill>
         <p:spPr>
           <a:xfrm>
-            <a:off x="6934008" y="1371600"/>
-            <a:ext cx="1371600" cy="1371600"/>
+            <a:off x="7315002" y="0"/>
+            <a:ext cx="1219200" cy="1219200"/>
           </a:xfrm>
           <a:prstGeom prst="rect">
             <a:avLst/>
@@ -3273,8 +3272,8 @@
         </p:blipFill>
         <p:spPr>
           <a:xfrm>
-            <a:off x="9981932" y="1371600"/>
-            <a:ext cx="1371600" cy="1371600"/>
+            <a:off x="8534171" y="0"/>
+            <a:ext cx="1219200" cy="1219200"/>
           </a:xfrm>
           <a:prstGeom prst="rect">
             <a:avLst/>
@@ -3297,8 +3296,8 @@
         </p:blipFill>
         <p:spPr>
           <a:xfrm>
-            <a:off x="-38" y="2286000"/>
-            <a:ext cx="3048000" cy="2286000"/>
+            <a:off x="9753341" y="0"/>
+            <a:ext cx="1219200" cy="914400"/>
           </a:xfrm>
           <a:prstGeom prst="rect">
             <a:avLst/>
@@ -3321,7 +3320,7 @@
         </p:blipFill>
         <p:spPr>
           <a:xfrm>
-            <a:off x="4057534" y="2743200"/>
+            <a:off x="11067759" y="0"/>
             <a:ext cx="1028700" cy="1371600"/>
           </a:xfrm>
           <a:prstGeom prst="rect">
@@ -3345,8 +3344,8 @@
         </p:blipFill>
         <p:spPr>
           <a:xfrm>
-            <a:off x="6095809" y="2286000"/>
-            <a:ext cx="3048000" cy="2286000"/>
+            <a:off x="-15" y="1600200"/>
+            <a:ext cx="1219200" cy="914400"/>
           </a:xfrm>
           <a:prstGeom prst="rect">
             <a:avLst/>
@@ -3369,8 +3368,8 @@
         </p:blipFill>
         <p:spPr>
           <a:xfrm>
-            <a:off x="9143733" y="2286000"/>
-            <a:ext cx="3048000" cy="2286000"/>
+            <a:off x="1219154" y="1600200"/>
+            <a:ext cx="1219200" cy="914400"/>
           </a:xfrm>
           <a:prstGeom prst="rect">
             <a:avLst/>
@@ -3393,7 +3392,7 @@
         </p:blipFill>
         <p:spPr>
           <a:xfrm>
-            <a:off x="1009611" y="4114800"/>
+            <a:off x="2533573" y="1371600"/>
             <a:ext cx="1028700" cy="1371600"/>
           </a:xfrm>
           <a:prstGeom prst="rect">
@@ -3417,7 +3416,7 @@
         </p:blipFill>
         <p:spPr>
           <a:xfrm>
-            <a:off x="4057534" y="4114800"/>
+            <a:off x="3752742" y="1371600"/>
             <a:ext cx="1028700" cy="1371600"/>
           </a:xfrm>
           <a:prstGeom prst="rect">
@@ -3434,15 +3433,15 @@
           <p:nvPr/>
         </p:nvPicPr>
         <p:blipFill>
-          <a:blip r:embed="rId10"/>
+          <a:blip r:embed="rId4"/>
           <a:stretch>
             <a:fillRect/>
           </a:stretch>
         </p:blipFill>
         <p:spPr>
           <a:xfrm>
-            <a:off x="7105458" y="4114800"/>
-            <a:ext cx="1028700" cy="1371600"/>
+            <a:off x="4876663" y="1600200"/>
+            <a:ext cx="1219200" cy="914400"/>
           </a:xfrm>
           <a:prstGeom prst="rect">
             <a:avLst/>
@@ -3458,78 +3457,6 @@
           <p:nvPr/>
         </p:nvPicPr>
         <p:blipFill>
-          <a:blip r:embed="rId11"/>
-          <a:stretch>
-            <a:fillRect/>
-          </a:stretch>
-        </p:blipFill>
-        <p:spPr>
-          <a:xfrm>
-            <a:off x="10153382" y="4114800"/>
-            <a:ext cx="1028700" cy="1371600"/>
-          </a:xfrm>
-          <a:prstGeom prst="rect">
-            <a:avLst/>
-          </a:prstGeom>
-        </p:spPr>
-      </p:pic>
-      <p:pic>
-        <p:nvPicPr>
-          <p:cNvPr id="18" name="Picture 17" descr="image.gif"/>
-          <p:cNvPicPr>
-            <a:picLocks noChangeAspect="1"/>
-          </p:cNvPicPr>
-          <p:nvPr/>
-        </p:nvPicPr>
-        <p:blipFill>
-          <a:blip r:embed="rId12"/>
-          <a:stretch>
-            <a:fillRect/>
-          </a:stretch>
-        </p:blipFill>
-        <p:spPr>
-          <a:xfrm>
-            <a:off x="1009611" y="5486400"/>
-            <a:ext cx="1028700" cy="1371600"/>
-          </a:xfrm>
-          <a:prstGeom prst="rect">
-            <a:avLst/>
-          </a:prstGeom>
-        </p:spPr>
-      </p:pic>
-      <p:pic>
-        <p:nvPicPr>
-          <p:cNvPr id="19" name="Picture 18" descr="image.gif"/>
-          <p:cNvPicPr>
-            <a:picLocks noChangeAspect="1"/>
-          </p:cNvPicPr>
-          <p:nvPr/>
-        </p:nvPicPr>
-        <p:blipFill>
-          <a:blip r:embed="rId4"/>
-          <a:stretch>
-            <a:fillRect/>
-          </a:stretch>
-        </p:blipFill>
-        <p:spPr>
-          <a:xfrm>
-            <a:off x="3047885" y="5029200"/>
-            <a:ext cx="3048000" cy="2286000"/>
-          </a:xfrm>
-          <a:prstGeom prst="rect">
-            <a:avLst/>
-          </a:prstGeom>
-        </p:spPr>
-      </p:pic>
-      <p:pic>
-        <p:nvPicPr>
-          <p:cNvPr id="20" name="Picture 19" descr="image.gif"/>
-          <p:cNvPicPr>
-            <a:picLocks noChangeAspect="1"/>
-          </p:cNvPicPr>
-          <p:nvPr/>
-        </p:nvPicPr>
-        <p:blipFill>
           <a:blip r:embed="rId5"/>
           <a:stretch>
             <a:fillRect/>
@@ -3537,193 +3464,7 @@
         </p:blipFill>
         <p:spPr>
           <a:xfrm>
-            <a:off x="7105458" y="5486400"/>
-            <a:ext cx="1028700" cy="1371600"/>
-          </a:xfrm>
-          <a:prstGeom prst="rect">
-            <a:avLst/>
-          </a:prstGeom>
-        </p:spPr>
-      </p:pic>
-      <p:pic>
-        <p:nvPicPr>
-          <p:cNvPr id="21" name="Picture 20" descr="image.gif"/>
-          <p:cNvPicPr>
-            <a:picLocks noChangeAspect="1"/>
-          </p:cNvPicPr>
-          <p:nvPr/>
-        </p:nvPicPr>
-        <p:blipFill>
-          <a:blip r:embed="rId6"/>
-          <a:stretch>
-            <a:fillRect/>
-          </a:stretch>
-        </p:blipFill>
-        <p:spPr>
-          <a:xfrm>
-            <a:off x="9143733" y="5029200"/>
-            <a:ext cx="3048000" cy="2286000"/>
-          </a:xfrm>
-          <a:prstGeom prst="rect">
-            <a:avLst/>
-          </a:prstGeom>
-        </p:spPr>
-      </p:pic>
-    </p:spTree>
-  </p:cSld>
-  <p:clrMapOvr>
-    <a:masterClrMapping/>
-  </p:clrMapOvr>
-</p:sld>
-</file>
-
-<file path=ppt/slides/slide2.xml><?xml version="1.0" encoding="utf-8"?>
-<p:sld xmlns:a="http://schemas.openxmlformats.org/drawingml/2006/main" xmlns:p="http://schemas.openxmlformats.org/presentationml/2006/main" xmlns:r="http://schemas.openxmlformats.org/officeDocument/2006/relationships">
-  <p:cSld>
-    <p:spTree>
-      <p:nvGrpSpPr>
-        <p:cNvPr id="1" name=""/>
-        <p:cNvGrpSpPr/>
-        <p:nvPr/>
-      </p:nvGrpSpPr>
-      <p:grpSpPr/>
-      <p:pic>
-        <p:nvPicPr>
-          <p:cNvPr id="2" name="Picture 1" descr="image.gif"/>
-          <p:cNvPicPr>
-            <a:picLocks noChangeAspect="1"/>
-          </p:cNvPicPr>
-          <p:nvPr/>
-        </p:nvPicPr>
-        <p:blipFill>
-          <a:blip r:embed="rId2"/>
-          <a:stretch>
-            <a:fillRect/>
-          </a:stretch>
-        </p:blipFill>
-        <p:spPr>
-          <a:xfrm>
-            <a:off x="-38" y="-457200"/>
-            <a:ext cx="3048000" cy="2286000"/>
-          </a:xfrm>
-          <a:prstGeom prst="rect">
-            <a:avLst/>
-          </a:prstGeom>
-        </p:spPr>
-      </p:pic>
-      <p:pic>
-        <p:nvPicPr>
-          <p:cNvPr id="3" name="Picture 2" descr="image.gif"/>
-          <p:cNvPicPr>
-            <a:picLocks noChangeAspect="1"/>
-          </p:cNvPicPr>
-          <p:nvPr/>
-        </p:nvPicPr>
-        <p:blipFill>
-          <a:blip r:embed="rId3"/>
-          <a:stretch>
-            <a:fillRect/>
-          </a:stretch>
-        </p:blipFill>
-        <p:spPr>
-          <a:xfrm>
-            <a:off x="4057534" y="0"/>
-            <a:ext cx="1028700" cy="1371600"/>
-          </a:xfrm>
-          <a:prstGeom prst="rect">
-            <a:avLst/>
-          </a:prstGeom>
-        </p:spPr>
-      </p:pic>
-      <p:pic>
-        <p:nvPicPr>
-          <p:cNvPr id="4" name="Picture 3" descr="image.gif"/>
-          <p:cNvPicPr>
-            <a:picLocks noChangeAspect="1"/>
-          </p:cNvPicPr>
-          <p:nvPr/>
-        </p:nvPicPr>
-        <p:blipFill>
-          <a:blip r:embed="rId4"/>
-          <a:stretch>
-            <a:fillRect/>
-          </a:stretch>
-        </p:blipFill>
-        <p:spPr>
-          <a:xfrm>
-            <a:off x="7105458" y="0"/>
-            <a:ext cx="1028700" cy="1371600"/>
-          </a:xfrm>
-          <a:prstGeom prst="rect">
-            <a:avLst/>
-          </a:prstGeom>
-        </p:spPr>
-      </p:pic>
-      <p:pic>
-        <p:nvPicPr>
-          <p:cNvPr id="5" name="Picture 4" descr="image.gif"/>
-          <p:cNvPicPr>
-            <a:picLocks noChangeAspect="1"/>
-          </p:cNvPicPr>
-          <p:nvPr/>
-        </p:nvPicPr>
-        <p:blipFill>
-          <a:blip r:embed="rId5"/>
-          <a:stretch>
-            <a:fillRect/>
-          </a:stretch>
-        </p:blipFill>
-        <p:spPr>
-          <a:xfrm>
-            <a:off x="10153382" y="0"/>
-            <a:ext cx="1028700" cy="1371600"/>
-          </a:xfrm>
-          <a:prstGeom prst="rect">
-            <a:avLst/>
-          </a:prstGeom>
-        </p:spPr>
-      </p:pic>
-      <p:pic>
-        <p:nvPicPr>
-          <p:cNvPr id="6" name="Picture 5" descr="image.gif"/>
-          <p:cNvPicPr>
-            <a:picLocks noChangeAspect="1"/>
-          </p:cNvPicPr>
-          <p:nvPr/>
-        </p:nvPicPr>
-        <p:blipFill>
-          <a:blip r:embed="rId6"/>
-          <a:stretch>
-            <a:fillRect/>
-          </a:stretch>
-        </p:blipFill>
-        <p:spPr>
-          <a:xfrm>
-            <a:off x="1009611" y="1371600"/>
-            <a:ext cx="1028700" cy="1371600"/>
-          </a:xfrm>
-          <a:prstGeom prst="rect">
-            <a:avLst/>
-          </a:prstGeom>
-        </p:spPr>
-      </p:pic>
-      <p:pic>
-        <p:nvPicPr>
-          <p:cNvPr id="7" name="Picture 6" descr="image.gif"/>
-          <p:cNvPicPr>
-            <a:picLocks noChangeAspect="1"/>
-          </p:cNvPicPr>
-          <p:nvPr/>
-        </p:nvPicPr>
-        <p:blipFill>
-          <a:blip r:embed="rId7"/>
-          <a:stretch>
-            <a:fillRect/>
-          </a:stretch>
-        </p:blipFill>
-        <p:spPr>
-          <a:xfrm>
-            <a:off x="4057534" y="1371600"/>
+            <a:off x="6191081" y="1371600"/>
             <a:ext cx="1028700" cy="1371600"/>
           </a:xfrm>
           <a:prstGeom prst="rect">

--- a/Image2ppt/Output/test.pptx
+++ b/Image2ppt/Output/test.pptx
@@ -6,6 +6,9 @@
   </p:sldMasterIdLst>
   <p:sldIdLst>
     <p:sldId id="256" r:id="rId7"/>
+    <p:sldId id="257" r:id="rId8"/>
+    <p:sldId id="258" r:id="rId9"/>
+    <p:sldId id="259" r:id="rId10"/>
   </p:sldIdLst>
   <p:sldSz cx="12191695" cy="6858000" type="screen4x3"/>
   <p:notesSz cx="6858000" cy="9144000"/>
@@ -3088,9 +3091,41 @@
         <p:nvPr/>
       </p:nvGrpSpPr>
       <p:grpSpPr/>
+      <p:sp>
+        <p:nvSpPr>
+          <p:cNvPr id="2" name="TextBox 1"/>
+          <p:cNvSpPr txBox="1"/>
+          <p:nvPr/>
+        </p:nvSpPr>
+        <p:spPr>
+          <a:xfrm>
+            <a:off x="5501487" y="2880360"/>
+            <a:ext cx="914400" cy="914400"/>
+          </a:xfrm>
+          <a:prstGeom prst="rect">
+            <a:avLst/>
+          </a:prstGeom>
+          <a:noFill/>
+        </p:spPr>
+        <p:txBody>
+          <a:bodyPr wrap="none">
+            <a:spAutoFit/>
+          </a:bodyPr>
+          <a:lstStyle/>
+          <a:p/>
+          <a:p>
+            <a:pPr>
+              <a:defRPr sz="3000"/>
+            </a:pPr>
+            <a:r>
+              <a:t>Cell 1</a:t>
+            </a:r>
+          </a:p>
+        </p:txBody>
+      </p:sp>
       <p:pic>
         <p:nvPicPr>
-          <p:cNvPr id="2" name="Picture 1" descr="Picture1.1.png"/>
+          <p:cNvPr id="3" name="Picture 2" descr="image.gif"/>
           <p:cNvPicPr>
             <a:picLocks noChangeAspect="1"/>
           </p:cNvPicPr>
@@ -3104,8 +3139,8 @@
         </p:blipFill>
         <p:spPr>
           <a:xfrm>
-            <a:off x="0" y="0"/>
-            <a:ext cx="1758854" cy="3044952"/>
+            <a:off x="-38" y="0"/>
+            <a:ext cx="3048000" cy="3048000"/>
           </a:xfrm>
           <a:prstGeom prst="rect">
             <a:avLst/>
@@ -3114,22 +3149,22 @@
       </p:pic>
       <p:pic>
         <p:nvPicPr>
-          <p:cNvPr id="3" name="Picture 2" descr="Sample_Cell.tif"/>
+          <p:cNvPr id="4" name="Picture 3" descr="image.gif"/>
           <p:cNvPicPr>
             <a:picLocks noChangeAspect="1"/>
           </p:cNvPicPr>
           <p:nvPr/>
         </p:nvPicPr>
         <p:blipFill>
-          <a:blip r:embed="rId3"/>
+          <a:blip r:embed="rId2"/>
           <a:stretch>
             <a:fillRect/>
           </a:stretch>
         </p:blipFill>
         <p:spPr>
           <a:xfrm>
-            <a:off x="3044952" y="0"/>
-            <a:ext cx="3044952" cy="3044952"/>
+            <a:off x="3047885" y="0"/>
+            <a:ext cx="3048000" cy="3048000"/>
           </a:xfrm>
           <a:prstGeom prst="rect">
             <a:avLst/>
@@ -3138,22 +3173,22 @@
       </p:pic>
       <p:pic>
         <p:nvPicPr>
-          <p:cNvPr id="4" name="Picture 3" descr="Sample_Cell.tif"/>
+          <p:cNvPr id="5" name="Picture 4" descr="image.gif"/>
           <p:cNvPicPr>
             <a:picLocks noChangeAspect="1"/>
           </p:cNvPicPr>
           <p:nvPr/>
         </p:nvPicPr>
         <p:blipFill>
-          <a:blip r:embed="rId3"/>
+          <a:blip r:embed="rId2"/>
           <a:stretch>
             <a:fillRect/>
           </a:stretch>
         </p:blipFill>
         <p:spPr>
           <a:xfrm>
-            <a:off x="6099048" y="0"/>
-            <a:ext cx="3044952" cy="3044952"/>
+            <a:off x="6095809" y="0"/>
+            <a:ext cx="3048000" cy="3048000"/>
           </a:xfrm>
           <a:prstGeom prst="rect">
             <a:avLst/>
@@ -3162,22 +3197,22 @@
       </p:pic>
       <p:pic>
         <p:nvPicPr>
-          <p:cNvPr id="5" name="Picture 4" descr="Sample_Cell.tif"/>
+          <p:cNvPr id="6" name="Picture 5" descr="image.gif"/>
           <p:cNvPicPr>
             <a:picLocks noChangeAspect="1"/>
           </p:cNvPicPr>
           <p:nvPr/>
         </p:nvPicPr>
         <p:blipFill>
-          <a:blip r:embed="rId3"/>
+          <a:blip r:embed="rId2"/>
           <a:stretch>
             <a:fillRect/>
           </a:stretch>
         </p:blipFill>
         <p:spPr>
           <a:xfrm>
-            <a:off x="9144000" y="0"/>
-            <a:ext cx="3044952" cy="3044952"/>
+            <a:off x="9143733" y="0"/>
+            <a:ext cx="3048000" cy="3048000"/>
           </a:xfrm>
           <a:prstGeom prst="rect">
             <a:avLst/>
@@ -3186,22 +3221,22 @@
       </p:pic>
       <p:pic>
         <p:nvPicPr>
-          <p:cNvPr id="6" name="Picture 5" descr="Sample_Cell.tif"/>
+          <p:cNvPr id="7" name="Picture 6" descr="image.gif"/>
           <p:cNvPicPr>
             <a:picLocks noChangeAspect="1"/>
           </p:cNvPicPr>
           <p:nvPr/>
         </p:nvPicPr>
         <p:blipFill>
-          <a:blip r:embed="rId3"/>
+          <a:blip r:embed="rId2"/>
           <a:stretch>
             <a:fillRect/>
           </a:stretch>
         </p:blipFill>
         <p:spPr>
           <a:xfrm>
-            <a:off x="0" y="3813048"/>
-            <a:ext cx="3044952" cy="3044952"/>
+            <a:off x="-38" y="3809999"/>
+            <a:ext cx="3048000" cy="3048000"/>
           </a:xfrm>
           <a:prstGeom prst="rect">
             <a:avLst/>
@@ -3210,22 +3245,22 @@
       </p:pic>
       <p:pic>
         <p:nvPicPr>
-          <p:cNvPr id="7" name="Picture 6" descr="Sample_Cell.tif"/>
+          <p:cNvPr id="8" name="Picture 7" descr="image.gif"/>
           <p:cNvPicPr>
             <a:picLocks noChangeAspect="1"/>
           </p:cNvPicPr>
           <p:nvPr/>
         </p:nvPicPr>
         <p:blipFill>
-          <a:blip r:embed="rId3"/>
+          <a:blip r:embed="rId2"/>
           <a:stretch>
             <a:fillRect/>
           </a:stretch>
         </p:blipFill>
         <p:spPr>
           <a:xfrm>
-            <a:off x="3044952" y="3813048"/>
-            <a:ext cx="3044952" cy="3044952"/>
+            <a:off x="3047885" y="3809999"/>
+            <a:ext cx="3048000" cy="3048000"/>
           </a:xfrm>
           <a:prstGeom prst="rect">
             <a:avLst/>
@@ -3234,22 +3269,22 @@
       </p:pic>
       <p:pic>
         <p:nvPicPr>
-          <p:cNvPr id="8" name="Picture 7" descr="Sample_Cell.tif"/>
+          <p:cNvPr id="9" name="Picture 8" descr="image.gif"/>
           <p:cNvPicPr>
             <a:picLocks noChangeAspect="1"/>
           </p:cNvPicPr>
           <p:nvPr/>
         </p:nvPicPr>
         <p:blipFill>
-          <a:blip r:embed="rId3"/>
+          <a:blip r:embed="rId2"/>
           <a:stretch>
             <a:fillRect/>
           </a:stretch>
         </p:blipFill>
         <p:spPr>
           <a:xfrm>
-            <a:off x="6099048" y="3813048"/>
-            <a:ext cx="3044952" cy="3044952"/>
+            <a:off x="6095809" y="3809999"/>
+            <a:ext cx="3048000" cy="3048000"/>
           </a:xfrm>
           <a:prstGeom prst="rect">
             <a:avLst/>
@@ -3258,22 +3293,652 @@
       </p:pic>
       <p:pic>
         <p:nvPicPr>
-          <p:cNvPr id="9" name="Picture 8" descr="Sample_Cell.tif"/>
+          <p:cNvPr id="10" name="Picture 9" descr="image.gif"/>
           <p:cNvPicPr>
             <a:picLocks noChangeAspect="1"/>
           </p:cNvPicPr>
           <p:nvPr/>
         </p:nvPicPr>
         <p:blipFill>
-          <a:blip r:embed="rId3"/>
+          <a:blip r:embed="rId2"/>
           <a:stretch>
             <a:fillRect/>
           </a:stretch>
         </p:blipFill>
         <p:spPr>
           <a:xfrm>
-            <a:off x="9144000" y="3813048"/>
-            <a:ext cx="3044952" cy="3044952"/>
+            <a:off x="9143733" y="3809999"/>
+            <a:ext cx="3048000" cy="3048000"/>
+          </a:xfrm>
+          <a:prstGeom prst="rect">
+            <a:avLst/>
+          </a:prstGeom>
+        </p:spPr>
+      </p:pic>
+    </p:spTree>
+  </p:cSld>
+  <p:clrMapOvr>
+    <a:masterClrMapping/>
+  </p:clrMapOvr>
+</p:sld>
+</file>
+
+<file path=ppt/slides/slide2.xml><?xml version="1.0" encoding="utf-8"?>
+<p:sld xmlns:a="http://schemas.openxmlformats.org/drawingml/2006/main" xmlns:p="http://schemas.openxmlformats.org/presentationml/2006/main" xmlns:r="http://schemas.openxmlformats.org/officeDocument/2006/relationships">
+  <p:cSld>
+    <p:spTree>
+      <p:nvGrpSpPr>
+        <p:cNvPr id="1" name=""/>
+        <p:cNvGrpSpPr/>
+        <p:nvPr/>
+      </p:nvGrpSpPr>
+      <p:grpSpPr/>
+      <p:sp>
+        <p:nvSpPr>
+          <p:cNvPr id="2" name="TextBox 1"/>
+          <p:cNvSpPr txBox="1"/>
+          <p:nvPr/>
+        </p:nvSpPr>
+        <p:spPr>
+          <a:xfrm>
+            <a:off x="5501487" y="2880360"/>
+            <a:ext cx="914400" cy="914400"/>
+          </a:xfrm>
+          <a:prstGeom prst="rect">
+            <a:avLst/>
+          </a:prstGeom>
+          <a:noFill/>
+        </p:spPr>
+        <p:txBody>
+          <a:bodyPr wrap="none">
+            <a:spAutoFit/>
+          </a:bodyPr>
+          <a:lstStyle/>
+          <a:p/>
+          <a:p>
+            <a:pPr>
+              <a:defRPr sz="3000"/>
+            </a:pPr>
+            <a:r>
+              <a:t>Cell 1</a:t>
+            </a:r>
+          </a:p>
+        </p:txBody>
+      </p:sp>
+      <p:pic>
+        <p:nvPicPr>
+          <p:cNvPr id="3" name="Picture 2" descr="image.gif"/>
+          <p:cNvPicPr>
+            <a:picLocks noChangeAspect="1"/>
+          </p:cNvPicPr>
+          <p:nvPr/>
+        </p:nvPicPr>
+        <p:blipFill>
+          <a:blip r:embed="rId2"/>
+          <a:stretch>
+            <a:fillRect/>
+          </a:stretch>
+        </p:blipFill>
+        <p:spPr>
+          <a:xfrm>
+            <a:off x="-38" y="0"/>
+            <a:ext cx="3048000" cy="3048000"/>
+          </a:xfrm>
+          <a:prstGeom prst="rect">
+            <a:avLst/>
+          </a:prstGeom>
+        </p:spPr>
+      </p:pic>
+      <p:pic>
+        <p:nvPicPr>
+          <p:cNvPr id="4" name="Picture 3" descr="image.gif"/>
+          <p:cNvPicPr>
+            <a:picLocks noChangeAspect="1"/>
+          </p:cNvPicPr>
+          <p:nvPr/>
+        </p:nvPicPr>
+        <p:blipFill>
+          <a:blip r:embed="rId2"/>
+          <a:stretch>
+            <a:fillRect/>
+          </a:stretch>
+        </p:blipFill>
+        <p:spPr>
+          <a:xfrm>
+            <a:off x="3047885" y="0"/>
+            <a:ext cx="3048000" cy="3048000"/>
+          </a:xfrm>
+          <a:prstGeom prst="rect">
+            <a:avLst/>
+          </a:prstGeom>
+        </p:spPr>
+      </p:pic>
+      <p:pic>
+        <p:nvPicPr>
+          <p:cNvPr id="5" name="Picture 4" descr="image.gif"/>
+          <p:cNvPicPr>
+            <a:picLocks noChangeAspect="1"/>
+          </p:cNvPicPr>
+          <p:nvPr/>
+        </p:nvPicPr>
+        <p:blipFill>
+          <a:blip r:embed="rId2"/>
+          <a:stretch>
+            <a:fillRect/>
+          </a:stretch>
+        </p:blipFill>
+        <p:spPr>
+          <a:xfrm>
+            <a:off x="6095809" y="0"/>
+            <a:ext cx="3048000" cy="3048000"/>
+          </a:xfrm>
+          <a:prstGeom prst="rect">
+            <a:avLst/>
+          </a:prstGeom>
+        </p:spPr>
+      </p:pic>
+      <p:pic>
+        <p:nvPicPr>
+          <p:cNvPr id="6" name="Picture 5" descr="image.gif"/>
+          <p:cNvPicPr>
+            <a:picLocks noChangeAspect="1"/>
+          </p:cNvPicPr>
+          <p:nvPr/>
+        </p:nvPicPr>
+        <p:blipFill>
+          <a:blip r:embed="rId2"/>
+          <a:stretch>
+            <a:fillRect/>
+          </a:stretch>
+        </p:blipFill>
+        <p:spPr>
+          <a:xfrm>
+            <a:off x="9143733" y="0"/>
+            <a:ext cx="3048000" cy="3048000"/>
+          </a:xfrm>
+          <a:prstGeom prst="rect">
+            <a:avLst/>
+          </a:prstGeom>
+        </p:spPr>
+      </p:pic>
+      <p:pic>
+        <p:nvPicPr>
+          <p:cNvPr id="7" name="Picture 6" descr="image.gif"/>
+          <p:cNvPicPr>
+            <a:picLocks noChangeAspect="1"/>
+          </p:cNvPicPr>
+          <p:nvPr/>
+        </p:nvPicPr>
+        <p:blipFill>
+          <a:blip r:embed="rId2"/>
+          <a:stretch>
+            <a:fillRect/>
+          </a:stretch>
+        </p:blipFill>
+        <p:spPr>
+          <a:xfrm>
+            <a:off x="-38" y="3809999"/>
+            <a:ext cx="3048000" cy="3048000"/>
+          </a:xfrm>
+          <a:prstGeom prst="rect">
+            <a:avLst/>
+          </a:prstGeom>
+        </p:spPr>
+      </p:pic>
+      <p:pic>
+        <p:nvPicPr>
+          <p:cNvPr id="8" name="Picture 7" descr="image.gif"/>
+          <p:cNvPicPr>
+            <a:picLocks noChangeAspect="1"/>
+          </p:cNvPicPr>
+          <p:nvPr/>
+        </p:nvPicPr>
+        <p:blipFill>
+          <a:blip r:embed="rId2"/>
+          <a:stretch>
+            <a:fillRect/>
+          </a:stretch>
+        </p:blipFill>
+        <p:spPr>
+          <a:xfrm>
+            <a:off x="3047885" y="3809999"/>
+            <a:ext cx="3048000" cy="3048000"/>
+          </a:xfrm>
+          <a:prstGeom prst="rect">
+            <a:avLst/>
+          </a:prstGeom>
+        </p:spPr>
+      </p:pic>
+      <p:pic>
+        <p:nvPicPr>
+          <p:cNvPr id="9" name="Picture 8" descr="image.gif"/>
+          <p:cNvPicPr>
+            <a:picLocks noChangeAspect="1"/>
+          </p:cNvPicPr>
+          <p:nvPr/>
+        </p:nvPicPr>
+        <p:blipFill>
+          <a:blip r:embed="rId2"/>
+          <a:stretch>
+            <a:fillRect/>
+          </a:stretch>
+        </p:blipFill>
+        <p:spPr>
+          <a:xfrm>
+            <a:off x="6095809" y="3809999"/>
+            <a:ext cx="3048000" cy="3048000"/>
+          </a:xfrm>
+          <a:prstGeom prst="rect">
+            <a:avLst/>
+          </a:prstGeom>
+        </p:spPr>
+      </p:pic>
+      <p:pic>
+        <p:nvPicPr>
+          <p:cNvPr id="10" name="Picture 9" descr="image.gif"/>
+          <p:cNvPicPr>
+            <a:picLocks noChangeAspect="1"/>
+          </p:cNvPicPr>
+          <p:nvPr/>
+        </p:nvPicPr>
+        <p:blipFill>
+          <a:blip r:embed="rId2"/>
+          <a:stretch>
+            <a:fillRect/>
+          </a:stretch>
+        </p:blipFill>
+        <p:spPr>
+          <a:xfrm>
+            <a:off x="9143733" y="3809999"/>
+            <a:ext cx="3048000" cy="3048000"/>
+          </a:xfrm>
+          <a:prstGeom prst="rect">
+            <a:avLst/>
+          </a:prstGeom>
+        </p:spPr>
+      </p:pic>
+    </p:spTree>
+  </p:cSld>
+  <p:clrMapOvr>
+    <a:masterClrMapping/>
+  </p:clrMapOvr>
+</p:sld>
+</file>
+
+<file path=ppt/slides/slide3.xml><?xml version="1.0" encoding="utf-8"?>
+<p:sld xmlns:a="http://schemas.openxmlformats.org/drawingml/2006/main" xmlns:p="http://schemas.openxmlformats.org/presentationml/2006/main" xmlns:r="http://schemas.openxmlformats.org/officeDocument/2006/relationships">
+  <p:cSld>
+    <p:spTree>
+      <p:nvGrpSpPr>
+        <p:cNvPr id="1" name=""/>
+        <p:cNvGrpSpPr/>
+        <p:nvPr/>
+      </p:nvGrpSpPr>
+      <p:grpSpPr/>
+      <p:sp>
+        <p:nvSpPr>
+          <p:cNvPr id="2" name="TextBox 1"/>
+          <p:cNvSpPr txBox="1"/>
+          <p:nvPr/>
+        </p:nvSpPr>
+        <p:spPr>
+          <a:xfrm>
+            <a:off x="5501487" y="2880360"/>
+            <a:ext cx="914400" cy="914400"/>
+          </a:xfrm>
+          <a:prstGeom prst="rect">
+            <a:avLst/>
+          </a:prstGeom>
+          <a:noFill/>
+        </p:spPr>
+        <p:txBody>
+          <a:bodyPr wrap="none">
+            <a:spAutoFit/>
+          </a:bodyPr>
+          <a:lstStyle/>
+          <a:p/>
+          <a:p>
+            <a:pPr>
+              <a:defRPr sz="3000"/>
+            </a:pPr>
+            <a:r>
+              <a:t>Cell 2</a:t>
+            </a:r>
+          </a:p>
+        </p:txBody>
+      </p:sp>
+      <p:pic>
+        <p:nvPicPr>
+          <p:cNvPr id="3" name="Picture 2" descr="image.gif"/>
+          <p:cNvPicPr>
+            <a:picLocks noChangeAspect="1"/>
+          </p:cNvPicPr>
+          <p:nvPr/>
+        </p:nvPicPr>
+        <p:blipFill>
+          <a:blip r:embed="rId2"/>
+          <a:stretch>
+            <a:fillRect/>
+          </a:stretch>
+        </p:blipFill>
+        <p:spPr>
+          <a:xfrm>
+            <a:off x="-38" y="0"/>
+            <a:ext cx="3048000" cy="3048000"/>
+          </a:xfrm>
+          <a:prstGeom prst="rect">
+            <a:avLst/>
+          </a:prstGeom>
+        </p:spPr>
+      </p:pic>
+      <p:pic>
+        <p:nvPicPr>
+          <p:cNvPr id="4" name="Picture 3" descr="image.gif"/>
+          <p:cNvPicPr>
+            <a:picLocks noChangeAspect="1"/>
+          </p:cNvPicPr>
+          <p:nvPr/>
+        </p:nvPicPr>
+        <p:blipFill>
+          <a:blip r:embed="rId2"/>
+          <a:stretch>
+            <a:fillRect/>
+          </a:stretch>
+        </p:blipFill>
+        <p:spPr>
+          <a:xfrm>
+            <a:off x="3047885" y="0"/>
+            <a:ext cx="3048000" cy="3048000"/>
+          </a:xfrm>
+          <a:prstGeom prst="rect">
+            <a:avLst/>
+          </a:prstGeom>
+        </p:spPr>
+      </p:pic>
+      <p:pic>
+        <p:nvPicPr>
+          <p:cNvPr id="5" name="Picture 4" descr="image.gif"/>
+          <p:cNvPicPr>
+            <a:picLocks noChangeAspect="1"/>
+          </p:cNvPicPr>
+          <p:nvPr/>
+        </p:nvPicPr>
+        <p:blipFill>
+          <a:blip r:embed="rId2"/>
+          <a:stretch>
+            <a:fillRect/>
+          </a:stretch>
+        </p:blipFill>
+        <p:spPr>
+          <a:xfrm>
+            <a:off x="6095809" y="0"/>
+            <a:ext cx="3048000" cy="3048000"/>
+          </a:xfrm>
+          <a:prstGeom prst="rect">
+            <a:avLst/>
+          </a:prstGeom>
+        </p:spPr>
+      </p:pic>
+      <p:pic>
+        <p:nvPicPr>
+          <p:cNvPr id="6" name="Picture 5" descr="image.gif"/>
+          <p:cNvPicPr>
+            <a:picLocks noChangeAspect="1"/>
+          </p:cNvPicPr>
+          <p:nvPr/>
+        </p:nvPicPr>
+        <p:blipFill>
+          <a:blip r:embed="rId2"/>
+          <a:stretch>
+            <a:fillRect/>
+          </a:stretch>
+        </p:blipFill>
+        <p:spPr>
+          <a:xfrm>
+            <a:off x="9143733" y="0"/>
+            <a:ext cx="3048000" cy="3048000"/>
+          </a:xfrm>
+          <a:prstGeom prst="rect">
+            <a:avLst/>
+          </a:prstGeom>
+        </p:spPr>
+      </p:pic>
+      <p:pic>
+        <p:nvPicPr>
+          <p:cNvPr id="7" name="Picture 6" descr="image.gif"/>
+          <p:cNvPicPr>
+            <a:picLocks noChangeAspect="1"/>
+          </p:cNvPicPr>
+          <p:nvPr/>
+        </p:nvPicPr>
+        <p:blipFill>
+          <a:blip r:embed="rId2"/>
+          <a:stretch>
+            <a:fillRect/>
+          </a:stretch>
+        </p:blipFill>
+        <p:spPr>
+          <a:xfrm>
+            <a:off x="-38" y="3809999"/>
+            <a:ext cx="3048000" cy="3048000"/>
+          </a:xfrm>
+          <a:prstGeom prst="rect">
+            <a:avLst/>
+          </a:prstGeom>
+        </p:spPr>
+      </p:pic>
+      <p:pic>
+        <p:nvPicPr>
+          <p:cNvPr id="8" name="Picture 7" descr="image.gif"/>
+          <p:cNvPicPr>
+            <a:picLocks noChangeAspect="1"/>
+          </p:cNvPicPr>
+          <p:nvPr/>
+        </p:nvPicPr>
+        <p:blipFill>
+          <a:blip r:embed="rId2"/>
+          <a:stretch>
+            <a:fillRect/>
+          </a:stretch>
+        </p:blipFill>
+        <p:spPr>
+          <a:xfrm>
+            <a:off x="3047885" y="3809999"/>
+            <a:ext cx="3048000" cy="3048000"/>
+          </a:xfrm>
+          <a:prstGeom prst="rect">
+            <a:avLst/>
+          </a:prstGeom>
+        </p:spPr>
+      </p:pic>
+      <p:pic>
+        <p:nvPicPr>
+          <p:cNvPr id="9" name="Picture 8" descr="image.gif"/>
+          <p:cNvPicPr>
+            <a:picLocks noChangeAspect="1"/>
+          </p:cNvPicPr>
+          <p:nvPr/>
+        </p:nvPicPr>
+        <p:blipFill>
+          <a:blip r:embed="rId2"/>
+          <a:stretch>
+            <a:fillRect/>
+          </a:stretch>
+        </p:blipFill>
+        <p:spPr>
+          <a:xfrm>
+            <a:off x="6095809" y="3809999"/>
+            <a:ext cx="3048000" cy="3048000"/>
+          </a:xfrm>
+          <a:prstGeom prst="rect">
+            <a:avLst/>
+          </a:prstGeom>
+        </p:spPr>
+      </p:pic>
+      <p:pic>
+        <p:nvPicPr>
+          <p:cNvPr id="10" name="Picture 9" descr="image.gif"/>
+          <p:cNvPicPr>
+            <a:picLocks noChangeAspect="1"/>
+          </p:cNvPicPr>
+          <p:nvPr/>
+        </p:nvPicPr>
+        <p:blipFill>
+          <a:blip r:embed="rId2"/>
+          <a:stretch>
+            <a:fillRect/>
+          </a:stretch>
+        </p:blipFill>
+        <p:spPr>
+          <a:xfrm>
+            <a:off x="9143733" y="3809999"/>
+            <a:ext cx="3048000" cy="3048000"/>
+          </a:xfrm>
+          <a:prstGeom prst="rect">
+            <a:avLst/>
+          </a:prstGeom>
+        </p:spPr>
+      </p:pic>
+    </p:spTree>
+  </p:cSld>
+  <p:clrMapOvr>
+    <a:masterClrMapping/>
+  </p:clrMapOvr>
+</p:sld>
+</file>
+
+<file path=ppt/slides/slide4.xml><?xml version="1.0" encoding="utf-8"?>
+<p:sld xmlns:a="http://schemas.openxmlformats.org/drawingml/2006/main" xmlns:p="http://schemas.openxmlformats.org/presentationml/2006/main" xmlns:r="http://schemas.openxmlformats.org/officeDocument/2006/relationships">
+  <p:cSld>
+    <p:spTree>
+      <p:nvGrpSpPr>
+        <p:cNvPr id="1" name=""/>
+        <p:cNvGrpSpPr/>
+        <p:nvPr/>
+      </p:nvGrpSpPr>
+      <p:grpSpPr/>
+      <p:sp>
+        <p:nvSpPr>
+          <p:cNvPr id="2" name="TextBox 1"/>
+          <p:cNvSpPr txBox="1"/>
+          <p:nvPr/>
+        </p:nvSpPr>
+        <p:spPr>
+          <a:xfrm>
+            <a:off x="5501487" y="2880360"/>
+            <a:ext cx="914400" cy="914400"/>
+          </a:xfrm>
+          <a:prstGeom prst="rect">
+            <a:avLst/>
+          </a:prstGeom>
+          <a:noFill/>
+        </p:spPr>
+        <p:txBody>
+          <a:bodyPr wrap="none">
+            <a:spAutoFit/>
+          </a:bodyPr>
+          <a:lstStyle/>
+          <a:p/>
+          <a:p>
+            <a:pPr>
+              <a:defRPr sz="3000"/>
+            </a:pPr>
+            <a:r>
+              <a:t>Cell 2</a:t>
+            </a:r>
+          </a:p>
+        </p:txBody>
+      </p:sp>
+      <p:pic>
+        <p:nvPicPr>
+          <p:cNvPr id="3" name="Picture 2" descr="image.gif"/>
+          <p:cNvPicPr>
+            <a:picLocks noChangeAspect="1"/>
+          </p:cNvPicPr>
+          <p:nvPr/>
+        </p:nvPicPr>
+        <p:blipFill>
+          <a:blip r:embed="rId2"/>
+          <a:stretch>
+            <a:fillRect/>
+          </a:stretch>
+        </p:blipFill>
+        <p:spPr>
+          <a:xfrm>
+            <a:off x="-38" y="0"/>
+            <a:ext cx="3048000" cy="3048000"/>
+          </a:xfrm>
+          <a:prstGeom prst="rect">
+            <a:avLst/>
+          </a:prstGeom>
+        </p:spPr>
+      </p:pic>
+      <p:pic>
+        <p:nvPicPr>
+          <p:cNvPr id="4" name="Picture 3" descr="image.gif"/>
+          <p:cNvPicPr>
+            <a:picLocks noChangeAspect="1"/>
+          </p:cNvPicPr>
+          <p:nvPr/>
+        </p:nvPicPr>
+        <p:blipFill>
+          <a:blip r:embed="rId2"/>
+          <a:stretch>
+            <a:fillRect/>
+          </a:stretch>
+        </p:blipFill>
+        <p:spPr>
+          <a:xfrm>
+            <a:off x="3047885" y="0"/>
+            <a:ext cx="3048000" cy="3048000"/>
+          </a:xfrm>
+          <a:prstGeom prst="rect">
+            <a:avLst/>
+          </a:prstGeom>
+        </p:spPr>
+      </p:pic>
+      <p:pic>
+        <p:nvPicPr>
+          <p:cNvPr id="5" name="Picture 4" descr="image.gif"/>
+          <p:cNvPicPr>
+            <a:picLocks noChangeAspect="1"/>
+          </p:cNvPicPr>
+          <p:nvPr/>
+        </p:nvPicPr>
+        <p:blipFill>
+          <a:blip r:embed="rId2"/>
+          <a:stretch>
+            <a:fillRect/>
+          </a:stretch>
+        </p:blipFill>
+        <p:spPr>
+          <a:xfrm>
+            <a:off x="6095809" y="0"/>
+            <a:ext cx="3048000" cy="3048000"/>
+          </a:xfrm>
+          <a:prstGeom prst="rect">
+            <a:avLst/>
+          </a:prstGeom>
+        </p:spPr>
+      </p:pic>
+      <p:pic>
+        <p:nvPicPr>
+          <p:cNvPr id="6" name="Picture 5" descr="image.gif"/>
+          <p:cNvPicPr>
+            <a:picLocks noChangeAspect="1"/>
+          </p:cNvPicPr>
+          <p:nvPr/>
+        </p:nvPicPr>
+        <p:blipFill>
+          <a:blip r:embed="rId2"/>
+          <a:stretch>
+            <a:fillRect/>
+          </a:stretch>
+        </p:blipFill>
+        <p:spPr>
+          <a:xfrm>
+            <a:off x="9143733" y="0"/>
+            <a:ext cx="3048000" cy="3048000"/>
           </a:xfrm>
           <a:prstGeom prst="rect">
             <a:avLst/>

--- a/Image2ppt/Output/test.pptx
+++ b/Image2ppt/Output/test.pptx
@@ -6,6 +6,12 @@
   </p:sldMasterIdLst>
   <p:sldIdLst>
     <p:sldId id="256" r:id="rId7"/>
+    <p:sldId id="257" r:id="rId8"/>
+    <p:sldId id="258" r:id="rId9"/>
+    <p:sldId id="259" r:id="rId10"/>
+    <p:sldId id="260" r:id="rId11"/>
+    <p:sldId id="261" r:id="rId12"/>
+    <p:sldId id="262" r:id="rId13"/>
   </p:sldIdLst>
   <p:sldSz cx="12191695" cy="6858000" type="screen4x3"/>
   <p:notesSz cx="6858000" cy="9144000"/>
@@ -3104,8 +3110,8 @@
         </p:blipFill>
         <p:spPr>
           <a:xfrm>
-            <a:off x="215884" y="0"/>
-            <a:ext cx="787400" cy="1371600"/>
+            <a:off x="539711" y="0"/>
+            <a:ext cx="1968500" cy="3429000"/>
           </a:xfrm>
           <a:prstGeom prst="rect">
             <a:avLst/>
@@ -3128,8 +3134,8 @@
         </p:blipFill>
         <p:spPr>
           <a:xfrm>
-            <a:off x="1219154" y="0"/>
-            <a:ext cx="1219200" cy="1219200"/>
+            <a:off x="3047885" y="0"/>
+            <a:ext cx="3048000" cy="3048000"/>
           </a:xfrm>
           <a:prstGeom prst="rect">
             <a:avLst/>
@@ -3152,8 +3158,8 @@
         </p:blipFill>
         <p:spPr>
           <a:xfrm>
-            <a:off x="2438324" y="0"/>
-            <a:ext cx="1219200" cy="1219200"/>
+            <a:off x="6095809" y="0"/>
+            <a:ext cx="3048000" cy="3048000"/>
           </a:xfrm>
           <a:prstGeom prst="rect">
             <a:avLst/>
@@ -3176,8 +3182,8 @@
         </p:blipFill>
         <p:spPr>
           <a:xfrm>
-            <a:off x="3657493" y="0"/>
-            <a:ext cx="1219200" cy="1219200"/>
+            <a:off x="9143733" y="0"/>
+            <a:ext cx="3048000" cy="3048000"/>
           </a:xfrm>
           <a:prstGeom prst="rect">
             <a:avLst/>
@@ -3200,8 +3206,8 @@
         </p:blipFill>
         <p:spPr>
           <a:xfrm>
-            <a:off x="4876663" y="0"/>
-            <a:ext cx="1219200" cy="1219200"/>
+            <a:off x="-38" y="3809999"/>
+            <a:ext cx="3048000" cy="3048000"/>
           </a:xfrm>
           <a:prstGeom prst="rect">
             <a:avLst/>
@@ -3224,8 +3230,8 @@
         </p:blipFill>
         <p:spPr>
           <a:xfrm>
-            <a:off x="6095832" y="0"/>
-            <a:ext cx="1219200" cy="1219200"/>
+            <a:off x="3047885" y="3809999"/>
+            <a:ext cx="3048000" cy="3048000"/>
           </a:xfrm>
           <a:prstGeom prst="rect">
             <a:avLst/>
@@ -3248,8 +3254,8 @@
         </p:blipFill>
         <p:spPr>
           <a:xfrm>
-            <a:off x="7315002" y="0"/>
-            <a:ext cx="1219200" cy="1219200"/>
+            <a:off x="6095809" y="3809999"/>
+            <a:ext cx="3048000" cy="3048000"/>
           </a:xfrm>
           <a:prstGeom prst="rect">
             <a:avLst/>
@@ -3272,17 +3278,971 @@
         </p:blipFill>
         <p:spPr>
           <a:xfrm>
-            <a:off x="8534171" y="0"/>
-            <a:ext cx="1219200" cy="1219200"/>
-          </a:xfrm>
-          <a:prstGeom prst="rect">
-            <a:avLst/>
-          </a:prstGeom>
-        </p:spPr>
-      </p:pic>
-      <p:pic>
-        <p:nvPicPr>
-          <p:cNvPr id="10" name="Picture 9" descr="image.gif"/>
+            <a:off x="9143733" y="3809999"/>
+            <a:ext cx="3048000" cy="3048000"/>
+          </a:xfrm>
+          <a:prstGeom prst="rect">
+            <a:avLst/>
+          </a:prstGeom>
+        </p:spPr>
+      </p:pic>
+    </p:spTree>
+  </p:cSld>
+  <p:clrMapOvr>
+    <a:masterClrMapping/>
+  </p:clrMapOvr>
+</p:sld>
+</file>
+
+<file path=ppt/slides/slide2.xml><?xml version="1.0" encoding="utf-8"?>
+<p:sld xmlns:a="http://schemas.openxmlformats.org/drawingml/2006/main" xmlns:p="http://schemas.openxmlformats.org/presentationml/2006/main" xmlns:r="http://schemas.openxmlformats.org/officeDocument/2006/relationships">
+  <p:cSld>
+    <p:spTree>
+      <p:nvGrpSpPr>
+        <p:cNvPr id="1" name=""/>
+        <p:cNvGrpSpPr/>
+        <p:nvPr/>
+      </p:nvGrpSpPr>
+      <p:grpSpPr/>
+      <p:pic>
+        <p:nvPicPr>
+          <p:cNvPr id="2" name="Picture 1" descr="image.gif"/>
+          <p:cNvPicPr>
+            <a:picLocks noChangeAspect="1"/>
+          </p:cNvPicPr>
+          <p:nvPr/>
+        </p:nvPicPr>
+        <p:blipFill>
+          <a:blip r:embed="rId2"/>
+          <a:stretch>
+            <a:fillRect/>
+          </a:stretch>
+        </p:blipFill>
+        <p:spPr>
+          <a:xfrm>
+            <a:off x="-38" y="0"/>
+            <a:ext cx="3048000" cy="3048000"/>
+          </a:xfrm>
+          <a:prstGeom prst="rect">
+            <a:avLst/>
+          </a:prstGeom>
+        </p:spPr>
+      </p:pic>
+      <p:pic>
+        <p:nvPicPr>
+          <p:cNvPr id="3" name="Picture 2" descr="image.gif"/>
+          <p:cNvPicPr>
+            <a:picLocks noChangeAspect="1"/>
+          </p:cNvPicPr>
+          <p:nvPr/>
+        </p:nvPicPr>
+        <p:blipFill>
+          <a:blip r:embed="rId2"/>
+          <a:stretch>
+            <a:fillRect/>
+          </a:stretch>
+        </p:blipFill>
+        <p:spPr>
+          <a:xfrm>
+            <a:off x="3047885" y="0"/>
+            <a:ext cx="3048000" cy="3048000"/>
+          </a:xfrm>
+          <a:prstGeom prst="rect">
+            <a:avLst/>
+          </a:prstGeom>
+        </p:spPr>
+      </p:pic>
+      <p:pic>
+        <p:nvPicPr>
+          <p:cNvPr id="4" name="Picture 3" descr="image.gif"/>
+          <p:cNvPicPr>
+            <a:picLocks noChangeAspect="1"/>
+          </p:cNvPicPr>
+          <p:nvPr/>
+        </p:nvPicPr>
+        <p:blipFill>
+          <a:blip r:embed="rId2"/>
+          <a:stretch>
+            <a:fillRect/>
+          </a:stretch>
+        </p:blipFill>
+        <p:spPr>
+          <a:xfrm>
+            <a:off x="6095809" y="0"/>
+            <a:ext cx="3048000" cy="3048000"/>
+          </a:xfrm>
+          <a:prstGeom prst="rect">
+            <a:avLst/>
+          </a:prstGeom>
+        </p:spPr>
+      </p:pic>
+      <p:pic>
+        <p:nvPicPr>
+          <p:cNvPr id="5" name="Picture 4" descr="image.gif"/>
+          <p:cNvPicPr>
+            <a:picLocks noChangeAspect="1"/>
+          </p:cNvPicPr>
+          <p:nvPr/>
+        </p:nvPicPr>
+        <p:blipFill>
+          <a:blip r:embed="rId2"/>
+          <a:stretch>
+            <a:fillRect/>
+          </a:stretch>
+        </p:blipFill>
+        <p:spPr>
+          <a:xfrm>
+            <a:off x="9143733" y="0"/>
+            <a:ext cx="3048000" cy="3048000"/>
+          </a:xfrm>
+          <a:prstGeom prst="rect">
+            <a:avLst/>
+          </a:prstGeom>
+        </p:spPr>
+      </p:pic>
+      <p:pic>
+        <p:nvPicPr>
+          <p:cNvPr id="6" name="Picture 5" descr="image.gif"/>
+          <p:cNvPicPr>
+            <a:picLocks noChangeAspect="1"/>
+          </p:cNvPicPr>
+          <p:nvPr/>
+        </p:nvPicPr>
+        <p:blipFill>
+          <a:blip r:embed="rId2"/>
+          <a:stretch>
+            <a:fillRect/>
+          </a:stretch>
+        </p:blipFill>
+        <p:spPr>
+          <a:xfrm>
+            <a:off x="-38" y="3809999"/>
+            <a:ext cx="3048000" cy="3048000"/>
+          </a:xfrm>
+          <a:prstGeom prst="rect">
+            <a:avLst/>
+          </a:prstGeom>
+        </p:spPr>
+      </p:pic>
+      <p:pic>
+        <p:nvPicPr>
+          <p:cNvPr id="7" name="Picture 6" descr="image.gif"/>
+          <p:cNvPicPr>
+            <a:picLocks noChangeAspect="1"/>
+          </p:cNvPicPr>
+          <p:nvPr/>
+        </p:nvPicPr>
+        <p:blipFill>
+          <a:blip r:embed="rId2"/>
+          <a:stretch>
+            <a:fillRect/>
+          </a:stretch>
+        </p:blipFill>
+        <p:spPr>
+          <a:xfrm>
+            <a:off x="3047885" y="3809999"/>
+            <a:ext cx="3048000" cy="3048000"/>
+          </a:xfrm>
+          <a:prstGeom prst="rect">
+            <a:avLst/>
+          </a:prstGeom>
+        </p:spPr>
+      </p:pic>
+      <p:pic>
+        <p:nvPicPr>
+          <p:cNvPr id="8" name="Picture 7" descr="image.gif"/>
+          <p:cNvPicPr>
+            <a:picLocks noChangeAspect="1"/>
+          </p:cNvPicPr>
+          <p:nvPr/>
+        </p:nvPicPr>
+        <p:blipFill>
+          <a:blip r:embed="rId2"/>
+          <a:stretch>
+            <a:fillRect/>
+          </a:stretch>
+        </p:blipFill>
+        <p:spPr>
+          <a:xfrm>
+            <a:off x="6095809" y="3809999"/>
+            <a:ext cx="3048000" cy="3048000"/>
+          </a:xfrm>
+          <a:prstGeom prst="rect">
+            <a:avLst/>
+          </a:prstGeom>
+        </p:spPr>
+      </p:pic>
+      <p:pic>
+        <p:nvPicPr>
+          <p:cNvPr id="9" name="Picture 8" descr="image.gif"/>
+          <p:cNvPicPr>
+            <a:picLocks noChangeAspect="1"/>
+          </p:cNvPicPr>
+          <p:nvPr/>
+        </p:nvPicPr>
+        <p:blipFill>
+          <a:blip r:embed="rId2"/>
+          <a:stretch>
+            <a:fillRect/>
+          </a:stretch>
+        </p:blipFill>
+        <p:spPr>
+          <a:xfrm>
+            <a:off x="9143733" y="3809999"/>
+            <a:ext cx="3048000" cy="3048000"/>
+          </a:xfrm>
+          <a:prstGeom prst="rect">
+            <a:avLst/>
+          </a:prstGeom>
+        </p:spPr>
+      </p:pic>
+    </p:spTree>
+  </p:cSld>
+  <p:clrMapOvr>
+    <a:masterClrMapping/>
+  </p:clrMapOvr>
+</p:sld>
+</file>
+
+<file path=ppt/slides/slide3.xml><?xml version="1.0" encoding="utf-8"?>
+<p:sld xmlns:a="http://schemas.openxmlformats.org/drawingml/2006/main" xmlns:p="http://schemas.openxmlformats.org/presentationml/2006/main" xmlns:r="http://schemas.openxmlformats.org/officeDocument/2006/relationships">
+  <p:cSld>
+    <p:spTree>
+      <p:nvGrpSpPr>
+        <p:cNvPr id="1" name=""/>
+        <p:cNvGrpSpPr/>
+        <p:nvPr/>
+      </p:nvGrpSpPr>
+      <p:grpSpPr/>
+      <p:pic>
+        <p:nvPicPr>
+          <p:cNvPr id="2" name="Picture 1" descr="image.gif"/>
+          <p:cNvPicPr>
+            <a:picLocks noChangeAspect="1"/>
+          </p:cNvPicPr>
+          <p:nvPr/>
+        </p:nvPicPr>
+        <p:blipFill>
+          <a:blip r:embed="rId2"/>
+          <a:stretch>
+            <a:fillRect/>
+          </a:stretch>
+        </p:blipFill>
+        <p:spPr>
+          <a:xfrm>
+            <a:off x="-38" y="0"/>
+            <a:ext cx="3048000" cy="3048000"/>
+          </a:xfrm>
+          <a:prstGeom prst="rect">
+            <a:avLst/>
+          </a:prstGeom>
+        </p:spPr>
+      </p:pic>
+      <p:pic>
+        <p:nvPicPr>
+          <p:cNvPr id="3" name="Picture 2" descr="image.gif"/>
+          <p:cNvPicPr>
+            <a:picLocks noChangeAspect="1"/>
+          </p:cNvPicPr>
+          <p:nvPr/>
+        </p:nvPicPr>
+        <p:blipFill>
+          <a:blip r:embed="rId2"/>
+          <a:stretch>
+            <a:fillRect/>
+          </a:stretch>
+        </p:blipFill>
+        <p:spPr>
+          <a:xfrm>
+            <a:off x="3047885" y="0"/>
+            <a:ext cx="3048000" cy="3048000"/>
+          </a:xfrm>
+          <a:prstGeom prst="rect">
+            <a:avLst/>
+          </a:prstGeom>
+        </p:spPr>
+      </p:pic>
+      <p:pic>
+        <p:nvPicPr>
+          <p:cNvPr id="4" name="Picture 3" descr="image.gif"/>
+          <p:cNvPicPr>
+            <a:picLocks noChangeAspect="1"/>
+          </p:cNvPicPr>
+          <p:nvPr/>
+        </p:nvPicPr>
+        <p:blipFill>
+          <a:blip r:embed="rId2"/>
+          <a:stretch>
+            <a:fillRect/>
+          </a:stretch>
+        </p:blipFill>
+        <p:spPr>
+          <a:xfrm>
+            <a:off x="6095809" y="0"/>
+            <a:ext cx="3048000" cy="3048000"/>
+          </a:xfrm>
+          <a:prstGeom prst="rect">
+            <a:avLst/>
+          </a:prstGeom>
+        </p:spPr>
+      </p:pic>
+      <p:pic>
+        <p:nvPicPr>
+          <p:cNvPr id="5" name="Picture 4" descr="image.gif"/>
+          <p:cNvPicPr>
+            <a:picLocks noChangeAspect="1"/>
+          </p:cNvPicPr>
+          <p:nvPr/>
+        </p:nvPicPr>
+        <p:blipFill>
+          <a:blip r:embed="rId2"/>
+          <a:stretch>
+            <a:fillRect/>
+          </a:stretch>
+        </p:blipFill>
+        <p:spPr>
+          <a:xfrm>
+            <a:off x="9143733" y="0"/>
+            <a:ext cx="3048000" cy="3048000"/>
+          </a:xfrm>
+          <a:prstGeom prst="rect">
+            <a:avLst/>
+          </a:prstGeom>
+        </p:spPr>
+      </p:pic>
+      <p:pic>
+        <p:nvPicPr>
+          <p:cNvPr id="6" name="Picture 5" descr="image.gif"/>
+          <p:cNvPicPr>
+            <a:picLocks noChangeAspect="1"/>
+          </p:cNvPicPr>
+          <p:nvPr/>
+        </p:nvPicPr>
+        <p:blipFill>
+          <a:blip r:embed="rId2"/>
+          <a:stretch>
+            <a:fillRect/>
+          </a:stretch>
+        </p:blipFill>
+        <p:spPr>
+          <a:xfrm>
+            <a:off x="-38" y="3809999"/>
+            <a:ext cx="3048000" cy="3048000"/>
+          </a:xfrm>
+          <a:prstGeom prst="rect">
+            <a:avLst/>
+          </a:prstGeom>
+        </p:spPr>
+      </p:pic>
+      <p:pic>
+        <p:nvPicPr>
+          <p:cNvPr id="7" name="Picture 6" descr="image.gif"/>
+          <p:cNvPicPr>
+            <a:picLocks noChangeAspect="1"/>
+          </p:cNvPicPr>
+          <p:nvPr/>
+        </p:nvPicPr>
+        <p:blipFill>
+          <a:blip r:embed="rId2"/>
+          <a:stretch>
+            <a:fillRect/>
+          </a:stretch>
+        </p:blipFill>
+        <p:spPr>
+          <a:xfrm>
+            <a:off x="3047885" y="3809999"/>
+            <a:ext cx="3048000" cy="3048000"/>
+          </a:xfrm>
+          <a:prstGeom prst="rect">
+            <a:avLst/>
+          </a:prstGeom>
+        </p:spPr>
+      </p:pic>
+      <p:pic>
+        <p:nvPicPr>
+          <p:cNvPr id="8" name="Picture 7" descr="image.gif"/>
+          <p:cNvPicPr>
+            <a:picLocks noChangeAspect="1"/>
+          </p:cNvPicPr>
+          <p:nvPr/>
+        </p:nvPicPr>
+        <p:blipFill>
+          <a:blip r:embed="rId2"/>
+          <a:stretch>
+            <a:fillRect/>
+          </a:stretch>
+        </p:blipFill>
+        <p:spPr>
+          <a:xfrm>
+            <a:off x="6095809" y="3809999"/>
+            <a:ext cx="3048000" cy="3048000"/>
+          </a:xfrm>
+          <a:prstGeom prst="rect">
+            <a:avLst/>
+          </a:prstGeom>
+        </p:spPr>
+      </p:pic>
+      <p:pic>
+        <p:nvPicPr>
+          <p:cNvPr id="9" name="Picture 8" descr="image.gif"/>
+          <p:cNvPicPr>
+            <a:picLocks noChangeAspect="1"/>
+          </p:cNvPicPr>
+          <p:nvPr/>
+        </p:nvPicPr>
+        <p:blipFill>
+          <a:blip r:embed="rId2"/>
+          <a:stretch>
+            <a:fillRect/>
+          </a:stretch>
+        </p:blipFill>
+        <p:spPr>
+          <a:xfrm>
+            <a:off x="9143733" y="3809999"/>
+            <a:ext cx="3048000" cy="3048000"/>
+          </a:xfrm>
+          <a:prstGeom prst="rect">
+            <a:avLst/>
+          </a:prstGeom>
+        </p:spPr>
+      </p:pic>
+    </p:spTree>
+  </p:cSld>
+  <p:clrMapOvr>
+    <a:masterClrMapping/>
+  </p:clrMapOvr>
+</p:sld>
+</file>
+
+<file path=ppt/slides/slide4.xml><?xml version="1.0" encoding="utf-8"?>
+<p:sld xmlns:a="http://schemas.openxmlformats.org/drawingml/2006/main" xmlns:p="http://schemas.openxmlformats.org/presentationml/2006/main" xmlns:r="http://schemas.openxmlformats.org/officeDocument/2006/relationships">
+  <p:cSld>
+    <p:spTree>
+      <p:nvGrpSpPr>
+        <p:cNvPr id="1" name=""/>
+        <p:cNvGrpSpPr/>
+        <p:nvPr/>
+      </p:nvGrpSpPr>
+      <p:grpSpPr/>
+      <p:pic>
+        <p:nvPicPr>
+          <p:cNvPr id="2" name="Picture 1" descr="image.gif"/>
+          <p:cNvPicPr>
+            <a:picLocks noChangeAspect="1"/>
+          </p:cNvPicPr>
+          <p:nvPr/>
+        </p:nvPicPr>
+        <p:blipFill>
+          <a:blip r:embed="rId2"/>
+          <a:stretch>
+            <a:fillRect/>
+          </a:stretch>
+        </p:blipFill>
+        <p:spPr>
+          <a:xfrm>
+            <a:off x="-38" y="0"/>
+            <a:ext cx="3048000" cy="3048000"/>
+          </a:xfrm>
+          <a:prstGeom prst="rect">
+            <a:avLst/>
+          </a:prstGeom>
+        </p:spPr>
+      </p:pic>
+      <p:pic>
+        <p:nvPicPr>
+          <p:cNvPr id="3" name="Picture 2" descr="image.gif"/>
+          <p:cNvPicPr>
+            <a:picLocks noChangeAspect="1"/>
+          </p:cNvPicPr>
+          <p:nvPr/>
+        </p:nvPicPr>
+        <p:blipFill>
+          <a:blip r:embed="rId2"/>
+          <a:stretch>
+            <a:fillRect/>
+          </a:stretch>
+        </p:blipFill>
+        <p:spPr>
+          <a:xfrm>
+            <a:off x="3047885" y="0"/>
+            <a:ext cx="3048000" cy="3048000"/>
+          </a:xfrm>
+          <a:prstGeom prst="rect">
+            <a:avLst/>
+          </a:prstGeom>
+        </p:spPr>
+      </p:pic>
+      <p:pic>
+        <p:nvPicPr>
+          <p:cNvPr id="4" name="Picture 3" descr="image.gif"/>
+          <p:cNvPicPr>
+            <a:picLocks noChangeAspect="1"/>
+          </p:cNvPicPr>
+          <p:nvPr/>
+        </p:nvPicPr>
+        <p:blipFill>
+          <a:blip r:embed="rId2"/>
+          <a:stretch>
+            <a:fillRect/>
+          </a:stretch>
+        </p:blipFill>
+        <p:spPr>
+          <a:xfrm>
+            <a:off x="6095809" y="0"/>
+            <a:ext cx="3048000" cy="3048000"/>
+          </a:xfrm>
+          <a:prstGeom prst="rect">
+            <a:avLst/>
+          </a:prstGeom>
+        </p:spPr>
+      </p:pic>
+      <p:pic>
+        <p:nvPicPr>
+          <p:cNvPr id="5" name="Picture 4" descr="image.gif"/>
+          <p:cNvPicPr>
+            <a:picLocks noChangeAspect="1"/>
+          </p:cNvPicPr>
+          <p:nvPr/>
+        </p:nvPicPr>
+        <p:blipFill>
+          <a:blip r:embed="rId2"/>
+          <a:stretch>
+            <a:fillRect/>
+          </a:stretch>
+        </p:blipFill>
+        <p:spPr>
+          <a:xfrm>
+            <a:off x="9143733" y="0"/>
+            <a:ext cx="3048000" cy="3048000"/>
+          </a:xfrm>
+          <a:prstGeom prst="rect">
+            <a:avLst/>
+          </a:prstGeom>
+        </p:spPr>
+      </p:pic>
+      <p:pic>
+        <p:nvPicPr>
+          <p:cNvPr id="6" name="Picture 5" descr="image.gif"/>
+          <p:cNvPicPr>
+            <a:picLocks noChangeAspect="1"/>
+          </p:cNvPicPr>
+          <p:nvPr/>
+        </p:nvPicPr>
+        <p:blipFill>
+          <a:blip r:embed="rId2"/>
+          <a:stretch>
+            <a:fillRect/>
+          </a:stretch>
+        </p:blipFill>
+        <p:spPr>
+          <a:xfrm>
+            <a:off x="-38" y="3809999"/>
+            <a:ext cx="3048000" cy="3048000"/>
+          </a:xfrm>
+          <a:prstGeom prst="rect">
+            <a:avLst/>
+          </a:prstGeom>
+        </p:spPr>
+      </p:pic>
+      <p:pic>
+        <p:nvPicPr>
+          <p:cNvPr id="7" name="Picture 6" descr="image.gif"/>
+          <p:cNvPicPr>
+            <a:picLocks noChangeAspect="1"/>
+          </p:cNvPicPr>
+          <p:nvPr/>
+        </p:nvPicPr>
+        <p:blipFill>
+          <a:blip r:embed="rId2"/>
+          <a:stretch>
+            <a:fillRect/>
+          </a:stretch>
+        </p:blipFill>
+        <p:spPr>
+          <a:xfrm>
+            <a:off x="3047885" y="3809999"/>
+            <a:ext cx="3048000" cy="3048000"/>
+          </a:xfrm>
+          <a:prstGeom prst="rect">
+            <a:avLst/>
+          </a:prstGeom>
+        </p:spPr>
+      </p:pic>
+      <p:pic>
+        <p:nvPicPr>
+          <p:cNvPr id="8" name="Picture 7" descr="image.gif"/>
+          <p:cNvPicPr>
+            <a:picLocks noChangeAspect="1"/>
+          </p:cNvPicPr>
+          <p:nvPr/>
+        </p:nvPicPr>
+        <p:blipFill>
+          <a:blip r:embed="rId2"/>
+          <a:stretch>
+            <a:fillRect/>
+          </a:stretch>
+        </p:blipFill>
+        <p:spPr>
+          <a:xfrm>
+            <a:off x="6095809" y="3809999"/>
+            <a:ext cx="3048000" cy="3048000"/>
+          </a:xfrm>
+          <a:prstGeom prst="rect">
+            <a:avLst/>
+          </a:prstGeom>
+        </p:spPr>
+      </p:pic>
+      <p:pic>
+        <p:nvPicPr>
+          <p:cNvPr id="9" name="Picture 8" descr="image.gif"/>
+          <p:cNvPicPr>
+            <a:picLocks noChangeAspect="1"/>
+          </p:cNvPicPr>
+          <p:nvPr/>
+        </p:nvPicPr>
+        <p:blipFill>
+          <a:blip r:embed="rId2"/>
+          <a:stretch>
+            <a:fillRect/>
+          </a:stretch>
+        </p:blipFill>
+        <p:spPr>
+          <a:xfrm>
+            <a:off x="9143733" y="3809999"/>
+            <a:ext cx="3048000" cy="3048000"/>
+          </a:xfrm>
+          <a:prstGeom prst="rect">
+            <a:avLst/>
+          </a:prstGeom>
+        </p:spPr>
+      </p:pic>
+    </p:spTree>
+  </p:cSld>
+  <p:clrMapOvr>
+    <a:masterClrMapping/>
+  </p:clrMapOvr>
+</p:sld>
+</file>
+
+<file path=ppt/slides/slide5.xml><?xml version="1.0" encoding="utf-8"?>
+<p:sld xmlns:a="http://schemas.openxmlformats.org/drawingml/2006/main" xmlns:p="http://schemas.openxmlformats.org/presentationml/2006/main" xmlns:r="http://schemas.openxmlformats.org/officeDocument/2006/relationships">
+  <p:cSld>
+    <p:spTree>
+      <p:nvGrpSpPr>
+        <p:cNvPr id="1" name=""/>
+        <p:cNvGrpSpPr/>
+        <p:nvPr/>
+      </p:nvGrpSpPr>
+      <p:grpSpPr/>
+      <p:pic>
+        <p:nvPicPr>
+          <p:cNvPr id="2" name="Picture 1" descr="image.gif"/>
+          <p:cNvPicPr>
+            <a:picLocks noChangeAspect="1"/>
+          </p:cNvPicPr>
+          <p:nvPr/>
+        </p:nvPicPr>
+        <p:blipFill>
+          <a:blip r:embed="rId2"/>
+          <a:stretch>
+            <a:fillRect/>
+          </a:stretch>
+        </p:blipFill>
+        <p:spPr>
+          <a:xfrm>
+            <a:off x="-38" y="0"/>
+            <a:ext cx="3048000" cy="3048000"/>
+          </a:xfrm>
+          <a:prstGeom prst="rect">
+            <a:avLst/>
+          </a:prstGeom>
+        </p:spPr>
+      </p:pic>
+      <p:pic>
+        <p:nvPicPr>
+          <p:cNvPr id="3" name="Picture 2" descr="image.gif"/>
+          <p:cNvPicPr>
+            <a:picLocks noChangeAspect="1"/>
+          </p:cNvPicPr>
+          <p:nvPr/>
+        </p:nvPicPr>
+        <p:blipFill>
+          <a:blip r:embed="rId2"/>
+          <a:stretch>
+            <a:fillRect/>
+          </a:stretch>
+        </p:blipFill>
+        <p:spPr>
+          <a:xfrm>
+            <a:off x="3047885" y="0"/>
+            <a:ext cx="3048000" cy="3048000"/>
+          </a:xfrm>
+          <a:prstGeom prst="rect">
+            <a:avLst/>
+          </a:prstGeom>
+        </p:spPr>
+      </p:pic>
+      <p:pic>
+        <p:nvPicPr>
+          <p:cNvPr id="4" name="Picture 3" descr="image.gif"/>
+          <p:cNvPicPr>
+            <a:picLocks noChangeAspect="1"/>
+          </p:cNvPicPr>
+          <p:nvPr/>
+        </p:nvPicPr>
+        <p:blipFill>
+          <a:blip r:embed="rId2"/>
+          <a:stretch>
+            <a:fillRect/>
+          </a:stretch>
+        </p:blipFill>
+        <p:spPr>
+          <a:xfrm>
+            <a:off x="6095809" y="0"/>
+            <a:ext cx="3048000" cy="3048000"/>
+          </a:xfrm>
+          <a:prstGeom prst="rect">
+            <a:avLst/>
+          </a:prstGeom>
+        </p:spPr>
+      </p:pic>
+      <p:pic>
+        <p:nvPicPr>
+          <p:cNvPr id="5" name="Picture 4" descr="image.gif"/>
+          <p:cNvPicPr>
+            <a:picLocks noChangeAspect="1"/>
+          </p:cNvPicPr>
+          <p:nvPr/>
+        </p:nvPicPr>
+        <p:blipFill>
+          <a:blip r:embed="rId2"/>
+          <a:stretch>
+            <a:fillRect/>
+          </a:stretch>
+        </p:blipFill>
+        <p:spPr>
+          <a:xfrm>
+            <a:off x="9143733" y="0"/>
+            <a:ext cx="3048000" cy="3048000"/>
+          </a:xfrm>
+          <a:prstGeom prst="rect">
+            <a:avLst/>
+          </a:prstGeom>
+        </p:spPr>
+      </p:pic>
+      <p:pic>
+        <p:nvPicPr>
+          <p:cNvPr id="6" name="Picture 5" descr="image.gif"/>
+          <p:cNvPicPr>
+            <a:picLocks noChangeAspect="1"/>
+          </p:cNvPicPr>
+          <p:nvPr/>
+        </p:nvPicPr>
+        <p:blipFill>
+          <a:blip r:embed="rId2"/>
+          <a:stretch>
+            <a:fillRect/>
+          </a:stretch>
+        </p:blipFill>
+        <p:spPr>
+          <a:xfrm>
+            <a:off x="-38" y="3809999"/>
+            <a:ext cx="3048000" cy="3048000"/>
+          </a:xfrm>
+          <a:prstGeom prst="rect">
+            <a:avLst/>
+          </a:prstGeom>
+        </p:spPr>
+      </p:pic>
+      <p:pic>
+        <p:nvPicPr>
+          <p:cNvPr id="7" name="Picture 6" descr="image.gif"/>
+          <p:cNvPicPr>
+            <a:picLocks noChangeAspect="1"/>
+          </p:cNvPicPr>
+          <p:nvPr/>
+        </p:nvPicPr>
+        <p:blipFill>
+          <a:blip r:embed="rId2"/>
+          <a:stretch>
+            <a:fillRect/>
+          </a:stretch>
+        </p:blipFill>
+        <p:spPr>
+          <a:xfrm>
+            <a:off x="3047885" y="3809999"/>
+            <a:ext cx="3048000" cy="3048000"/>
+          </a:xfrm>
+          <a:prstGeom prst="rect">
+            <a:avLst/>
+          </a:prstGeom>
+        </p:spPr>
+      </p:pic>
+      <p:pic>
+        <p:nvPicPr>
+          <p:cNvPr id="8" name="Picture 7" descr="image.gif"/>
+          <p:cNvPicPr>
+            <a:picLocks noChangeAspect="1"/>
+          </p:cNvPicPr>
+          <p:nvPr/>
+        </p:nvPicPr>
+        <p:blipFill>
+          <a:blip r:embed="rId2"/>
+          <a:stretch>
+            <a:fillRect/>
+          </a:stretch>
+        </p:blipFill>
+        <p:spPr>
+          <a:xfrm>
+            <a:off x="6095809" y="3809999"/>
+            <a:ext cx="3048000" cy="3048000"/>
+          </a:xfrm>
+          <a:prstGeom prst="rect">
+            <a:avLst/>
+          </a:prstGeom>
+        </p:spPr>
+      </p:pic>
+      <p:pic>
+        <p:nvPicPr>
+          <p:cNvPr id="9" name="Picture 8" descr="image.gif"/>
+          <p:cNvPicPr>
+            <a:picLocks noChangeAspect="1"/>
+          </p:cNvPicPr>
+          <p:nvPr/>
+        </p:nvPicPr>
+        <p:blipFill>
+          <a:blip r:embed="rId2"/>
+          <a:stretch>
+            <a:fillRect/>
+          </a:stretch>
+        </p:blipFill>
+        <p:spPr>
+          <a:xfrm>
+            <a:off x="9143733" y="3809999"/>
+            <a:ext cx="3048000" cy="3048000"/>
+          </a:xfrm>
+          <a:prstGeom prst="rect">
+            <a:avLst/>
+          </a:prstGeom>
+        </p:spPr>
+      </p:pic>
+    </p:spTree>
+  </p:cSld>
+  <p:clrMapOvr>
+    <a:masterClrMapping/>
+  </p:clrMapOvr>
+</p:sld>
+</file>
+
+<file path=ppt/slides/slide6.xml><?xml version="1.0" encoding="utf-8"?>
+<p:sld xmlns:a="http://schemas.openxmlformats.org/drawingml/2006/main" xmlns:p="http://schemas.openxmlformats.org/presentationml/2006/main" xmlns:r="http://schemas.openxmlformats.org/officeDocument/2006/relationships">
+  <p:cSld>
+    <p:spTree>
+      <p:nvGrpSpPr>
+        <p:cNvPr id="1" name=""/>
+        <p:cNvGrpSpPr/>
+        <p:nvPr/>
+      </p:nvGrpSpPr>
+      <p:grpSpPr/>
+      <p:pic>
+        <p:nvPicPr>
+          <p:cNvPr id="2" name="Picture 1" descr="image.gif"/>
+          <p:cNvPicPr>
+            <a:picLocks noChangeAspect="1"/>
+          </p:cNvPicPr>
+          <p:nvPr/>
+        </p:nvPicPr>
+        <p:blipFill>
+          <a:blip r:embed="rId2"/>
+          <a:stretch>
+            <a:fillRect/>
+          </a:stretch>
+        </p:blipFill>
+        <p:spPr>
+          <a:xfrm>
+            <a:off x="-38" y="0"/>
+            <a:ext cx="3048000" cy="3048000"/>
+          </a:xfrm>
+          <a:prstGeom prst="rect">
+            <a:avLst/>
+          </a:prstGeom>
+        </p:spPr>
+      </p:pic>
+      <p:pic>
+        <p:nvPicPr>
+          <p:cNvPr id="3" name="Picture 2" descr="image.gif"/>
+          <p:cNvPicPr>
+            <a:picLocks noChangeAspect="1"/>
+          </p:cNvPicPr>
+          <p:nvPr/>
+        </p:nvPicPr>
+        <p:blipFill>
+          <a:blip r:embed="rId2"/>
+          <a:stretch>
+            <a:fillRect/>
+          </a:stretch>
+        </p:blipFill>
+        <p:spPr>
+          <a:xfrm>
+            <a:off x="3047885" y="0"/>
+            <a:ext cx="3048000" cy="3048000"/>
+          </a:xfrm>
+          <a:prstGeom prst="rect">
+            <a:avLst/>
+          </a:prstGeom>
+        </p:spPr>
+      </p:pic>
+      <p:pic>
+        <p:nvPicPr>
+          <p:cNvPr id="4" name="Picture 3" descr="image.gif"/>
+          <p:cNvPicPr>
+            <a:picLocks noChangeAspect="1"/>
+          </p:cNvPicPr>
+          <p:nvPr/>
+        </p:nvPicPr>
+        <p:blipFill>
+          <a:blip r:embed="rId2"/>
+          <a:stretch>
+            <a:fillRect/>
+          </a:stretch>
+        </p:blipFill>
+        <p:spPr>
+          <a:xfrm>
+            <a:off x="6095809" y="0"/>
+            <a:ext cx="3048000" cy="3048000"/>
+          </a:xfrm>
+          <a:prstGeom prst="rect">
+            <a:avLst/>
+          </a:prstGeom>
+        </p:spPr>
+      </p:pic>
+      <p:pic>
+        <p:nvPicPr>
+          <p:cNvPr id="5" name="Picture 4" descr="image.gif"/>
+          <p:cNvPicPr>
+            <a:picLocks noChangeAspect="1"/>
+          </p:cNvPicPr>
+          <p:nvPr/>
+        </p:nvPicPr>
+        <p:blipFill>
+          <a:blip r:embed="rId3"/>
+          <a:stretch>
+            <a:fillRect/>
+          </a:stretch>
+        </p:blipFill>
+        <p:spPr>
+          <a:xfrm>
+            <a:off x="9143733" y="0"/>
+            <a:ext cx="3048000" cy="2286000"/>
+          </a:xfrm>
+          <a:prstGeom prst="rect">
+            <a:avLst/>
+          </a:prstGeom>
+        </p:spPr>
+      </p:pic>
+      <p:pic>
+        <p:nvPicPr>
+          <p:cNvPr id="6" name="Picture 5" descr="image.gif"/>
           <p:cNvPicPr>
             <a:picLocks noChangeAspect="1"/>
           </p:cNvPicPr>
@@ -3296,17 +4256,17 @@
         </p:blipFill>
         <p:spPr>
           <a:xfrm>
-            <a:off x="9753341" y="0"/>
-            <a:ext cx="1219200" cy="914400"/>
-          </a:xfrm>
-          <a:prstGeom prst="rect">
-            <a:avLst/>
-          </a:prstGeom>
-        </p:spPr>
-      </p:pic>
-      <p:pic>
-        <p:nvPicPr>
-          <p:cNvPr id="11" name="Picture 10" descr="image.gif"/>
+            <a:off x="241261" y="3429000"/>
+            <a:ext cx="2565400" cy="3429000"/>
+          </a:xfrm>
+          <a:prstGeom prst="rect">
+            <a:avLst/>
+          </a:prstGeom>
+        </p:spPr>
+      </p:pic>
+      <p:pic>
+        <p:nvPicPr>
+          <p:cNvPr id="7" name="Picture 6" descr="image.gif"/>
           <p:cNvPicPr>
             <a:picLocks noChangeAspect="1"/>
           </p:cNvPicPr>
@@ -3320,17 +4280,17 @@
         </p:blipFill>
         <p:spPr>
           <a:xfrm>
-            <a:off x="11067759" y="0"/>
-            <a:ext cx="1028700" cy="1371600"/>
-          </a:xfrm>
-          <a:prstGeom prst="rect">
-            <a:avLst/>
-          </a:prstGeom>
-        </p:spPr>
-      </p:pic>
-      <p:pic>
-        <p:nvPicPr>
-          <p:cNvPr id="12" name="Picture 11" descr="image.gif"/>
+            <a:off x="3047885" y="4572000"/>
+            <a:ext cx="3048000" cy="2286000"/>
+          </a:xfrm>
+          <a:prstGeom prst="rect">
+            <a:avLst/>
+          </a:prstGeom>
+        </p:spPr>
+      </p:pic>
+      <p:pic>
+        <p:nvPicPr>
+          <p:cNvPr id="8" name="Picture 7" descr="image.gif"/>
           <p:cNvPicPr>
             <a:picLocks noChangeAspect="1"/>
           </p:cNvPicPr>
@@ -3344,17 +4304,17 @@
         </p:blipFill>
         <p:spPr>
           <a:xfrm>
-            <a:off x="-15" y="1600200"/>
-            <a:ext cx="1219200" cy="914400"/>
-          </a:xfrm>
-          <a:prstGeom prst="rect">
-            <a:avLst/>
-          </a:prstGeom>
-        </p:spPr>
-      </p:pic>
-      <p:pic>
-        <p:nvPicPr>
-          <p:cNvPr id="13" name="Picture 12" descr="image.gif"/>
+            <a:off x="6095809" y="4572000"/>
+            <a:ext cx="3048000" cy="2286000"/>
+          </a:xfrm>
+          <a:prstGeom prst="rect">
+            <a:avLst/>
+          </a:prstGeom>
+        </p:spPr>
+      </p:pic>
+      <p:pic>
+        <p:nvPicPr>
+          <p:cNvPr id="9" name="Picture 8" descr="image.gif"/>
           <p:cNvPicPr>
             <a:picLocks noChangeAspect="1"/>
           </p:cNvPicPr>
@@ -3368,65 +4328,83 @@
         </p:blipFill>
         <p:spPr>
           <a:xfrm>
-            <a:off x="1219154" y="1600200"/>
-            <a:ext cx="1219200" cy="914400"/>
-          </a:xfrm>
-          <a:prstGeom prst="rect">
-            <a:avLst/>
-          </a:prstGeom>
-        </p:spPr>
-      </p:pic>
-      <p:pic>
-        <p:nvPicPr>
-          <p:cNvPr id="14" name="Picture 13" descr="image.gif"/>
-          <p:cNvPicPr>
-            <a:picLocks noChangeAspect="1"/>
-          </p:cNvPicPr>
-          <p:nvPr/>
-        </p:nvPicPr>
-        <p:blipFill>
-          <a:blip r:embed="rId8"/>
-          <a:stretch>
-            <a:fillRect/>
-          </a:stretch>
-        </p:blipFill>
-        <p:spPr>
-          <a:xfrm>
-            <a:off x="2533573" y="1371600"/>
-            <a:ext cx="1028700" cy="1371600"/>
-          </a:xfrm>
-          <a:prstGeom prst="rect">
-            <a:avLst/>
-          </a:prstGeom>
-        </p:spPr>
-      </p:pic>
-      <p:pic>
-        <p:nvPicPr>
-          <p:cNvPr id="15" name="Picture 14" descr="image.gif"/>
-          <p:cNvPicPr>
-            <a:picLocks noChangeAspect="1"/>
-          </p:cNvPicPr>
-          <p:nvPr/>
-        </p:nvPicPr>
-        <p:blipFill>
-          <a:blip r:embed="rId9"/>
-          <a:stretch>
-            <a:fillRect/>
-          </a:stretch>
-        </p:blipFill>
-        <p:spPr>
-          <a:xfrm>
-            <a:off x="3752742" y="1371600"/>
-            <a:ext cx="1028700" cy="1371600"/>
-          </a:xfrm>
-          <a:prstGeom prst="rect">
-            <a:avLst/>
-          </a:prstGeom>
-        </p:spPr>
-      </p:pic>
-      <p:pic>
-        <p:nvPicPr>
-          <p:cNvPr id="16" name="Picture 15" descr="image.gif"/>
+            <a:off x="9385032" y="3429000"/>
+            <a:ext cx="2565400" cy="3429000"/>
+          </a:xfrm>
+          <a:prstGeom prst="rect">
+            <a:avLst/>
+          </a:prstGeom>
+        </p:spPr>
+      </p:pic>
+    </p:spTree>
+  </p:cSld>
+  <p:clrMapOvr>
+    <a:masterClrMapping/>
+  </p:clrMapOvr>
+</p:sld>
+</file>
+
+<file path=ppt/slides/slide7.xml><?xml version="1.0" encoding="utf-8"?>
+<p:sld xmlns:a="http://schemas.openxmlformats.org/drawingml/2006/main" xmlns:p="http://schemas.openxmlformats.org/presentationml/2006/main" xmlns:r="http://schemas.openxmlformats.org/officeDocument/2006/relationships">
+  <p:cSld>
+    <p:spTree>
+      <p:nvGrpSpPr>
+        <p:cNvPr id="1" name=""/>
+        <p:cNvGrpSpPr/>
+        <p:nvPr/>
+      </p:nvGrpSpPr>
+      <p:grpSpPr/>
+      <p:pic>
+        <p:nvPicPr>
+          <p:cNvPr id="2" name="Picture 1" descr="image.gif"/>
+          <p:cNvPicPr>
+            <a:picLocks noChangeAspect="1"/>
+          </p:cNvPicPr>
+          <p:nvPr/>
+        </p:nvPicPr>
+        <p:blipFill>
+          <a:blip r:embed="rId2"/>
+          <a:stretch>
+            <a:fillRect/>
+          </a:stretch>
+        </p:blipFill>
+        <p:spPr>
+          <a:xfrm>
+            <a:off x="241261" y="0"/>
+            <a:ext cx="2565400" cy="3429000"/>
+          </a:xfrm>
+          <a:prstGeom prst="rect">
+            <a:avLst/>
+          </a:prstGeom>
+        </p:spPr>
+      </p:pic>
+      <p:pic>
+        <p:nvPicPr>
+          <p:cNvPr id="3" name="Picture 2" descr="image.gif"/>
+          <p:cNvPicPr>
+            <a:picLocks noChangeAspect="1"/>
+          </p:cNvPicPr>
+          <p:nvPr/>
+        </p:nvPicPr>
+        <p:blipFill>
+          <a:blip r:embed="rId3"/>
+          <a:stretch>
+            <a:fillRect/>
+          </a:stretch>
+        </p:blipFill>
+        <p:spPr>
+          <a:xfrm>
+            <a:off x="3047885" y="0"/>
+            <a:ext cx="3048000" cy="2286000"/>
+          </a:xfrm>
+          <a:prstGeom prst="rect">
+            <a:avLst/>
+          </a:prstGeom>
+        </p:spPr>
+      </p:pic>
+      <p:pic>
+        <p:nvPicPr>
+          <p:cNvPr id="4" name="Picture 3" descr="image.gif"/>
           <p:cNvPicPr>
             <a:picLocks noChangeAspect="1"/>
           </p:cNvPicPr>
@@ -3440,38 +4418,59 @@
         </p:blipFill>
         <p:spPr>
           <a:xfrm>
-            <a:off x="4876663" y="1600200"/>
-            <a:ext cx="1219200" cy="914400"/>
-          </a:xfrm>
-          <a:prstGeom prst="rect">
-            <a:avLst/>
-          </a:prstGeom>
-        </p:spPr>
-      </p:pic>
-      <p:pic>
-        <p:nvPicPr>
-          <p:cNvPr id="17" name="Picture 16" descr="image.gif"/>
-          <p:cNvPicPr>
-            <a:picLocks noChangeAspect="1"/>
-          </p:cNvPicPr>
-          <p:nvPr/>
-        </p:nvPicPr>
-        <p:blipFill>
-          <a:blip r:embed="rId5"/>
-          <a:stretch>
-            <a:fillRect/>
-          </a:stretch>
-        </p:blipFill>
-        <p:spPr>
-          <a:xfrm>
-            <a:off x="6191081" y="1371600"/>
-            <a:ext cx="1028700" cy="1371600"/>
-          </a:xfrm>
-          <a:prstGeom prst="rect">
-            <a:avLst/>
-          </a:prstGeom>
-        </p:spPr>
-      </p:pic>
+            <a:off x="6337108" y="0"/>
+            <a:ext cx="2565400" cy="3429000"/>
+          </a:xfrm>
+          <a:prstGeom prst="rect">
+            <a:avLst/>
+          </a:prstGeom>
+        </p:spPr>
+      </p:pic>
+      <p:sp>
+        <p:nvSpPr>
+          <p:cNvPr id="5" name="Rounded Rectangle 4"/>
+          <p:cNvSpPr/>
+          <p:nvPr/>
+        </p:nvSpPr>
+        <p:spPr>
+          <a:xfrm>
+            <a:off x="4267047" y="2971800"/>
+            <a:ext cx="3657600" cy="914400"/>
+          </a:xfrm>
+          <a:prstGeom prst="roundRect">
+            <a:avLst/>
+          </a:prstGeom>
+          <a:solidFill>
+            <a:srgbClr val="FA6464"/>
+          </a:solidFill>
+        </p:spPr>
+        <p:style>
+          <a:lnRef idx="1">
+            <a:schemeClr val="accent1"/>
+          </a:lnRef>
+          <a:fillRef idx="3">
+            <a:schemeClr val="accent1"/>
+          </a:fillRef>
+          <a:effectRef idx="2">
+            <a:schemeClr val="accent1"/>
+          </a:effectRef>
+          <a:fontRef idx="minor">
+            <a:schemeClr val="lt1"/>
+          </a:fontRef>
+        </p:style>
+        <p:txBody>
+          <a:bodyPr rtlCol="0" anchor="ctr"/>
+          <a:lstStyle/>
+          <a:p>
+            <a:pPr algn="ctr">
+              <a:defRPr sz="1000"/>
+            </a:pPr>
+            <a:r>
+              <a:t>ROUNDED_RECTANGLE</a:t>
+            </a:r>
+          </a:p>
+        </p:txBody>
+      </p:sp>
     </p:spTree>
   </p:cSld>
   <p:clrMapOvr>

--- a/Image2ppt/Output/test.pptx
+++ b/Image2ppt/Output/test.pptx
@@ -7,8 +7,6 @@
   <p:sldIdLst>
     <p:sldId id="256" r:id="rId7"/>
     <p:sldId id="257" r:id="rId8"/>
-    <p:sldId id="258" r:id="rId9"/>
-    <p:sldId id="259" r:id="rId10"/>
   </p:sldIdLst>
   <p:sldSz cx="12191695" cy="6858000" type="screen4x3"/>
   <p:notesSz cx="6858000" cy="9144000"/>
@@ -3139,8 +3137,8 @@
         </p:blipFill>
         <p:spPr>
           <a:xfrm>
-            <a:off x="-38" y="0"/>
-            <a:ext cx="3048000" cy="3048000"/>
+            <a:off x="666711" y="0"/>
+            <a:ext cx="1714500" cy="1714500"/>
           </a:xfrm>
           <a:prstGeom prst="rect">
             <a:avLst/>
@@ -3163,8 +3161,8 @@
         </p:blipFill>
         <p:spPr>
           <a:xfrm>
-            <a:off x="3047885" y="0"/>
-            <a:ext cx="3048000" cy="3048000"/>
+            <a:off x="3714634" y="0"/>
+            <a:ext cx="1714500" cy="1714500"/>
           </a:xfrm>
           <a:prstGeom prst="rect">
             <a:avLst/>
@@ -3187,8 +3185,8 @@
         </p:blipFill>
         <p:spPr>
           <a:xfrm>
-            <a:off x="6095809" y="0"/>
-            <a:ext cx="3048000" cy="3048000"/>
+            <a:off x="6762558" y="0"/>
+            <a:ext cx="1714500" cy="1714500"/>
           </a:xfrm>
           <a:prstGeom prst="rect">
             <a:avLst/>
@@ -3211,8 +3209,8 @@
         </p:blipFill>
         <p:spPr>
           <a:xfrm>
-            <a:off x="9143733" y="0"/>
-            <a:ext cx="3048000" cy="3048000"/>
+            <a:off x="9810482" y="0"/>
+            <a:ext cx="1714500" cy="1714500"/>
           </a:xfrm>
           <a:prstGeom prst="rect">
             <a:avLst/>
@@ -3235,8 +3233,8 @@
         </p:blipFill>
         <p:spPr>
           <a:xfrm>
-            <a:off x="-38" y="3809999"/>
-            <a:ext cx="3048000" cy="3048000"/>
+            <a:off x="666711" y="1714500"/>
+            <a:ext cx="1714500" cy="1714500"/>
           </a:xfrm>
           <a:prstGeom prst="rect">
             <a:avLst/>
@@ -3259,8 +3257,8 @@
         </p:blipFill>
         <p:spPr>
           <a:xfrm>
-            <a:off x="3047885" y="3809999"/>
-            <a:ext cx="3048000" cy="3048000"/>
+            <a:off x="3714634" y="1714500"/>
+            <a:ext cx="1714500" cy="1714500"/>
           </a:xfrm>
           <a:prstGeom prst="rect">
             <a:avLst/>
@@ -3283,8 +3281,8 @@
         </p:blipFill>
         <p:spPr>
           <a:xfrm>
-            <a:off x="6095809" y="3809999"/>
-            <a:ext cx="3048000" cy="3048000"/>
+            <a:off x="6762558" y="1714500"/>
+            <a:ext cx="1714500" cy="1714500"/>
           </a:xfrm>
           <a:prstGeom prst="rect">
             <a:avLst/>
@@ -3307,8 +3305,200 @@
         </p:blipFill>
         <p:spPr>
           <a:xfrm>
-            <a:off x="9143733" y="3809999"/>
-            <a:ext cx="3048000" cy="3048000"/>
+            <a:off x="9810482" y="1714500"/>
+            <a:ext cx="1714500" cy="1714500"/>
+          </a:xfrm>
+          <a:prstGeom prst="rect">
+            <a:avLst/>
+          </a:prstGeom>
+        </p:spPr>
+      </p:pic>
+      <p:pic>
+        <p:nvPicPr>
+          <p:cNvPr id="11" name="Picture 10" descr="image.gif"/>
+          <p:cNvPicPr>
+            <a:picLocks noChangeAspect="1"/>
+          </p:cNvPicPr>
+          <p:nvPr/>
+        </p:nvPicPr>
+        <p:blipFill>
+          <a:blip r:embed="rId2"/>
+          <a:stretch>
+            <a:fillRect/>
+          </a:stretch>
+        </p:blipFill>
+        <p:spPr>
+          <a:xfrm>
+            <a:off x="666711" y="3429000"/>
+            <a:ext cx="1714500" cy="1714500"/>
+          </a:xfrm>
+          <a:prstGeom prst="rect">
+            <a:avLst/>
+          </a:prstGeom>
+        </p:spPr>
+      </p:pic>
+      <p:pic>
+        <p:nvPicPr>
+          <p:cNvPr id="12" name="Picture 11" descr="image.gif"/>
+          <p:cNvPicPr>
+            <a:picLocks noChangeAspect="1"/>
+          </p:cNvPicPr>
+          <p:nvPr/>
+        </p:nvPicPr>
+        <p:blipFill>
+          <a:blip r:embed="rId2"/>
+          <a:stretch>
+            <a:fillRect/>
+          </a:stretch>
+        </p:blipFill>
+        <p:spPr>
+          <a:xfrm>
+            <a:off x="3714634" y="3429000"/>
+            <a:ext cx="1714500" cy="1714500"/>
+          </a:xfrm>
+          <a:prstGeom prst="rect">
+            <a:avLst/>
+          </a:prstGeom>
+        </p:spPr>
+      </p:pic>
+      <p:pic>
+        <p:nvPicPr>
+          <p:cNvPr id="13" name="Picture 12" descr="image.gif"/>
+          <p:cNvPicPr>
+            <a:picLocks noChangeAspect="1"/>
+          </p:cNvPicPr>
+          <p:nvPr/>
+        </p:nvPicPr>
+        <p:blipFill>
+          <a:blip r:embed="rId2"/>
+          <a:stretch>
+            <a:fillRect/>
+          </a:stretch>
+        </p:blipFill>
+        <p:spPr>
+          <a:xfrm>
+            <a:off x="6762558" y="3429000"/>
+            <a:ext cx="1714500" cy="1714500"/>
+          </a:xfrm>
+          <a:prstGeom prst="rect">
+            <a:avLst/>
+          </a:prstGeom>
+        </p:spPr>
+      </p:pic>
+      <p:pic>
+        <p:nvPicPr>
+          <p:cNvPr id="14" name="Picture 13" descr="image.gif"/>
+          <p:cNvPicPr>
+            <a:picLocks noChangeAspect="1"/>
+          </p:cNvPicPr>
+          <p:nvPr/>
+        </p:nvPicPr>
+        <p:blipFill>
+          <a:blip r:embed="rId2"/>
+          <a:stretch>
+            <a:fillRect/>
+          </a:stretch>
+        </p:blipFill>
+        <p:spPr>
+          <a:xfrm>
+            <a:off x="9810482" y="3429000"/>
+            <a:ext cx="1714500" cy="1714500"/>
+          </a:xfrm>
+          <a:prstGeom prst="rect">
+            <a:avLst/>
+          </a:prstGeom>
+        </p:spPr>
+      </p:pic>
+      <p:pic>
+        <p:nvPicPr>
+          <p:cNvPr id="15" name="Picture 14" descr="image.gif"/>
+          <p:cNvPicPr>
+            <a:picLocks noChangeAspect="1"/>
+          </p:cNvPicPr>
+          <p:nvPr/>
+        </p:nvPicPr>
+        <p:blipFill>
+          <a:blip r:embed="rId2"/>
+          <a:stretch>
+            <a:fillRect/>
+          </a:stretch>
+        </p:blipFill>
+        <p:spPr>
+          <a:xfrm>
+            <a:off x="666711" y="5143500"/>
+            <a:ext cx="1714500" cy="1714500"/>
+          </a:xfrm>
+          <a:prstGeom prst="rect">
+            <a:avLst/>
+          </a:prstGeom>
+        </p:spPr>
+      </p:pic>
+      <p:pic>
+        <p:nvPicPr>
+          <p:cNvPr id="16" name="Picture 15" descr="image.gif"/>
+          <p:cNvPicPr>
+            <a:picLocks noChangeAspect="1"/>
+          </p:cNvPicPr>
+          <p:nvPr/>
+        </p:nvPicPr>
+        <p:blipFill>
+          <a:blip r:embed="rId2"/>
+          <a:stretch>
+            <a:fillRect/>
+          </a:stretch>
+        </p:blipFill>
+        <p:spPr>
+          <a:xfrm>
+            <a:off x="3714634" y="5143500"/>
+            <a:ext cx="1714500" cy="1714500"/>
+          </a:xfrm>
+          <a:prstGeom prst="rect">
+            <a:avLst/>
+          </a:prstGeom>
+        </p:spPr>
+      </p:pic>
+      <p:pic>
+        <p:nvPicPr>
+          <p:cNvPr id="17" name="Picture 16" descr="image.gif"/>
+          <p:cNvPicPr>
+            <a:picLocks noChangeAspect="1"/>
+          </p:cNvPicPr>
+          <p:nvPr/>
+        </p:nvPicPr>
+        <p:blipFill>
+          <a:blip r:embed="rId2"/>
+          <a:stretch>
+            <a:fillRect/>
+          </a:stretch>
+        </p:blipFill>
+        <p:spPr>
+          <a:xfrm>
+            <a:off x="6762558" y="5143500"/>
+            <a:ext cx="1714500" cy="1714500"/>
+          </a:xfrm>
+          <a:prstGeom prst="rect">
+            <a:avLst/>
+          </a:prstGeom>
+        </p:spPr>
+      </p:pic>
+      <p:pic>
+        <p:nvPicPr>
+          <p:cNvPr id="18" name="Picture 17" descr="image.gif"/>
+          <p:cNvPicPr>
+            <a:picLocks noChangeAspect="1"/>
+          </p:cNvPicPr>
+          <p:nvPr/>
+        </p:nvPicPr>
+        <p:blipFill>
+          <a:blip r:embed="rId2"/>
+          <a:stretch>
+            <a:fillRect/>
+          </a:stretch>
+        </p:blipFill>
+        <p:spPr>
+          <a:xfrm>
+            <a:off x="9810482" y="5143500"/>
+            <a:ext cx="1714500" cy="1714500"/>
           </a:xfrm>
           <a:prstGeom prst="rect">
             <a:avLst/>
@@ -3381,8 +3571,8 @@
         </p:blipFill>
         <p:spPr>
           <a:xfrm>
-            <a:off x="-38" y="0"/>
-            <a:ext cx="3048000" cy="3048000"/>
+            <a:off x="666711" y="0"/>
+            <a:ext cx="1714500" cy="1714500"/>
           </a:xfrm>
           <a:prstGeom prst="rect">
             <a:avLst/>
@@ -3405,8 +3595,8 @@
         </p:blipFill>
         <p:spPr>
           <a:xfrm>
-            <a:off x="3047885" y="0"/>
-            <a:ext cx="3048000" cy="3048000"/>
+            <a:off x="3714634" y="0"/>
+            <a:ext cx="1714500" cy="1714500"/>
           </a:xfrm>
           <a:prstGeom prst="rect">
             <a:avLst/>
@@ -3429,8 +3619,8 @@
         </p:blipFill>
         <p:spPr>
           <a:xfrm>
-            <a:off x="6095809" y="0"/>
-            <a:ext cx="3048000" cy="3048000"/>
+            <a:off x="6762558" y="0"/>
+            <a:ext cx="1714500" cy="1714500"/>
           </a:xfrm>
           <a:prstGeom prst="rect">
             <a:avLst/>
@@ -3453,8 +3643,8 @@
         </p:blipFill>
         <p:spPr>
           <a:xfrm>
-            <a:off x="9143733" y="0"/>
-            <a:ext cx="3048000" cy="3048000"/>
+            <a:off x="9810482" y="0"/>
+            <a:ext cx="1714500" cy="1714500"/>
           </a:xfrm>
           <a:prstGeom prst="rect">
             <a:avLst/>
@@ -3477,8 +3667,8 @@
         </p:blipFill>
         <p:spPr>
           <a:xfrm>
-            <a:off x="-38" y="3809999"/>
-            <a:ext cx="3048000" cy="3048000"/>
+            <a:off x="666711" y="1714500"/>
+            <a:ext cx="1714500" cy="1714500"/>
           </a:xfrm>
           <a:prstGeom prst="rect">
             <a:avLst/>
@@ -3501,8 +3691,8 @@
         </p:blipFill>
         <p:spPr>
           <a:xfrm>
-            <a:off x="3047885" y="3809999"/>
-            <a:ext cx="3048000" cy="3048000"/>
+            <a:off x="3714634" y="1714500"/>
+            <a:ext cx="1714500" cy="1714500"/>
           </a:xfrm>
           <a:prstGeom prst="rect">
             <a:avLst/>
@@ -3525,8 +3715,8 @@
         </p:blipFill>
         <p:spPr>
           <a:xfrm>
-            <a:off x="6095809" y="3809999"/>
-            <a:ext cx="3048000" cy="3048000"/>
+            <a:off x="6762558" y="1714500"/>
+            <a:ext cx="1714500" cy="1714500"/>
           </a:xfrm>
           <a:prstGeom prst="rect">
             <a:avLst/>
@@ -3549,67 +3739,17 @@
         </p:blipFill>
         <p:spPr>
           <a:xfrm>
-            <a:off x="9143733" y="3809999"/>
-            <a:ext cx="3048000" cy="3048000"/>
+            <a:off x="9810482" y="1714500"/>
+            <a:ext cx="1714500" cy="1714500"/>
           </a:xfrm>
           <a:prstGeom prst="rect">
             <a:avLst/>
           </a:prstGeom>
         </p:spPr>
       </p:pic>
-    </p:spTree>
-  </p:cSld>
-  <p:clrMapOvr>
-    <a:masterClrMapping/>
-  </p:clrMapOvr>
-</p:sld>
-</file>
-
-<file path=ppt/slides/slide3.xml><?xml version="1.0" encoding="utf-8"?>
-<p:sld xmlns:a="http://schemas.openxmlformats.org/drawingml/2006/main" xmlns:p="http://schemas.openxmlformats.org/presentationml/2006/main" xmlns:r="http://schemas.openxmlformats.org/officeDocument/2006/relationships">
-  <p:cSld>
-    <p:spTree>
-      <p:nvGrpSpPr>
-        <p:cNvPr id="1" name=""/>
-        <p:cNvGrpSpPr/>
-        <p:nvPr/>
-      </p:nvGrpSpPr>
-      <p:grpSpPr/>
-      <p:sp>
-        <p:nvSpPr>
-          <p:cNvPr id="2" name="TextBox 1"/>
-          <p:cNvSpPr txBox="1"/>
-          <p:nvPr/>
-        </p:nvSpPr>
-        <p:spPr>
-          <a:xfrm>
-            <a:off x="5501487" y="2880360"/>
-            <a:ext cx="914400" cy="914400"/>
-          </a:xfrm>
-          <a:prstGeom prst="rect">
-            <a:avLst/>
-          </a:prstGeom>
-          <a:noFill/>
-        </p:spPr>
-        <p:txBody>
-          <a:bodyPr wrap="none">
-            <a:spAutoFit/>
-          </a:bodyPr>
-          <a:lstStyle/>
-          <a:p/>
-          <a:p>
-            <a:pPr>
-              <a:defRPr sz="3000"/>
-            </a:pPr>
-            <a:r>
-              <a:t>Cell 2</a:t>
-            </a:r>
-          </a:p>
-        </p:txBody>
-      </p:sp>
       <p:pic>
         <p:nvPicPr>
-          <p:cNvPr id="3" name="Picture 2" descr="image.gif"/>
+          <p:cNvPr id="11" name="Picture 10" descr="image.gif"/>
           <p:cNvPicPr>
             <a:picLocks noChangeAspect="1"/>
           </p:cNvPicPr>
@@ -3623,8 +3763,8 @@
         </p:blipFill>
         <p:spPr>
           <a:xfrm>
-            <a:off x="-38" y="0"/>
-            <a:ext cx="3048000" cy="3048000"/>
+            <a:off x="666711" y="3429000"/>
+            <a:ext cx="1714500" cy="1714500"/>
           </a:xfrm>
           <a:prstGeom prst="rect">
             <a:avLst/>
@@ -3633,7 +3773,7 @@
       </p:pic>
       <p:pic>
         <p:nvPicPr>
-          <p:cNvPr id="4" name="Picture 3" descr="image.gif"/>
+          <p:cNvPr id="12" name="Picture 11" descr="image.gif"/>
           <p:cNvPicPr>
             <a:picLocks noChangeAspect="1"/>
           </p:cNvPicPr>
@@ -3647,8 +3787,8 @@
         </p:blipFill>
         <p:spPr>
           <a:xfrm>
-            <a:off x="3047885" y="0"/>
-            <a:ext cx="3048000" cy="3048000"/>
+            <a:off x="3714634" y="3429000"/>
+            <a:ext cx="1714500" cy="1714500"/>
           </a:xfrm>
           <a:prstGeom prst="rect">
             <a:avLst/>
@@ -3657,7 +3797,7 @@
       </p:pic>
       <p:pic>
         <p:nvPicPr>
-          <p:cNvPr id="5" name="Picture 4" descr="image.gif"/>
+          <p:cNvPr id="13" name="Picture 12" descr="image.gif"/>
           <p:cNvPicPr>
             <a:picLocks noChangeAspect="1"/>
           </p:cNvPicPr>
@@ -3671,8 +3811,8 @@
         </p:blipFill>
         <p:spPr>
           <a:xfrm>
-            <a:off x="6095809" y="0"/>
-            <a:ext cx="3048000" cy="3048000"/>
+            <a:off x="6762558" y="3429000"/>
+            <a:ext cx="1714500" cy="1714500"/>
           </a:xfrm>
           <a:prstGeom prst="rect">
             <a:avLst/>
@@ -3681,7 +3821,7 @@
       </p:pic>
       <p:pic>
         <p:nvPicPr>
-          <p:cNvPr id="6" name="Picture 5" descr="image.gif"/>
+          <p:cNvPr id="14" name="Picture 13" descr="image.gif"/>
           <p:cNvPicPr>
             <a:picLocks noChangeAspect="1"/>
           </p:cNvPicPr>
@@ -3695,250 +3835,8 @@
         </p:blipFill>
         <p:spPr>
           <a:xfrm>
-            <a:off x="9143733" y="0"/>
-            <a:ext cx="3048000" cy="3048000"/>
-          </a:xfrm>
-          <a:prstGeom prst="rect">
-            <a:avLst/>
-          </a:prstGeom>
-        </p:spPr>
-      </p:pic>
-      <p:pic>
-        <p:nvPicPr>
-          <p:cNvPr id="7" name="Picture 6" descr="image.gif"/>
-          <p:cNvPicPr>
-            <a:picLocks noChangeAspect="1"/>
-          </p:cNvPicPr>
-          <p:nvPr/>
-        </p:nvPicPr>
-        <p:blipFill>
-          <a:blip r:embed="rId2"/>
-          <a:stretch>
-            <a:fillRect/>
-          </a:stretch>
-        </p:blipFill>
-        <p:spPr>
-          <a:xfrm>
-            <a:off x="-38" y="3809999"/>
-            <a:ext cx="3048000" cy="3048000"/>
-          </a:xfrm>
-          <a:prstGeom prst="rect">
-            <a:avLst/>
-          </a:prstGeom>
-        </p:spPr>
-      </p:pic>
-      <p:pic>
-        <p:nvPicPr>
-          <p:cNvPr id="8" name="Picture 7" descr="image.gif"/>
-          <p:cNvPicPr>
-            <a:picLocks noChangeAspect="1"/>
-          </p:cNvPicPr>
-          <p:nvPr/>
-        </p:nvPicPr>
-        <p:blipFill>
-          <a:blip r:embed="rId2"/>
-          <a:stretch>
-            <a:fillRect/>
-          </a:stretch>
-        </p:blipFill>
-        <p:spPr>
-          <a:xfrm>
-            <a:off x="3047885" y="3809999"/>
-            <a:ext cx="3048000" cy="3048000"/>
-          </a:xfrm>
-          <a:prstGeom prst="rect">
-            <a:avLst/>
-          </a:prstGeom>
-        </p:spPr>
-      </p:pic>
-      <p:pic>
-        <p:nvPicPr>
-          <p:cNvPr id="9" name="Picture 8" descr="image.gif"/>
-          <p:cNvPicPr>
-            <a:picLocks noChangeAspect="1"/>
-          </p:cNvPicPr>
-          <p:nvPr/>
-        </p:nvPicPr>
-        <p:blipFill>
-          <a:blip r:embed="rId2"/>
-          <a:stretch>
-            <a:fillRect/>
-          </a:stretch>
-        </p:blipFill>
-        <p:spPr>
-          <a:xfrm>
-            <a:off x="6095809" y="3809999"/>
-            <a:ext cx="3048000" cy="3048000"/>
-          </a:xfrm>
-          <a:prstGeom prst="rect">
-            <a:avLst/>
-          </a:prstGeom>
-        </p:spPr>
-      </p:pic>
-      <p:pic>
-        <p:nvPicPr>
-          <p:cNvPr id="10" name="Picture 9" descr="image.gif"/>
-          <p:cNvPicPr>
-            <a:picLocks noChangeAspect="1"/>
-          </p:cNvPicPr>
-          <p:nvPr/>
-        </p:nvPicPr>
-        <p:blipFill>
-          <a:blip r:embed="rId2"/>
-          <a:stretch>
-            <a:fillRect/>
-          </a:stretch>
-        </p:blipFill>
-        <p:spPr>
-          <a:xfrm>
-            <a:off x="9143733" y="3809999"/>
-            <a:ext cx="3048000" cy="3048000"/>
-          </a:xfrm>
-          <a:prstGeom prst="rect">
-            <a:avLst/>
-          </a:prstGeom>
-        </p:spPr>
-      </p:pic>
-    </p:spTree>
-  </p:cSld>
-  <p:clrMapOvr>
-    <a:masterClrMapping/>
-  </p:clrMapOvr>
-</p:sld>
-</file>
-
-<file path=ppt/slides/slide4.xml><?xml version="1.0" encoding="utf-8"?>
-<p:sld xmlns:a="http://schemas.openxmlformats.org/drawingml/2006/main" xmlns:p="http://schemas.openxmlformats.org/presentationml/2006/main" xmlns:r="http://schemas.openxmlformats.org/officeDocument/2006/relationships">
-  <p:cSld>
-    <p:spTree>
-      <p:nvGrpSpPr>
-        <p:cNvPr id="1" name=""/>
-        <p:cNvGrpSpPr/>
-        <p:nvPr/>
-      </p:nvGrpSpPr>
-      <p:grpSpPr/>
-      <p:sp>
-        <p:nvSpPr>
-          <p:cNvPr id="2" name="TextBox 1"/>
-          <p:cNvSpPr txBox="1"/>
-          <p:nvPr/>
-        </p:nvSpPr>
-        <p:spPr>
-          <a:xfrm>
-            <a:off x="5501487" y="2880360"/>
-            <a:ext cx="914400" cy="914400"/>
-          </a:xfrm>
-          <a:prstGeom prst="rect">
-            <a:avLst/>
-          </a:prstGeom>
-          <a:noFill/>
-        </p:spPr>
-        <p:txBody>
-          <a:bodyPr wrap="none">
-            <a:spAutoFit/>
-          </a:bodyPr>
-          <a:lstStyle/>
-          <a:p/>
-          <a:p>
-            <a:pPr>
-              <a:defRPr sz="3000"/>
-            </a:pPr>
-            <a:r>
-              <a:t>Cell 2</a:t>
-            </a:r>
-          </a:p>
-        </p:txBody>
-      </p:sp>
-      <p:pic>
-        <p:nvPicPr>
-          <p:cNvPr id="3" name="Picture 2" descr="image.gif"/>
-          <p:cNvPicPr>
-            <a:picLocks noChangeAspect="1"/>
-          </p:cNvPicPr>
-          <p:nvPr/>
-        </p:nvPicPr>
-        <p:blipFill>
-          <a:blip r:embed="rId2"/>
-          <a:stretch>
-            <a:fillRect/>
-          </a:stretch>
-        </p:blipFill>
-        <p:spPr>
-          <a:xfrm>
-            <a:off x="-38" y="0"/>
-            <a:ext cx="3048000" cy="3048000"/>
-          </a:xfrm>
-          <a:prstGeom prst="rect">
-            <a:avLst/>
-          </a:prstGeom>
-        </p:spPr>
-      </p:pic>
-      <p:pic>
-        <p:nvPicPr>
-          <p:cNvPr id="4" name="Picture 3" descr="image.gif"/>
-          <p:cNvPicPr>
-            <a:picLocks noChangeAspect="1"/>
-          </p:cNvPicPr>
-          <p:nvPr/>
-        </p:nvPicPr>
-        <p:blipFill>
-          <a:blip r:embed="rId2"/>
-          <a:stretch>
-            <a:fillRect/>
-          </a:stretch>
-        </p:blipFill>
-        <p:spPr>
-          <a:xfrm>
-            <a:off x="3047885" y="0"/>
-            <a:ext cx="3048000" cy="3048000"/>
-          </a:xfrm>
-          <a:prstGeom prst="rect">
-            <a:avLst/>
-          </a:prstGeom>
-        </p:spPr>
-      </p:pic>
-      <p:pic>
-        <p:nvPicPr>
-          <p:cNvPr id="5" name="Picture 4" descr="image.gif"/>
-          <p:cNvPicPr>
-            <a:picLocks noChangeAspect="1"/>
-          </p:cNvPicPr>
-          <p:nvPr/>
-        </p:nvPicPr>
-        <p:blipFill>
-          <a:blip r:embed="rId2"/>
-          <a:stretch>
-            <a:fillRect/>
-          </a:stretch>
-        </p:blipFill>
-        <p:spPr>
-          <a:xfrm>
-            <a:off x="6095809" y="0"/>
-            <a:ext cx="3048000" cy="3048000"/>
-          </a:xfrm>
-          <a:prstGeom prst="rect">
-            <a:avLst/>
-          </a:prstGeom>
-        </p:spPr>
-      </p:pic>
-      <p:pic>
-        <p:nvPicPr>
-          <p:cNvPr id="6" name="Picture 5" descr="image.gif"/>
-          <p:cNvPicPr>
-            <a:picLocks noChangeAspect="1"/>
-          </p:cNvPicPr>
-          <p:nvPr/>
-        </p:nvPicPr>
-        <p:blipFill>
-          <a:blip r:embed="rId2"/>
-          <a:stretch>
-            <a:fillRect/>
-          </a:stretch>
-        </p:blipFill>
-        <p:spPr>
-          <a:xfrm>
-            <a:off x="9143733" y="0"/>
-            <a:ext cx="3048000" cy="3048000"/>
+            <a:off x="9810482" y="3429000"/>
+            <a:ext cx="1714500" cy="1714500"/>
           </a:xfrm>
           <a:prstGeom prst="rect">
             <a:avLst/>

--- a/Image2ppt/Output/test.pptx
+++ b/Image2ppt/Output/test.pptx
@@ -6,7 +6,6 @@
   </p:sldMasterIdLst>
   <p:sldIdLst>
     <p:sldId id="256" r:id="rId7"/>
-    <p:sldId id="257" r:id="rId8"/>
   </p:sldIdLst>
   <p:sldSz cx="12191695" cy="6858000" type="screen4x3"/>
   <p:notesSz cx="6858000" cy="9144000"/>
@@ -3105,8 +3104,8 @@
         </p:blipFill>
         <p:spPr>
           <a:xfrm>
-            <a:off x="539711" y="0"/>
-            <a:ext cx="1968500" cy="3429000"/>
+            <a:off x="730219" y="0"/>
+            <a:ext cx="977900" cy="1714500"/>
           </a:xfrm>
           <a:prstGeom prst="rect">
             <a:avLst/>
@@ -3129,8 +3128,8 @@
         </p:blipFill>
         <p:spPr>
           <a:xfrm>
-            <a:off x="3047885" y="0"/>
-            <a:ext cx="3048000" cy="3048000"/>
+            <a:off x="2800258" y="0"/>
+            <a:ext cx="1714500" cy="1714500"/>
           </a:xfrm>
           <a:prstGeom prst="rect">
             <a:avLst/>
@@ -3153,8 +3152,8 @@
         </p:blipFill>
         <p:spPr>
           <a:xfrm>
-            <a:off x="6095809" y="0"/>
-            <a:ext cx="3048000" cy="3048000"/>
+            <a:off x="5238597" y="0"/>
+            <a:ext cx="1714500" cy="1714500"/>
           </a:xfrm>
           <a:prstGeom prst="rect">
             <a:avLst/>
@@ -3177,8 +3176,8 @@
         </p:blipFill>
         <p:spPr>
           <a:xfrm>
-            <a:off x="9143733" y="0"/>
-            <a:ext cx="3048000" cy="3048000"/>
+            <a:off x="7676936" y="0"/>
+            <a:ext cx="1714500" cy="1714500"/>
           </a:xfrm>
           <a:prstGeom prst="rect">
             <a:avLst/>
@@ -3201,8 +3200,8 @@
         </p:blipFill>
         <p:spPr>
           <a:xfrm>
-            <a:off x="-38" y="3809999"/>
-            <a:ext cx="3048000" cy="3048000"/>
+            <a:off x="10115275" y="0"/>
+            <a:ext cx="1714500" cy="1714500"/>
           </a:xfrm>
           <a:prstGeom prst="rect">
             <a:avLst/>
@@ -3225,8 +3224,8 @@
         </p:blipFill>
         <p:spPr>
           <a:xfrm>
-            <a:off x="3047885" y="3809999"/>
-            <a:ext cx="3048000" cy="3048000"/>
+            <a:off x="361919" y="1714500"/>
+            <a:ext cx="1714500" cy="1714500"/>
           </a:xfrm>
           <a:prstGeom prst="rect">
             <a:avLst/>
@@ -3249,8 +3248,8 @@
         </p:blipFill>
         <p:spPr>
           <a:xfrm>
-            <a:off x="6095809" y="3809999"/>
-            <a:ext cx="3048000" cy="3048000"/>
+            <a:off x="2800258" y="1714500"/>
+            <a:ext cx="1714500" cy="1714500"/>
           </a:xfrm>
           <a:prstGeom prst="rect">
             <a:avLst/>
@@ -3273,83 +3272,17 @@
         </p:blipFill>
         <p:spPr>
           <a:xfrm>
-            <a:off x="9143733" y="3809999"/>
-            <a:ext cx="3048000" cy="3048000"/>
+            <a:off x="5238597" y="1714500"/>
+            <a:ext cx="1714500" cy="1714500"/>
           </a:xfrm>
           <a:prstGeom prst="rect">
             <a:avLst/>
           </a:prstGeom>
         </p:spPr>
       </p:pic>
-    </p:spTree>
-  </p:cSld>
-  <p:clrMapOvr>
-    <a:masterClrMapping/>
-  </p:clrMapOvr>
-</p:sld>
-</file>
-
-<file path=ppt/slides/slide2.xml><?xml version="1.0" encoding="utf-8"?>
-<p:sld xmlns:a="http://schemas.openxmlformats.org/drawingml/2006/main" xmlns:p="http://schemas.openxmlformats.org/presentationml/2006/main" xmlns:r="http://schemas.openxmlformats.org/officeDocument/2006/relationships">
-  <p:cSld>
-    <p:spTree>
-      <p:nvGrpSpPr>
-        <p:cNvPr id="1" name=""/>
-        <p:cNvGrpSpPr/>
-        <p:nvPr/>
-      </p:nvGrpSpPr>
-      <p:grpSpPr/>
       <p:pic>
         <p:nvPicPr>
-          <p:cNvPr id="2" name="Picture 1" descr="image.gif"/>
-          <p:cNvPicPr>
-            <a:picLocks noChangeAspect="1"/>
-          </p:cNvPicPr>
-          <p:nvPr/>
-        </p:nvPicPr>
-        <p:blipFill>
-          <a:blip r:embed="rId2"/>
-          <a:stretch>
-            <a:fillRect/>
-          </a:stretch>
-        </p:blipFill>
-        <p:spPr>
-          <a:xfrm>
-            <a:off x="-38" y="0"/>
-            <a:ext cx="3048000" cy="2286000"/>
-          </a:xfrm>
-          <a:prstGeom prst="rect">
-            <a:avLst/>
-          </a:prstGeom>
-        </p:spPr>
-      </p:pic>
-      <p:pic>
-        <p:nvPicPr>
-          <p:cNvPr id="3" name="Picture 2" descr="image.gif"/>
-          <p:cNvPicPr>
-            <a:picLocks noChangeAspect="1"/>
-          </p:cNvPicPr>
-          <p:nvPr/>
-        </p:nvPicPr>
-        <p:blipFill>
-          <a:blip r:embed="rId3"/>
-          <a:stretch>
-            <a:fillRect/>
-          </a:stretch>
-        </p:blipFill>
-        <p:spPr>
-          <a:xfrm>
-            <a:off x="3289184" y="0"/>
-            <a:ext cx="2565400" cy="3429000"/>
-          </a:xfrm>
-          <a:prstGeom prst="rect">
-            <a:avLst/>
-          </a:prstGeom>
-        </p:spPr>
-      </p:pic>
-      <p:pic>
-        <p:nvPicPr>
-          <p:cNvPr id="4" name="Picture 3" descr="image.gif"/>
+          <p:cNvPr id="10" name="Picture 9" descr="image.gif"/>
           <p:cNvPicPr>
             <a:picLocks noChangeAspect="1"/>
           </p:cNvPicPr>
@@ -3363,8 +3296,8 @@
         </p:blipFill>
         <p:spPr>
           <a:xfrm>
-            <a:off x="6095809" y="0"/>
-            <a:ext cx="3048000" cy="2286000"/>
+            <a:off x="7391186" y="1714500"/>
+            <a:ext cx="2286000" cy="1714500"/>
           </a:xfrm>
           <a:prstGeom prst="rect">
             <a:avLst/>
@@ -3373,7 +3306,7 @@
       </p:pic>
       <p:pic>
         <p:nvPicPr>
-          <p:cNvPr id="5" name="Picture 4" descr="image.gif"/>
+          <p:cNvPr id="11" name="Picture 10" descr="image.gif"/>
           <p:cNvPicPr>
             <a:picLocks noChangeAspect="1"/>
           </p:cNvPicPr>
@@ -3387,8 +3320,8 @@
         </p:blipFill>
         <p:spPr>
           <a:xfrm>
-            <a:off x="9143733" y="0"/>
-            <a:ext cx="3048000" cy="2286000"/>
+            <a:off x="10331175" y="1714500"/>
+            <a:ext cx="1282700" cy="1714500"/>
           </a:xfrm>
           <a:prstGeom prst="rect">
             <a:avLst/>
@@ -3397,7 +3330,7 @@
       </p:pic>
       <p:pic>
         <p:nvPicPr>
-          <p:cNvPr id="6" name="Picture 5" descr="image.gif"/>
+          <p:cNvPr id="12" name="Picture 11" descr="image.gif"/>
           <p:cNvPicPr>
             <a:picLocks noChangeAspect="1"/>
           </p:cNvPicPr>
@@ -3411,8 +3344,8 @@
         </p:blipFill>
         <p:spPr>
           <a:xfrm>
-            <a:off x="241261" y="3429000"/>
-            <a:ext cx="2565400" cy="3429000"/>
+            <a:off x="76169" y="3429000"/>
+            <a:ext cx="2286000" cy="1714500"/>
           </a:xfrm>
           <a:prstGeom prst="rect">
             <a:avLst/>
@@ -3421,7 +3354,7 @@
       </p:pic>
       <p:pic>
         <p:nvPicPr>
-          <p:cNvPr id="7" name="Picture 6" descr="image.gif"/>
+          <p:cNvPr id="13" name="Picture 12" descr="image.gif"/>
           <p:cNvPicPr>
             <a:picLocks noChangeAspect="1"/>
           </p:cNvPicPr>
@@ -3435,8 +3368,8 @@
         </p:blipFill>
         <p:spPr>
           <a:xfrm>
-            <a:off x="3289184" y="3429000"/>
-            <a:ext cx="2565400" cy="3429000"/>
+            <a:off x="2514508" y="3429000"/>
+            <a:ext cx="2286000" cy="1714500"/>
           </a:xfrm>
           <a:prstGeom prst="rect">
             <a:avLst/>
@@ -3445,22 +3378,22 @@
       </p:pic>
       <p:pic>
         <p:nvPicPr>
-          <p:cNvPr id="8" name="Picture 7" descr="image.gif"/>
+          <p:cNvPr id="14" name="Picture 13" descr="image.gif"/>
           <p:cNvPicPr>
             <a:picLocks noChangeAspect="1"/>
           </p:cNvPicPr>
           <p:nvPr/>
         </p:nvPicPr>
         <p:blipFill>
-          <a:blip r:embed="rId2"/>
+          <a:blip r:embed="rId8"/>
           <a:stretch>
             <a:fillRect/>
           </a:stretch>
         </p:blipFill>
         <p:spPr>
           <a:xfrm>
-            <a:off x="6095809" y="4572000"/>
-            <a:ext cx="3048000" cy="2286000"/>
+            <a:off x="5454497" y="3429000"/>
+            <a:ext cx="1282700" cy="1714500"/>
           </a:xfrm>
           <a:prstGeom prst="rect">
             <a:avLst/>
@@ -3469,31 +3402,79 @@
       </p:pic>
       <p:pic>
         <p:nvPicPr>
-          <p:cNvPr id="9" name="Picture 8" descr="image.gif"/>
+          <p:cNvPr id="15" name="Picture 14" descr="image.gif"/>
           <p:cNvPicPr>
             <a:picLocks noChangeAspect="1"/>
           </p:cNvPicPr>
           <p:nvPr/>
         </p:nvPicPr>
         <p:blipFill>
-          <a:blip r:embed="rId3"/>
+          <a:blip r:embed="rId9"/>
           <a:stretch>
             <a:fillRect/>
           </a:stretch>
         </p:blipFill>
         <p:spPr>
           <a:xfrm>
-            <a:off x="9385032" y="3429000"/>
-            <a:ext cx="2565400" cy="3429000"/>
+            <a:off x="7892836" y="3429000"/>
+            <a:ext cx="1282700" cy="1714500"/>
           </a:xfrm>
           <a:prstGeom prst="rect">
             <a:avLst/>
           </a:prstGeom>
         </p:spPr>
       </p:pic>
-      <p:sp>
-        <p:nvSpPr>
-          <p:cNvPr id="10" name="Rounded Rectangle 9"/>
+      <p:pic>
+        <p:nvPicPr>
+          <p:cNvPr id="16" name="Picture 15" descr="image.gif"/>
+          <p:cNvPicPr>
+            <a:picLocks noChangeAspect="1"/>
+          </p:cNvPicPr>
+          <p:nvPr/>
+        </p:nvPicPr>
+        <p:blipFill>
+          <a:blip r:embed="rId4"/>
+          <a:stretch>
+            <a:fillRect/>
+          </a:stretch>
+        </p:blipFill>
+        <p:spPr>
+          <a:xfrm>
+            <a:off x="9829525" y="3429000"/>
+            <a:ext cx="2286000" cy="1714500"/>
+          </a:xfrm>
+          <a:prstGeom prst="rect">
+            <a:avLst/>
+          </a:prstGeom>
+        </p:spPr>
+      </p:pic>
+      <p:pic>
+        <p:nvPicPr>
+          <p:cNvPr id="17" name="Picture 16" descr="image.gif"/>
+          <p:cNvPicPr>
+            <a:picLocks noChangeAspect="1"/>
+          </p:cNvPicPr>
+          <p:nvPr/>
+        </p:nvPicPr>
+        <p:blipFill>
+          <a:blip r:embed="rId5"/>
+          <a:stretch>
+            <a:fillRect/>
+          </a:stretch>
+        </p:blipFill>
+        <p:spPr>
+          <a:xfrm>
+            <a:off x="577819" y="5143500"/>
+            <a:ext cx="1282700" cy="1714500"/>
+          </a:xfrm>
+          <a:prstGeom prst="rect">
+            <a:avLst/>
+          </a:prstGeom>
+        </p:spPr>
+      </p:pic>
+      <p:sp>
+        <p:nvSpPr>
+          <p:cNvPr id="18" name="Rounded Rectangle 17"/>
           <p:cNvSpPr/>
           <p:nvPr/>
         </p:nvSpPr>

--- a/Image2ppt/Output/test.pptx
+++ b/Image2ppt/Output/test.pptx
@@ -7,11 +7,6 @@
   <p:sldIdLst>
     <p:sldId id="256" r:id="rId7"/>
     <p:sldId id="257" r:id="rId8"/>
-    <p:sldId id="258" r:id="rId9"/>
-    <p:sldId id="259" r:id="rId10"/>
-    <p:sldId id="260" r:id="rId11"/>
-    <p:sldId id="261" r:id="rId12"/>
-    <p:sldId id="262" r:id="rId13"/>
   </p:sldIdLst>
   <p:sldSz cx="12191695" cy="6858000" type="screen4x3"/>
   <p:notesSz cx="6858000" cy="9144000"/>
@@ -3321,7 +3316,7 @@
         <p:spPr>
           <a:xfrm>
             <a:off x="-38" y="0"/>
-            <a:ext cx="3048000" cy="3048000"/>
+            <a:ext cx="3048000" cy="2286000"/>
           </a:xfrm>
           <a:prstGeom prst="rect">
             <a:avLst/>
@@ -3337,15 +3332,15 @@
           <p:nvPr/>
         </p:nvPicPr>
         <p:blipFill>
-          <a:blip r:embed="rId2"/>
+          <a:blip r:embed="rId3"/>
           <a:stretch>
             <a:fillRect/>
           </a:stretch>
         </p:blipFill>
         <p:spPr>
           <a:xfrm>
-            <a:off x="3047885" y="0"/>
-            <a:ext cx="3048000" cy="3048000"/>
+            <a:off x="3289184" y="0"/>
+            <a:ext cx="2565400" cy="3429000"/>
           </a:xfrm>
           <a:prstGeom prst="rect">
             <a:avLst/>
@@ -3361,7 +3356,7 @@
           <p:nvPr/>
         </p:nvPicPr>
         <p:blipFill>
-          <a:blip r:embed="rId2"/>
+          <a:blip r:embed="rId4"/>
           <a:stretch>
             <a:fillRect/>
           </a:stretch>
@@ -3369,7 +3364,7 @@
         <p:spPr>
           <a:xfrm>
             <a:off x="6095809" y="0"/>
-            <a:ext cx="3048000" cy="3048000"/>
+            <a:ext cx="3048000" cy="2286000"/>
           </a:xfrm>
           <a:prstGeom prst="rect">
             <a:avLst/>
@@ -3385,7 +3380,7 @@
           <p:nvPr/>
         </p:nvPicPr>
         <p:blipFill>
-          <a:blip r:embed="rId2"/>
+          <a:blip r:embed="rId5"/>
           <a:stretch>
             <a:fillRect/>
           </a:stretch>
@@ -3393,7 +3388,7 @@
         <p:spPr>
           <a:xfrm>
             <a:off x="9143733" y="0"/>
-            <a:ext cx="3048000" cy="3048000"/>
+            <a:ext cx="3048000" cy="2286000"/>
           </a:xfrm>
           <a:prstGeom prst="rect">
             <a:avLst/>
@@ -3409,15 +3404,15 @@
           <p:nvPr/>
         </p:nvPicPr>
         <p:blipFill>
-          <a:blip r:embed="rId2"/>
+          <a:blip r:embed="rId6"/>
           <a:stretch>
             <a:fillRect/>
           </a:stretch>
         </p:blipFill>
         <p:spPr>
           <a:xfrm>
-            <a:off x="-38" y="3809999"/>
-            <a:ext cx="3048000" cy="3048000"/>
+            <a:off x="241261" y="3429000"/>
+            <a:ext cx="2565400" cy="3429000"/>
           </a:xfrm>
           <a:prstGeom prst="rect">
             <a:avLst/>
@@ -3433,15 +3428,15 @@
           <p:nvPr/>
         </p:nvPicPr>
         <p:blipFill>
-          <a:blip r:embed="rId2"/>
+          <a:blip r:embed="rId7"/>
           <a:stretch>
             <a:fillRect/>
           </a:stretch>
         </p:blipFill>
         <p:spPr>
           <a:xfrm>
-            <a:off x="3047885" y="3809999"/>
-            <a:ext cx="3048000" cy="3048000"/>
+            <a:off x="3289184" y="3429000"/>
+            <a:ext cx="2565400" cy="3429000"/>
           </a:xfrm>
           <a:prstGeom prst="rect">
             <a:avLst/>
@@ -3464,8 +3459,8 @@
         </p:blipFill>
         <p:spPr>
           <a:xfrm>
-            <a:off x="6095809" y="3809999"/>
-            <a:ext cx="3048000" cy="3048000"/>
+            <a:off x="6095809" y="4572000"/>
+            <a:ext cx="3048000" cy="2286000"/>
           </a:xfrm>
           <a:prstGeom prst="rect">
             <a:avLst/>
@@ -3475,750 +3470,6 @@
       <p:pic>
         <p:nvPicPr>
           <p:cNvPr id="9" name="Picture 8" descr="image.gif"/>
-          <p:cNvPicPr>
-            <a:picLocks noChangeAspect="1"/>
-          </p:cNvPicPr>
-          <p:nvPr/>
-        </p:nvPicPr>
-        <p:blipFill>
-          <a:blip r:embed="rId2"/>
-          <a:stretch>
-            <a:fillRect/>
-          </a:stretch>
-        </p:blipFill>
-        <p:spPr>
-          <a:xfrm>
-            <a:off x="9143733" y="3809999"/>
-            <a:ext cx="3048000" cy="3048000"/>
-          </a:xfrm>
-          <a:prstGeom prst="rect">
-            <a:avLst/>
-          </a:prstGeom>
-        </p:spPr>
-      </p:pic>
-    </p:spTree>
-  </p:cSld>
-  <p:clrMapOvr>
-    <a:masterClrMapping/>
-  </p:clrMapOvr>
-</p:sld>
-</file>
-
-<file path=ppt/slides/slide3.xml><?xml version="1.0" encoding="utf-8"?>
-<p:sld xmlns:a="http://schemas.openxmlformats.org/drawingml/2006/main" xmlns:p="http://schemas.openxmlformats.org/presentationml/2006/main" xmlns:r="http://schemas.openxmlformats.org/officeDocument/2006/relationships">
-  <p:cSld>
-    <p:spTree>
-      <p:nvGrpSpPr>
-        <p:cNvPr id="1" name=""/>
-        <p:cNvGrpSpPr/>
-        <p:nvPr/>
-      </p:nvGrpSpPr>
-      <p:grpSpPr/>
-      <p:pic>
-        <p:nvPicPr>
-          <p:cNvPr id="2" name="Picture 1" descr="image.gif"/>
-          <p:cNvPicPr>
-            <a:picLocks noChangeAspect="1"/>
-          </p:cNvPicPr>
-          <p:nvPr/>
-        </p:nvPicPr>
-        <p:blipFill>
-          <a:blip r:embed="rId2"/>
-          <a:stretch>
-            <a:fillRect/>
-          </a:stretch>
-        </p:blipFill>
-        <p:spPr>
-          <a:xfrm>
-            <a:off x="-38" y="0"/>
-            <a:ext cx="3048000" cy="3048000"/>
-          </a:xfrm>
-          <a:prstGeom prst="rect">
-            <a:avLst/>
-          </a:prstGeom>
-        </p:spPr>
-      </p:pic>
-      <p:pic>
-        <p:nvPicPr>
-          <p:cNvPr id="3" name="Picture 2" descr="image.gif"/>
-          <p:cNvPicPr>
-            <a:picLocks noChangeAspect="1"/>
-          </p:cNvPicPr>
-          <p:nvPr/>
-        </p:nvPicPr>
-        <p:blipFill>
-          <a:blip r:embed="rId2"/>
-          <a:stretch>
-            <a:fillRect/>
-          </a:stretch>
-        </p:blipFill>
-        <p:spPr>
-          <a:xfrm>
-            <a:off x="3047885" y="0"/>
-            <a:ext cx="3048000" cy="3048000"/>
-          </a:xfrm>
-          <a:prstGeom prst="rect">
-            <a:avLst/>
-          </a:prstGeom>
-        </p:spPr>
-      </p:pic>
-      <p:pic>
-        <p:nvPicPr>
-          <p:cNvPr id="4" name="Picture 3" descr="image.gif"/>
-          <p:cNvPicPr>
-            <a:picLocks noChangeAspect="1"/>
-          </p:cNvPicPr>
-          <p:nvPr/>
-        </p:nvPicPr>
-        <p:blipFill>
-          <a:blip r:embed="rId2"/>
-          <a:stretch>
-            <a:fillRect/>
-          </a:stretch>
-        </p:blipFill>
-        <p:spPr>
-          <a:xfrm>
-            <a:off x="6095809" y="0"/>
-            <a:ext cx="3048000" cy="3048000"/>
-          </a:xfrm>
-          <a:prstGeom prst="rect">
-            <a:avLst/>
-          </a:prstGeom>
-        </p:spPr>
-      </p:pic>
-      <p:pic>
-        <p:nvPicPr>
-          <p:cNvPr id="5" name="Picture 4" descr="image.gif"/>
-          <p:cNvPicPr>
-            <a:picLocks noChangeAspect="1"/>
-          </p:cNvPicPr>
-          <p:nvPr/>
-        </p:nvPicPr>
-        <p:blipFill>
-          <a:blip r:embed="rId2"/>
-          <a:stretch>
-            <a:fillRect/>
-          </a:stretch>
-        </p:blipFill>
-        <p:spPr>
-          <a:xfrm>
-            <a:off x="9143733" y="0"/>
-            <a:ext cx="3048000" cy="3048000"/>
-          </a:xfrm>
-          <a:prstGeom prst="rect">
-            <a:avLst/>
-          </a:prstGeom>
-        </p:spPr>
-      </p:pic>
-      <p:pic>
-        <p:nvPicPr>
-          <p:cNvPr id="6" name="Picture 5" descr="image.gif"/>
-          <p:cNvPicPr>
-            <a:picLocks noChangeAspect="1"/>
-          </p:cNvPicPr>
-          <p:nvPr/>
-        </p:nvPicPr>
-        <p:blipFill>
-          <a:blip r:embed="rId2"/>
-          <a:stretch>
-            <a:fillRect/>
-          </a:stretch>
-        </p:blipFill>
-        <p:spPr>
-          <a:xfrm>
-            <a:off x="-38" y="3809999"/>
-            <a:ext cx="3048000" cy="3048000"/>
-          </a:xfrm>
-          <a:prstGeom prst="rect">
-            <a:avLst/>
-          </a:prstGeom>
-        </p:spPr>
-      </p:pic>
-      <p:pic>
-        <p:nvPicPr>
-          <p:cNvPr id="7" name="Picture 6" descr="image.gif"/>
-          <p:cNvPicPr>
-            <a:picLocks noChangeAspect="1"/>
-          </p:cNvPicPr>
-          <p:nvPr/>
-        </p:nvPicPr>
-        <p:blipFill>
-          <a:blip r:embed="rId2"/>
-          <a:stretch>
-            <a:fillRect/>
-          </a:stretch>
-        </p:blipFill>
-        <p:spPr>
-          <a:xfrm>
-            <a:off x="3047885" y="3809999"/>
-            <a:ext cx="3048000" cy="3048000"/>
-          </a:xfrm>
-          <a:prstGeom prst="rect">
-            <a:avLst/>
-          </a:prstGeom>
-        </p:spPr>
-      </p:pic>
-      <p:pic>
-        <p:nvPicPr>
-          <p:cNvPr id="8" name="Picture 7" descr="image.gif"/>
-          <p:cNvPicPr>
-            <a:picLocks noChangeAspect="1"/>
-          </p:cNvPicPr>
-          <p:nvPr/>
-        </p:nvPicPr>
-        <p:blipFill>
-          <a:blip r:embed="rId2"/>
-          <a:stretch>
-            <a:fillRect/>
-          </a:stretch>
-        </p:blipFill>
-        <p:spPr>
-          <a:xfrm>
-            <a:off x="6095809" y="3809999"/>
-            <a:ext cx="3048000" cy="3048000"/>
-          </a:xfrm>
-          <a:prstGeom prst="rect">
-            <a:avLst/>
-          </a:prstGeom>
-        </p:spPr>
-      </p:pic>
-      <p:pic>
-        <p:nvPicPr>
-          <p:cNvPr id="9" name="Picture 8" descr="image.gif"/>
-          <p:cNvPicPr>
-            <a:picLocks noChangeAspect="1"/>
-          </p:cNvPicPr>
-          <p:nvPr/>
-        </p:nvPicPr>
-        <p:blipFill>
-          <a:blip r:embed="rId2"/>
-          <a:stretch>
-            <a:fillRect/>
-          </a:stretch>
-        </p:blipFill>
-        <p:spPr>
-          <a:xfrm>
-            <a:off x="9143733" y="3809999"/>
-            <a:ext cx="3048000" cy="3048000"/>
-          </a:xfrm>
-          <a:prstGeom prst="rect">
-            <a:avLst/>
-          </a:prstGeom>
-        </p:spPr>
-      </p:pic>
-    </p:spTree>
-  </p:cSld>
-  <p:clrMapOvr>
-    <a:masterClrMapping/>
-  </p:clrMapOvr>
-</p:sld>
-</file>
-
-<file path=ppt/slides/slide4.xml><?xml version="1.0" encoding="utf-8"?>
-<p:sld xmlns:a="http://schemas.openxmlformats.org/drawingml/2006/main" xmlns:p="http://schemas.openxmlformats.org/presentationml/2006/main" xmlns:r="http://schemas.openxmlformats.org/officeDocument/2006/relationships">
-  <p:cSld>
-    <p:spTree>
-      <p:nvGrpSpPr>
-        <p:cNvPr id="1" name=""/>
-        <p:cNvGrpSpPr/>
-        <p:nvPr/>
-      </p:nvGrpSpPr>
-      <p:grpSpPr/>
-      <p:pic>
-        <p:nvPicPr>
-          <p:cNvPr id="2" name="Picture 1" descr="image.gif"/>
-          <p:cNvPicPr>
-            <a:picLocks noChangeAspect="1"/>
-          </p:cNvPicPr>
-          <p:nvPr/>
-        </p:nvPicPr>
-        <p:blipFill>
-          <a:blip r:embed="rId2"/>
-          <a:stretch>
-            <a:fillRect/>
-          </a:stretch>
-        </p:blipFill>
-        <p:spPr>
-          <a:xfrm>
-            <a:off x="-38" y="0"/>
-            <a:ext cx="3048000" cy="3048000"/>
-          </a:xfrm>
-          <a:prstGeom prst="rect">
-            <a:avLst/>
-          </a:prstGeom>
-        </p:spPr>
-      </p:pic>
-      <p:pic>
-        <p:nvPicPr>
-          <p:cNvPr id="3" name="Picture 2" descr="image.gif"/>
-          <p:cNvPicPr>
-            <a:picLocks noChangeAspect="1"/>
-          </p:cNvPicPr>
-          <p:nvPr/>
-        </p:nvPicPr>
-        <p:blipFill>
-          <a:blip r:embed="rId2"/>
-          <a:stretch>
-            <a:fillRect/>
-          </a:stretch>
-        </p:blipFill>
-        <p:spPr>
-          <a:xfrm>
-            <a:off x="3047885" y="0"/>
-            <a:ext cx="3048000" cy="3048000"/>
-          </a:xfrm>
-          <a:prstGeom prst="rect">
-            <a:avLst/>
-          </a:prstGeom>
-        </p:spPr>
-      </p:pic>
-      <p:pic>
-        <p:nvPicPr>
-          <p:cNvPr id="4" name="Picture 3" descr="image.gif"/>
-          <p:cNvPicPr>
-            <a:picLocks noChangeAspect="1"/>
-          </p:cNvPicPr>
-          <p:nvPr/>
-        </p:nvPicPr>
-        <p:blipFill>
-          <a:blip r:embed="rId2"/>
-          <a:stretch>
-            <a:fillRect/>
-          </a:stretch>
-        </p:blipFill>
-        <p:spPr>
-          <a:xfrm>
-            <a:off x="6095809" y="0"/>
-            <a:ext cx="3048000" cy="3048000"/>
-          </a:xfrm>
-          <a:prstGeom prst="rect">
-            <a:avLst/>
-          </a:prstGeom>
-        </p:spPr>
-      </p:pic>
-      <p:pic>
-        <p:nvPicPr>
-          <p:cNvPr id="5" name="Picture 4" descr="image.gif"/>
-          <p:cNvPicPr>
-            <a:picLocks noChangeAspect="1"/>
-          </p:cNvPicPr>
-          <p:nvPr/>
-        </p:nvPicPr>
-        <p:blipFill>
-          <a:blip r:embed="rId2"/>
-          <a:stretch>
-            <a:fillRect/>
-          </a:stretch>
-        </p:blipFill>
-        <p:spPr>
-          <a:xfrm>
-            <a:off x="9143733" y="0"/>
-            <a:ext cx="3048000" cy="3048000"/>
-          </a:xfrm>
-          <a:prstGeom prst="rect">
-            <a:avLst/>
-          </a:prstGeom>
-        </p:spPr>
-      </p:pic>
-      <p:pic>
-        <p:nvPicPr>
-          <p:cNvPr id="6" name="Picture 5" descr="image.gif"/>
-          <p:cNvPicPr>
-            <a:picLocks noChangeAspect="1"/>
-          </p:cNvPicPr>
-          <p:nvPr/>
-        </p:nvPicPr>
-        <p:blipFill>
-          <a:blip r:embed="rId2"/>
-          <a:stretch>
-            <a:fillRect/>
-          </a:stretch>
-        </p:blipFill>
-        <p:spPr>
-          <a:xfrm>
-            <a:off x="-38" y="3809999"/>
-            <a:ext cx="3048000" cy="3048000"/>
-          </a:xfrm>
-          <a:prstGeom prst="rect">
-            <a:avLst/>
-          </a:prstGeom>
-        </p:spPr>
-      </p:pic>
-      <p:pic>
-        <p:nvPicPr>
-          <p:cNvPr id="7" name="Picture 6" descr="image.gif"/>
-          <p:cNvPicPr>
-            <a:picLocks noChangeAspect="1"/>
-          </p:cNvPicPr>
-          <p:nvPr/>
-        </p:nvPicPr>
-        <p:blipFill>
-          <a:blip r:embed="rId2"/>
-          <a:stretch>
-            <a:fillRect/>
-          </a:stretch>
-        </p:blipFill>
-        <p:spPr>
-          <a:xfrm>
-            <a:off x="3047885" y="3809999"/>
-            <a:ext cx="3048000" cy="3048000"/>
-          </a:xfrm>
-          <a:prstGeom prst="rect">
-            <a:avLst/>
-          </a:prstGeom>
-        </p:spPr>
-      </p:pic>
-      <p:pic>
-        <p:nvPicPr>
-          <p:cNvPr id="8" name="Picture 7" descr="image.gif"/>
-          <p:cNvPicPr>
-            <a:picLocks noChangeAspect="1"/>
-          </p:cNvPicPr>
-          <p:nvPr/>
-        </p:nvPicPr>
-        <p:blipFill>
-          <a:blip r:embed="rId2"/>
-          <a:stretch>
-            <a:fillRect/>
-          </a:stretch>
-        </p:blipFill>
-        <p:spPr>
-          <a:xfrm>
-            <a:off x="6095809" y="3809999"/>
-            <a:ext cx="3048000" cy="3048000"/>
-          </a:xfrm>
-          <a:prstGeom prst="rect">
-            <a:avLst/>
-          </a:prstGeom>
-        </p:spPr>
-      </p:pic>
-      <p:pic>
-        <p:nvPicPr>
-          <p:cNvPr id="9" name="Picture 8" descr="image.gif"/>
-          <p:cNvPicPr>
-            <a:picLocks noChangeAspect="1"/>
-          </p:cNvPicPr>
-          <p:nvPr/>
-        </p:nvPicPr>
-        <p:blipFill>
-          <a:blip r:embed="rId2"/>
-          <a:stretch>
-            <a:fillRect/>
-          </a:stretch>
-        </p:blipFill>
-        <p:spPr>
-          <a:xfrm>
-            <a:off x="9143733" y="3809999"/>
-            <a:ext cx="3048000" cy="3048000"/>
-          </a:xfrm>
-          <a:prstGeom prst="rect">
-            <a:avLst/>
-          </a:prstGeom>
-        </p:spPr>
-      </p:pic>
-    </p:spTree>
-  </p:cSld>
-  <p:clrMapOvr>
-    <a:masterClrMapping/>
-  </p:clrMapOvr>
-</p:sld>
-</file>
-
-<file path=ppt/slides/slide5.xml><?xml version="1.0" encoding="utf-8"?>
-<p:sld xmlns:a="http://schemas.openxmlformats.org/drawingml/2006/main" xmlns:p="http://schemas.openxmlformats.org/presentationml/2006/main" xmlns:r="http://schemas.openxmlformats.org/officeDocument/2006/relationships">
-  <p:cSld>
-    <p:spTree>
-      <p:nvGrpSpPr>
-        <p:cNvPr id="1" name=""/>
-        <p:cNvGrpSpPr/>
-        <p:nvPr/>
-      </p:nvGrpSpPr>
-      <p:grpSpPr/>
-      <p:pic>
-        <p:nvPicPr>
-          <p:cNvPr id="2" name="Picture 1" descr="image.gif"/>
-          <p:cNvPicPr>
-            <a:picLocks noChangeAspect="1"/>
-          </p:cNvPicPr>
-          <p:nvPr/>
-        </p:nvPicPr>
-        <p:blipFill>
-          <a:blip r:embed="rId2"/>
-          <a:stretch>
-            <a:fillRect/>
-          </a:stretch>
-        </p:blipFill>
-        <p:spPr>
-          <a:xfrm>
-            <a:off x="-38" y="0"/>
-            <a:ext cx="3048000" cy="3048000"/>
-          </a:xfrm>
-          <a:prstGeom prst="rect">
-            <a:avLst/>
-          </a:prstGeom>
-        </p:spPr>
-      </p:pic>
-      <p:pic>
-        <p:nvPicPr>
-          <p:cNvPr id="3" name="Picture 2" descr="image.gif"/>
-          <p:cNvPicPr>
-            <a:picLocks noChangeAspect="1"/>
-          </p:cNvPicPr>
-          <p:nvPr/>
-        </p:nvPicPr>
-        <p:blipFill>
-          <a:blip r:embed="rId2"/>
-          <a:stretch>
-            <a:fillRect/>
-          </a:stretch>
-        </p:blipFill>
-        <p:spPr>
-          <a:xfrm>
-            <a:off x="3047885" y="0"/>
-            <a:ext cx="3048000" cy="3048000"/>
-          </a:xfrm>
-          <a:prstGeom prst="rect">
-            <a:avLst/>
-          </a:prstGeom>
-        </p:spPr>
-      </p:pic>
-      <p:pic>
-        <p:nvPicPr>
-          <p:cNvPr id="4" name="Picture 3" descr="image.gif"/>
-          <p:cNvPicPr>
-            <a:picLocks noChangeAspect="1"/>
-          </p:cNvPicPr>
-          <p:nvPr/>
-        </p:nvPicPr>
-        <p:blipFill>
-          <a:blip r:embed="rId2"/>
-          <a:stretch>
-            <a:fillRect/>
-          </a:stretch>
-        </p:blipFill>
-        <p:spPr>
-          <a:xfrm>
-            <a:off x="6095809" y="0"/>
-            <a:ext cx="3048000" cy="3048000"/>
-          </a:xfrm>
-          <a:prstGeom prst="rect">
-            <a:avLst/>
-          </a:prstGeom>
-        </p:spPr>
-      </p:pic>
-      <p:pic>
-        <p:nvPicPr>
-          <p:cNvPr id="5" name="Picture 4" descr="image.gif"/>
-          <p:cNvPicPr>
-            <a:picLocks noChangeAspect="1"/>
-          </p:cNvPicPr>
-          <p:nvPr/>
-        </p:nvPicPr>
-        <p:blipFill>
-          <a:blip r:embed="rId2"/>
-          <a:stretch>
-            <a:fillRect/>
-          </a:stretch>
-        </p:blipFill>
-        <p:spPr>
-          <a:xfrm>
-            <a:off x="9143733" y="0"/>
-            <a:ext cx="3048000" cy="3048000"/>
-          </a:xfrm>
-          <a:prstGeom prst="rect">
-            <a:avLst/>
-          </a:prstGeom>
-        </p:spPr>
-      </p:pic>
-      <p:pic>
-        <p:nvPicPr>
-          <p:cNvPr id="6" name="Picture 5" descr="image.gif"/>
-          <p:cNvPicPr>
-            <a:picLocks noChangeAspect="1"/>
-          </p:cNvPicPr>
-          <p:nvPr/>
-        </p:nvPicPr>
-        <p:blipFill>
-          <a:blip r:embed="rId2"/>
-          <a:stretch>
-            <a:fillRect/>
-          </a:stretch>
-        </p:blipFill>
-        <p:spPr>
-          <a:xfrm>
-            <a:off x="-38" y="3809999"/>
-            <a:ext cx="3048000" cy="3048000"/>
-          </a:xfrm>
-          <a:prstGeom prst="rect">
-            <a:avLst/>
-          </a:prstGeom>
-        </p:spPr>
-      </p:pic>
-      <p:pic>
-        <p:nvPicPr>
-          <p:cNvPr id="7" name="Picture 6" descr="image.gif"/>
-          <p:cNvPicPr>
-            <a:picLocks noChangeAspect="1"/>
-          </p:cNvPicPr>
-          <p:nvPr/>
-        </p:nvPicPr>
-        <p:blipFill>
-          <a:blip r:embed="rId2"/>
-          <a:stretch>
-            <a:fillRect/>
-          </a:stretch>
-        </p:blipFill>
-        <p:spPr>
-          <a:xfrm>
-            <a:off x="3047885" y="3809999"/>
-            <a:ext cx="3048000" cy="3048000"/>
-          </a:xfrm>
-          <a:prstGeom prst="rect">
-            <a:avLst/>
-          </a:prstGeom>
-        </p:spPr>
-      </p:pic>
-      <p:pic>
-        <p:nvPicPr>
-          <p:cNvPr id="8" name="Picture 7" descr="image.gif"/>
-          <p:cNvPicPr>
-            <a:picLocks noChangeAspect="1"/>
-          </p:cNvPicPr>
-          <p:nvPr/>
-        </p:nvPicPr>
-        <p:blipFill>
-          <a:blip r:embed="rId2"/>
-          <a:stretch>
-            <a:fillRect/>
-          </a:stretch>
-        </p:blipFill>
-        <p:spPr>
-          <a:xfrm>
-            <a:off x="6095809" y="3809999"/>
-            <a:ext cx="3048000" cy="3048000"/>
-          </a:xfrm>
-          <a:prstGeom prst="rect">
-            <a:avLst/>
-          </a:prstGeom>
-        </p:spPr>
-      </p:pic>
-      <p:pic>
-        <p:nvPicPr>
-          <p:cNvPr id="9" name="Picture 8" descr="image.gif"/>
-          <p:cNvPicPr>
-            <a:picLocks noChangeAspect="1"/>
-          </p:cNvPicPr>
-          <p:nvPr/>
-        </p:nvPicPr>
-        <p:blipFill>
-          <a:blip r:embed="rId2"/>
-          <a:stretch>
-            <a:fillRect/>
-          </a:stretch>
-        </p:blipFill>
-        <p:spPr>
-          <a:xfrm>
-            <a:off x="9143733" y="3809999"/>
-            <a:ext cx="3048000" cy="3048000"/>
-          </a:xfrm>
-          <a:prstGeom prst="rect">
-            <a:avLst/>
-          </a:prstGeom>
-        </p:spPr>
-      </p:pic>
-    </p:spTree>
-  </p:cSld>
-  <p:clrMapOvr>
-    <a:masterClrMapping/>
-  </p:clrMapOvr>
-</p:sld>
-</file>
-
-<file path=ppt/slides/slide6.xml><?xml version="1.0" encoding="utf-8"?>
-<p:sld xmlns:a="http://schemas.openxmlformats.org/drawingml/2006/main" xmlns:p="http://schemas.openxmlformats.org/presentationml/2006/main" xmlns:r="http://schemas.openxmlformats.org/officeDocument/2006/relationships">
-  <p:cSld>
-    <p:spTree>
-      <p:nvGrpSpPr>
-        <p:cNvPr id="1" name=""/>
-        <p:cNvGrpSpPr/>
-        <p:nvPr/>
-      </p:nvGrpSpPr>
-      <p:grpSpPr/>
-      <p:pic>
-        <p:nvPicPr>
-          <p:cNvPr id="2" name="Picture 1" descr="image.gif"/>
-          <p:cNvPicPr>
-            <a:picLocks noChangeAspect="1"/>
-          </p:cNvPicPr>
-          <p:nvPr/>
-        </p:nvPicPr>
-        <p:blipFill>
-          <a:blip r:embed="rId2"/>
-          <a:stretch>
-            <a:fillRect/>
-          </a:stretch>
-        </p:blipFill>
-        <p:spPr>
-          <a:xfrm>
-            <a:off x="-38" y="0"/>
-            <a:ext cx="3048000" cy="3048000"/>
-          </a:xfrm>
-          <a:prstGeom prst="rect">
-            <a:avLst/>
-          </a:prstGeom>
-        </p:spPr>
-      </p:pic>
-      <p:pic>
-        <p:nvPicPr>
-          <p:cNvPr id="3" name="Picture 2" descr="image.gif"/>
-          <p:cNvPicPr>
-            <a:picLocks noChangeAspect="1"/>
-          </p:cNvPicPr>
-          <p:nvPr/>
-        </p:nvPicPr>
-        <p:blipFill>
-          <a:blip r:embed="rId2"/>
-          <a:stretch>
-            <a:fillRect/>
-          </a:stretch>
-        </p:blipFill>
-        <p:spPr>
-          <a:xfrm>
-            <a:off x="3047885" y="0"/>
-            <a:ext cx="3048000" cy="3048000"/>
-          </a:xfrm>
-          <a:prstGeom prst="rect">
-            <a:avLst/>
-          </a:prstGeom>
-        </p:spPr>
-      </p:pic>
-      <p:pic>
-        <p:nvPicPr>
-          <p:cNvPr id="4" name="Picture 3" descr="image.gif"/>
-          <p:cNvPicPr>
-            <a:picLocks noChangeAspect="1"/>
-          </p:cNvPicPr>
-          <p:nvPr/>
-        </p:nvPicPr>
-        <p:blipFill>
-          <a:blip r:embed="rId2"/>
-          <a:stretch>
-            <a:fillRect/>
-          </a:stretch>
-        </p:blipFill>
-        <p:spPr>
-          <a:xfrm>
-            <a:off x="6095809" y="0"/>
-            <a:ext cx="3048000" cy="3048000"/>
-          </a:xfrm>
-          <a:prstGeom prst="rect">
-            <a:avLst/>
-          </a:prstGeom>
-        </p:spPr>
-      </p:pic>
-      <p:pic>
-        <p:nvPicPr>
-          <p:cNvPr id="5" name="Picture 4" descr="image.gif"/>
           <p:cNvPicPr>
             <a:picLocks noChangeAspect="1"/>
           </p:cNvPicPr>
@@ -4232,203 +3483,17 @@
         </p:blipFill>
         <p:spPr>
           <a:xfrm>
-            <a:off x="9143733" y="0"/>
-            <a:ext cx="3048000" cy="2286000"/>
+            <a:off x="9385032" y="3429000"/>
+            <a:ext cx="2565400" cy="3429000"/>
           </a:xfrm>
           <a:prstGeom prst="rect">
             <a:avLst/>
           </a:prstGeom>
         </p:spPr>
       </p:pic>
-      <p:pic>
-        <p:nvPicPr>
-          <p:cNvPr id="6" name="Picture 5" descr="image.gif"/>
-          <p:cNvPicPr>
-            <a:picLocks noChangeAspect="1"/>
-          </p:cNvPicPr>
-          <p:nvPr/>
-        </p:nvPicPr>
-        <p:blipFill>
-          <a:blip r:embed="rId4"/>
-          <a:stretch>
-            <a:fillRect/>
-          </a:stretch>
-        </p:blipFill>
-        <p:spPr>
-          <a:xfrm>
-            <a:off x="241261" y="3429000"/>
-            <a:ext cx="2565400" cy="3429000"/>
-          </a:xfrm>
-          <a:prstGeom prst="rect">
-            <a:avLst/>
-          </a:prstGeom>
-        </p:spPr>
-      </p:pic>
-      <p:pic>
-        <p:nvPicPr>
-          <p:cNvPr id="7" name="Picture 6" descr="image.gif"/>
-          <p:cNvPicPr>
-            <a:picLocks noChangeAspect="1"/>
-          </p:cNvPicPr>
-          <p:nvPr/>
-        </p:nvPicPr>
-        <p:blipFill>
-          <a:blip r:embed="rId5"/>
-          <a:stretch>
-            <a:fillRect/>
-          </a:stretch>
-        </p:blipFill>
-        <p:spPr>
-          <a:xfrm>
-            <a:off x="3047885" y="4572000"/>
-            <a:ext cx="3048000" cy="2286000"/>
-          </a:xfrm>
-          <a:prstGeom prst="rect">
-            <a:avLst/>
-          </a:prstGeom>
-        </p:spPr>
-      </p:pic>
-      <p:pic>
-        <p:nvPicPr>
-          <p:cNvPr id="8" name="Picture 7" descr="image.gif"/>
-          <p:cNvPicPr>
-            <a:picLocks noChangeAspect="1"/>
-          </p:cNvPicPr>
-          <p:nvPr/>
-        </p:nvPicPr>
-        <p:blipFill>
-          <a:blip r:embed="rId6"/>
-          <a:stretch>
-            <a:fillRect/>
-          </a:stretch>
-        </p:blipFill>
-        <p:spPr>
-          <a:xfrm>
-            <a:off x="6095809" y="4572000"/>
-            <a:ext cx="3048000" cy="2286000"/>
-          </a:xfrm>
-          <a:prstGeom prst="rect">
-            <a:avLst/>
-          </a:prstGeom>
-        </p:spPr>
-      </p:pic>
-      <p:pic>
-        <p:nvPicPr>
-          <p:cNvPr id="9" name="Picture 8" descr="image.gif"/>
-          <p:cNvPicPr>
-            <a:picLocks noChangeAspect="1"/>
-          </p:cNvPicPr>
-          <p:nvPr/>
-        </p:nvPicPr>
-        <p:blipFill>
-          <a:blip r:embed="rId7"/>
-          <a:stretch>
-            <a:fillRect/>
-          </a:stretch>
-        </p:blipFill>
-        <p:spPr>
-          <a:xfrm>
-            <a:off x="9385032" y="3429000"/>
-            <a:ext cx="2565400" cy="3429000"/>
-          </a:xfrm>
-          <a:prstGeom prst="rect">
-            <a:avLst/>
-          </a:prstGeom>
-        </p:spPr>
-      </p:pic>
-    </p:spTree>
-  </p:cSld>
-  <p:clrMapOvr>
-    <a:masterClrMapping/>
-  </p:clrMapOvr>
-</p:sld>
-</file>
-
-<file path=ppt/slides/slide7.xml><?xml version="1.0" encoding="utf-8"?>
-<p:sld xmlns:a="http://schemas.openxmlformats.org/drawingml/2006/main" xmlns:p="http://schemas.openxmlformats.org/presentationml/2006/main" xmlns:r="http://schemas.openxmlformats.org/officeDocument/2006/relationships">
-  <p:cSld>
-    <p:spTree>
-      <p:nvGrpSpPr>
-        <p:cNvPr id="1" name=""/>
-        <p:cNvGrpSpPr/>
-        <p:nvPr/>
-      </p:nvGrpSpPr>
-      <p:grpSpPr/>
-      <p:pic>
-        <p:nvPicPr>
-          <p:cNvPr id="2" name="Picture 1" descr="image.gif"/>
-          <p:cNvPicPr>
-            <a:picLocks noChangeAspect="1"/>
-          </p:cNvPicPr>
-          <p:nvPr/>
-        </p:nvPicPr>
-        <p:blipFill>
-          <a:blip r:embed="rId2"/>
-          <a:stretch>
-            <a:fillRect/>
-          </a:stretch>
-        </p:blipFill>
-        <p:spPr>
-          <a:xfrm>
-            <a:off x="241261" y="0"/>
-            <a:ext cx="2565400" cy="3429000"/>
-          </a:xfrm>
-          <a:prstGeom prst="rect">
-            <a:avLst/>
-          </a:prstGeom>
-        </p:spPr>
-      </p:pic>
-      <p:pic>
-        <p:nvPicPr>
-          <p:cNvPr id="3" name="Picture 2" descr="image.gif"/>
-          <p:cNvPicPr>
-            <a:picLocks noChangeAspect="1"/>
-          </p:cNvPicPr>
-          <p:nvPr/>
-        </p:nvPicPr>
-        <p:blipFill>
-          <a:blip r:embed="rId3"/>
-          <a:stretch>
-            <a:fillRect/>
-          </a:stretch>
-        </p:blipFill>
-        <p:spPr>
-          <a:xfrm>
-            <a:off x="3047885" y="0"/>
-            <a:ext cx="3048000" cy="2286000"/>
-          </a:xfrm>
-          <a:prstGeom prst="rect">
-            <a:avLst/>
-          </a:prstGeom>
-        </p:spPr>
-      </p:pic>
-      <p:pic>
-        <p:nvPicPr>
-          <p:cNvPr id="4" name="Picture 3" descr="image.gif"/>
-          <p:cNvPicPr>
-            <a:picLocks noChangeAspect="1"/>
-          </p:cNvPicPr>
-          <p:nvPr/>
-        </p:nvPicPr>
-        <p:blipFill>
-          <a:blip r:embed="rId4"/>
-          <a:stretch>
-            <a:fillRect/>
-          </a:stretch>
-        </p:blipFill>
-        <p:spPr>
-          <a:xfrm>
-            <a:off x="6337108" y="0"/>
-            <a:ext cx="2565400" cy="3429000"/>
-          </a:xfrm>
-          <a:prstGeom prst="rect">
-            <a:avLst/>
-          </a:prstGeom>
-        </p:spPr>
-      </p:pic>
-      <p:sp>
-        <p:nvSpPr>
-          <p:cNvPr id="5" name="Rounded Rectangle 4"/>
+      <p:sp>
+        <p:nvSpPr>
+          <p:cNvPr id="10" name="Rounded Rectangle 9"/>
           <p:cNvSpPr/>
           <p:nvPr/>
         </p:nvSpPr>

--- a/Image2ppt/Output/test.pptx
+++ b/Image2ppt/Output/test.pptx
@@ -3088,9 +3088,41 @@
         <p:nvPr/>
       </p:nvGrpSpPr>
       <p:grpSpPr/>
+      <p:sp>
+        <p:nvSpPr>
+          <p:cNvPr id="2" name="TextBox 1"/>
+          <p:cNvSpPr txBox="1"/>
+          <p:nvPr/>
+        </p:nvSpPr>
+        <p:spPr>
+          <a:xfrm>
+            <a:off x="5501487" y="2880360"/>
+            <a:ext cx="914400" cy="914400"/>
+          </a:xfrm>
+          <a:prstGeom prst="rect">
+            <a:avLst/>
+          </a:prstGeom>
+          <a:noFill/>
+        </p:spPr>
+        <p:txBody>
+          <a:bodyPr wrap="none">
+            <a:spAutoFit/>
+          </a:bodyPr>
+          <a:lstStyle/>
+          <a:p/>
+          <a:p>
+            <a:pPr>
+              <a:defRPr sz="3000"/>
+            </a:pPr>
+            <a:r>
+              <a:t>Cell 2</a:t>
+            </a:r>
+          </a:p>
+        </p:txBody>
+      </p:sp>
       <p:pic>
         <p:nvPicPr>
-          <p:cNvPr id="2" name="Picture 1" descr="image.gif"/>
+          <p:cNvPr id="3" name="Picture 2" descr="image.gif"/>
           <p:cNvPicPr>
             <a:picLocks noChangeAspect="1"/>
           </p:cNvPicPr>
@@ -3104,32 +3136,8 @@
         </p:blipFill>
         <p:spPr>
           <a:xfrm>
-            <a:off x="730219" y="0"/>
-            <a:ext cx="977900" cy="1714500"/>
-          </a:xfrm>
-          <a:prstGeom prst="rect">
-            <a:avLst/>
-          </a:prstGeom>
-        </p:spPr>
-      </p:pic>
-      <p:pic>
-        <p:nvPicPr>
-          <p:cNvPr id="3" name="Picture 2" descr="image.gif"/>
-          <p:cNvPicPr>
-            <a:picLocks noChangeAspect="1"/>
-          </p:cNvPicPr>
-          <p:nvPr/>
-        </p:nvPicPr>
-        <p:blipFill>
-          <a:blip r:embed="rId3"/>
-          <a:stretch>
-            <a:fillRect/>
-          </a:stretch>
-        </p:blipFill>
-        <p:spPr>
-          <a:xfrm>
-            <a:off x="2800258" y="0"/>
-            <a:ext cx="1714500" cy="1714500"/>
+            <a:off x="304769" y="0"/>
+            <a:ext cx="1828800" cy="1371600"/>
           </a:xfrm>
           <a:prstGeom prst="rect">
             <a:avLst/>
@@ -3152,8 +3160,8 @@
         </p:blipFill>
         <p:spPr>
           <a:xfrm>
-            <a:off x="5238597" y="0"/>
-            <a:ext cx="1714500" cy="1714500"/>
+            <a:off x="3143158" y="0"/>
+            <a:ext cx="1028700" cy="1371600"/>
           </a:xfrm>
           <a:prstGeom prst="rect">
             <a:avLst/>
@@ -3163,6 +3171,126 @@
       <p:pic>
         <p:nvPicPr>
           <p:cNvPr id="5" name="Picture 4" descr="image.gif"/>
+          <p:cNvPicPr>
+            <a:picLocks noChangeAspect="1"/>
+          </p:cNvPicPr>
+          <p:nvPr/>
+        </p:nvPicPr>
+        <p:blipFill>
+          <a:blip r:embed="rId4"/>
+          <a:stretch>
+            <a:fillRect/>
+          </a:stretch>
+        </p:blipFill>
+        <p:spPr>
+          <a:xfrm>
+            <a:off x="5181447" y="0"/>
+            <a:ext cx="1828800" cy="1371600"/>
+          </a:xfrm>
+          <a:prstGeom prst="rect">
+            <a:avLst/>
+          </a:prstGeom>
+        </p:spPr>
+      </p:pic>
+      <p:pic>
+        <p:nvPicPr>
+          <p:cNvPr id="6" name="Picture 5" descr="image.gif"/>
+          <p:cNvPicPr>
+            <a:picLocks noChangeAspect="1"/>
+          </p:cNvPicPr>
+          <p:nvPr/>
+        </p:nvPicPr>
+        <p:blipFill>
+          <a:blip r:embed="rId5"/>
+          <a:stretch>
+            <a:fillRect/>
+          </a:stretch>
+        </p:blipFill>
+        <p:spPr>
+          <a:xfrm>
+            <a:off x="7619786" y="0"/>
+            <a:ext cx="1828800" cy="1371600"/>
+          </a:xfrm>
+          <a:prstGeom prst="rect">
+            <a:avLst/>
+          </a:prstGeom>
+        </p:spPr>
+      </p:pic>
+      <p:pic>
+        <p:nvPicPr>
+          <p:cNvPr id="7" name="Picture 6" descr="image.gif"/>
+          <p:cNvPicPr>
+            <a:picLocks noChangeAspect="1"/>
+          </p:cNvPicPr>
+          <p:nvPr/>
+        </p:nvPicPr>
+        <p:blipFill>
+          <a:blip r:embed="rId6"/>
+          <a:stretch>
+            <a:fillRect/>
+          </a:stretch>
+        </p:blipFill>
+        <p:spPr>
+          <a:xfrm>
+            <a:off x="10458175" y="0"/>
+            <a:ext cx="1028700" cy="1371600"/>
+          </a:xfrm>
+          <a:prstGeom prst="rect">
+            <a:avLst/>
+          </a:prstGeom>
+        </p:spPr>
+      </p:pic>
+      <p:pic>
+        <p:nvPicPr>
+          <p:cNvPr id="8" name="Picture 7" descr="image.gif"/>
+          <p:cNvPicPr>
+            <a:picLocks noChangeAspect="1"/>
+          </p:cNvPicPr>
+          <p:nvPr/>
+        </p:nvPicPr>
+        <p:blipFill>
+          <a:blip r:embed="rId7"/>
+          <a:stretch>
+            <a:fillRect/>
+          </a:stretch>
+        </p:blipFill>
+        <p:spPr>
+          <a:xfrm>
+            <a:off x="704819" y="1371600"/>
+            <a:ext cx="1028700" cy="1371600"/>
+          </a:xfrm>
+          <a:prstGeom prst="rect">
+            <a:avLst/>
+          </a:prstGeom>
+        </p:spPr>
+      </p:pic>
+      <p:pic>
+        <p:nvPicPr>
+          <p:cNvPr id="9" name="Picture 8" descr="image.gif"/>
+          <p:cNvPicPr>
+            <a:picLocks noChangeAspect="1"/>
+          </p:cNvPicPr>
+          <p:nvPr/>
+        </p:nvPicPr>
+        <p:blipFill>
+          <a:blip r:embed="rId2"/>
+          <a:stretch>
+            <a:fillRect/>
+          </a:stretch>
+        </p:blipFill>
+        <p:spPr>
+          <a:xfrm>
+            <a:off x="2743108" y="1371600"/>
+            <a:ext cx="1828800" cy="1371600"/>
+          </a:xfrm>
+          <a:prstGeom prst="rect">
+            <a:avLst/>
+          </a:prstGeom>
+        </p:spPr>
+      </p:pic>
+      <p:pic>
+        <p:nvPicPr>
+          <p:cNvPr id="10" name="Picture 9" descr="image.gif"/>
           <p:cNvPicPr>
             <a:picLocks noChangeAspect="1"/>
           </p:cNvPicPr>
@@ -3176,128 +3304,8 @@
         </p:blipFill>
         <p:spPr>
           <a:xfrm>
-            <a:off x="7676936" y="0"/>
-            <a:ext cx="1714500" cy="1714500"/>
-          </a:xfrm>
-          <a:prstGeom prst="rect">
-            <a:avLst/>
-          </a:prstGeom>
-        </p:spPr>
-      </p:pic>
-      <p:pic>
-        <p:nvPicPr>
-          <p:cNvPr id="6" name="Picture 5" descr="image.gif"/>
-          <p:cNvPicPr>
-            <a:picLocks noChangeAspect="1"/>
-          </p:cNvPicPr>
-          <p:nvPr/>
-        </p:nvPicPr>
-        <p:blipFill>
-          <a:blip r:embed="rId3"/>
-          <a:stretch>
-            <a:fillRect/>
-          </a:stretch>
-        </p:blipFill>
-        <p:spPr>
-          <a:xfrm>
-            <a:off x="10115275" y="0"/>
-            <a:ext cx="1714500" cy="1714500"/>
-          </a:xfrm>
-          <a:prstGeom prst="rect">
-            <a:avLst/>
-          </a:prstGeom>
-        </p:spPr>
-      </p:pic>
-      <p:pic>
-        <p:nvPicPr>
-          <p:cNvPr id="7" name="Picture 6" descr="image.gif"/>
-          <p:cNvPicPr>
-            <a:picLocks noChangeAspect="1"/>
-          </p:cNvPicPr>
-          <p:nvPr/>
-        </p:nvPicPr>
-        <p:blipFill>
-          <a:blip r:embed="rId3"/>
-          <a:stretch>
-            <a:fillRect/>
-          </a:stretch>
-        </p:blipFill>
-        <p:spPr>
-          <a:xfrm>
-            <a:off x="361919" y="1714500"/>
-            <a:ext cx="1714500" cy="1714500"/>
-          </a:xfrm>
-          <a:prstGeom prst="rect">
-            <a:avLst/>
-          </a:prstGeom>
-        </p:spPr>
-      </p:pic>
-      <p:pic>
-        <p:nvPicPr>
-          <p:cNvPr id="8" name="Picture 7" descr="image.gif"/>
-          <p:cNvPicPr>
-            <a:picLocks noChangeAspect="1"/>
-          </p:cNvPicPr>
-          <p:nvPr/>
-        </p:nvPicPr>
-        <p:blipFill>
-          <a:blip r:embed="rId3"/>
-          <a:stretch>
-            <a:fillRect/>
-          </a:stretch>
-        </p:blipFill>
-        <p:spPr>
-          <a:xfrm>
-            <a:off x="2800258" y="1714500"/>
-            <a:ext cx="1714500" cy="1714500"/>
-          </a:xfrm>
-          <a:prstGeom prst="rect">
-            <a:avLst/>
-          </a:prstGeom>
-        </p:spPr>
-      </p:pic>
-      <p:pic>
-        <p:nvPicPr>
-          <p:cNvPr id="9" name="Picture 8" descr="image.gif"/>
-          <p:cNvPicPr>
-            <a:picLocks noChangeAspect="1"/>
-          </p:cNvPicPr>
-          <p:nvPr/>
-        </p:nvPicPr>
-        <p:blipFill>
-          <a:blip r:embed="rId3"/>
-          <a:stretch>
-            <a:fillRect/>
-          </a:stretch>
-        </p:blipFill>
-        <p:spPr>
-          <a:xfrm>
-            <a:off x="5238597" y="1714500"/>
-            <a:ext cx="1714500" cy="1714500"/>
-          </a:xfrm>
-          <a:prstGeom prst="rect">
-            <a:avLst/>
-          </a:prstGeom>
-        </p:spPr>
-      </p:pic>
-      <p:pic>
-        <p:nvPicPr>
-          <p:cNvPr id="10" name="Picture 9" descr="image.gif"/>
-          <p:cNvPicPr>
-            <a:picLocks noChangeAspect="1"/>
-          </p:cNvPicPr>
-          <p:nvPr/>
-        </p:nvPicPr>
-        <p:blipFill>
-          <a:blip r:embed="rId4"/>
-          <a:stretch>
-            <a:fillRect/>
-          </a:stretch>
-        </p:blipFill>
-        <p:spPr>
-          <a:xfrm>
-            <a:off x="7391186" y="1714500"/>
-            <a:ext cx="2286000" cy="1714500"/>
+            <a:off x="5581497" y="1371600"/>
+            <a:ext cx="1028700" cy="1371600"/>
           </a:xfrm>
           <a:prstGeom prst="rect">
             <a:avLst/>
@@ -3307,78 +3315,6 @@
       <p:pic>
         <p:nvPicPr>
           <p:cNvPr id="11" name="Picture 10" descr="image.gif"/>
-          <p:cNvPicPr>
-            <a:picLocks noChangeAspect="1"/>
-          </p:cNvPicPr>
-          <p:nvPr/>
-        </p:nvPicPr>
-        <p:blipFill>
-          <a:blip r:embed="rId5"/>
-          <a:stretch>
-            <a:fillRect/>
-          </a:stretch>
-        </p:blipFill>
-        <p:spPr>
-          <a:xfrm>
-            <a:off x="10331175" y="1714500"/>
-            <a:ext cx="1282700" cy="1714500"/>
-          </a:xfrm>
-          <a:prstGeom prst="rect">
-            <a:avLst/>
-          </a:prstGeom>
-        </p:spPr>
-      </p:pic>
-      <p:pic>
-        <p:nvPicPr>
-          <p:cNvPr id="12" name="Picture 11" descr="image.gif"/>
-          <p:cNvPicPr>
-            <a:picLocks noChangeAspect="1"/>
-          </p:cNvPicPr>
-          <p:nvPr/>
-        </p:nvPicPr>
-        <p:blipFill>
-          <a:blip r:embed="rId6"/>
-          <a:stretch>
-            <a:fillRect/>
-          </a:stretch>
-        </p:blipFill>
-        <p:spPr>
-          <a:xfrm>
-            <a:off x="76169" y="3429000"/>
-            <a:ext cx="2286000" cy="1714500"/>
-          </a:xfrm>
-          <a:prstGeom prst="rect">
-            <a:avLst/>
-          </a:prstGeom>
-        </p:spPr>
-      </p:pic>
-      <p:pic>
-        <p:nvPicPr>
-          <p:cNvPr id="13" name="Picture 12" descr="image.gif"/>
-          <p:cNvPicPr>
-            <a:picLocks noChangeAspect="1"/>
-          </p:cNvPicPr>
-          <p:nvPr/>
-        </p:nvPicPr>
-        <p:blipFill>
-          <a:blip r:embed="rId7"/>
-          <a:stretch>
-            <a:fillRect/>
-          </a:stretch>
-        </p:blipFill>
-        <p:spPr>
-          <a:xfrm>
-            <a:off x="2514508" y="3429000"/>
-            <a:ext cx="2286000" cy="1714500"/>
-          </a:xfrm>
-          <a:prstGeom prst="rect">
-            <a:avLst/>
-          </a:prstGeom>
-        </p:spPr>
-      </p:pic>
-      <p:pic>
-        <p:nvPicPr>
-          <p:cNvPr id="14" name="Picture 13" descr="image.gif"/>
           <p:cNvPicPr>
             <a:picLocks noChangeAspect="1"/>
           </p:cNvPicPr>
@@ -3392,8 +3328,80 @@
         </p:blipFill>
         <p:spPr>
           <a:xfrm>
-            <a:off x="5454497" y="3429000"/>
-            <a:ext cx="1282700" cy="1714500"/>
+            <a:off x="8140486" y="1371600"/>
+            <a:ext cx="787400" cy="1371600"/>
+          </a:xfrm>
+          <a:prstGeom prst="rect">
+            <a:avLst/>
+          </a:prstGeom>
+        </p:spPr>
+      </p:pic>
+      <p:pic>
+        <p:nvPicPr>
+          <p:cNvPr id="12" name="Picture 11" descr="image.gif"/>
+          <p:cNvPicPr>
+            <a:picLocks noChangeAspect="1"/>
+          </p:cNvPicPr>
+          <p:nvPr/>
+        </p:nvPicPr>
+        <p:blipFill>
+          <a:blip r:embed="rId9"/>
+          <a:stretch>
+            <a:fillRect/>
+          </a:stretch>
+        </p:blipFill>
+        <p:spPr>
+          <a:xfrm>
+            <a:off x="10286725" y="1371600"/>
+            <a:ext cx="1371600" cy="1371600"/>
+          </a:xfrm>
+          <a:prstGeom prst="rect">
+            <a:avLst/>
+          </a:prstGeom>
+        </p:spPr>
+      </p:pic>
+      <p:pic>
+        <p:nvPicPr>
+          <p:cNvPr id="13" name="Picture 12" descr="image.gif"/>
+          <p:cNvPicPr>
+            <a:picLocks noChangeAspect="1"/>
+          </p:cNvPicPr>
+          <p:nvPr/>
+        </p:nvPicPr>
+        <p:blipFill>
+          <a:blip r:embed="rId9"/>
+          <a:stretch>
+            <a:fillRect/>
+          </a:stretch>
+        </p:blipFill>
+        <p:spPr>
+          <a:xfrm>
+            <a:off x="533369" y="2743200"/>
+            <a:ext cx="1371600" cy="1371600"/>
+          </a:xfrm>
+          <a:prstGeom prst="rect">
+            <a:avLst/>
+          </a:prstGeom>
+        </p:spPr>
+      </p:pic>
+      <p:pic>
+        <p:nvPicPr>
+          <p:cNvPr id="14" name="Picture 13" descr="image.gif"/>
+          <p:cNvPicPr>
+            <a:picLocks noChangeAspect="1"/>
+          </p:cNvPicPr>
+          <p:nvPr/>
+        </p:nvPicPr>
+        <p:blipFill>
+          <a:blip r:embed="rId9"/>
+          <a:stretch>
+            <a:fillRect/>
+          </a:stretch>
+        </p:blipFill>
+        <p:spPr>
+          <a:xfrm>
+            <a:off x="2971708" y="2743200"/>
+            <a:ext cx="1371600" cy="1371600"/>
           </a:xfrm>
           <a:prstGeom prst="rect">
             <a:avLst/>
@@ -3416,8 +3424,8 @@
         </p:blipFill>
         <p:spPr>
           <a:xfrm>
-            <a:off x="7892836" y="3429000"/>
-            <a:ext cx="1282700" cy="1714500"/>
+            <a:off x="5410047" y="2743200"/>
+            <a:ext cx="1371600" cy="1371600"/>
           </a:xfrm>
           <a:prstGeom prst="rect">
             <a:avLst/>
@@ -3433,15 +3441,15 @@
           <p:nvPr/>
         </p:nvPicPr>
         <p:blipFill>
-          <a:blip r:embed="rId4"/>
+          <a:blip r:embed="rId9"/>
           <a:stretch>
             <a:fillRect/>
           </a:stretch>
         </p:blipFill>
         <p:spPr>
           <a:xfrm>
-            <a:off x="9829525" y="3429000"/>
-            <a:ext cx="2286000" cy="1714500"/>
+            <a:off x="7848386" y="2743200"/>
+            <a:ext cx="1371600" cy="1371600"/>
           </a:xfrm>
           <a:prstGeom prst="rect">
             <a:avLst/>
@@ -3457,24 +3465,48 @@
           <p:nvPr/>
         </p:nvPicPr>
         <p:blipFill>
-          <a:blip r:embed="rId5"/>
+          <a:blip r:embed="rId9"/>
           <a:stretch>
             <a:fillRect/>
           </a:stretch>
         </p:blipFill>
         <p:spPr>
           <a:xfrm>
-            <a:off x="577819" y="5143500"/>
-            <a:ext cx="1282700" cy="1714500"/>
+            <a:off x="10286725" y="2743200"/>
+            <a:ext cx="1371600" cy="1371600"/>
           </a:xfrm>
           <a:prstGeom prst="rect">
             <a:avLst/>
           </a:prstGeom>
         </p:spPr>
       </p:pic>
-      <p:sp>
-        <p:nvSpPr>
-          <p:cNvPr id="18" name="Rounded Rectangle 17"/>
+      <p:pic>
+        <p:nvPicPr>
+          <p:cNvPr id="18" name="Picture 17" descr="image.gif"/>
+          <p:cNvPicPr>
+            <a:picLocks noChangeAspect="1"/>
+          </p:cNvPicPr>
+          <p:nvPr/>
+        </p:nvPicPr>
+        <p:blipFill>
+          <a:blip r:embed="rId9"/>
+          <a:stretch>
+            <a:fillRect/>
+          </a:stretch>
+        </p:blipFill>
+        <p:spPr>
+          <a:xfrm>
+            <a:off x="533369" y="4114800"/>
+            <a:ext cx="1371600" cy="1371600"/>
+          </a:xfrm>
+          <a:prstGeom prst="rect">
+            <a:avLst/>
+          </a:prstGeom>
+        </p:spPr>
+      </p:pic>
+      <p:sp>
+        <p:nvSpPr>
+          <p:cNvPr id="19" name="Rounded Rectangle 18"/>
           <p:cNvSpPr/>
           <p:nvPr/>
         </p:nvSpPr>

--- a/Image2ppt/Output/test.pptx
+++ b/Image2ppt/Output/test.pptx
@@ -6,6 +6,7 @@
   </p:sldMasterIdLst>
   <p:sldIdLst>
     <p:sldId id="256" r:id="rId7"/>
+    <p:sldId id="257" r:id="rId8"/>
   </p:sldIdLst>
   <p:sldSz cx="12191695" cy="6858000" type="screen4x3"/>
   <p:notesSz cx="6858000" cy="9144000"/>
@@ -3115,7 +3116,7 @@
               <a:defRPr sz="3000"/>
             </a:pPr>
             <a:r>
-              <a:t>Cell 2</a:t>
+              <a:t>Cell 1</a:t>
             </a:r>
           </a:p>
         </p:txBody>
@@ -3136,8 +3137,250 @@
         </p:blipFill>
         <p:spPr>
           <a:xfrm>
-            <a:off x="304769" y="0"/>
-            <a:ext cx="1828800" cy="1371600"/>
+            <a:off x="-38" y="0"/>
+            <a:ext cx="3048000" cy="3048000"/>
+          </a:xfrm>
+          <a:prstGeom prst="rect">
+            <a:avLst/>
+          </a:prstGeom>
+        </p:spPr>
+      </p:pic>
+      <p:pic>
+        <p:nvPicPr>
+          <p:cNvPr id="4" name="Picture 3" descr="image.gif"/>
+          <p:cNvPicPr>
+            <a:picLocks noChangeAspect="1"/>
+          </p:cNvPicPr>
+          <p:nvPr/>
+        </p:nvPicPr>
+        <p:blipFill>
+          <a:blip r:embed="rId2"/>
+          <a:stretch>
+            <a:fillRect/>
+          </a:stretch>
+        </p:blipFill>
+        <p:spPr>
+          <a:xfrm>
+            <a:off x="3047885" y="0"/>
+            <a:ext cx="3048000" cy="3048000"/>
+          </a:xfrm>
+          <a:prstGeom prst="rect">
+            <a:avLst/>
+          </a:prstGeom>
+        </p:spPr>
+      </p:pic>
+      <p:pic>
+        <p:nvPicPr>
+          <p:cNvPr id="5" name="Picture 4" descr="image.gif"/>
+          <p:cNvPicPr>
+            <a:picLocks noChangeAspect="1"/>
+          </p:cNvPicPr>
+          <p:nvPr/>
+        </p:nvPicPr>
+        <p:blipFill>
+          <a:blip r:embed="rId2"/>
+          <a:stretch>
+            <a:fillRect/>
+          </a:stretch>
+        </p:blipFill>
+        <p:spPr>
+          <a:xfrm>
+            <a:off x="6095809" y="0"/>
+            <a:ext cx="3048000" cy="3048000"/>
+          </a:xfrm>
+          <a:prstGeom prst="rect">
+            <a:avLst/>
+          </a:prstGeom>
+        </p:spPr>
+      </p:pic>
+      <p:pic>
+        <p:nvPicPr>
+          <p:cNvPr id="6" name="Picture 5" descr="image.gif"/>
+          <p:cNvPicPr>
+            <a:picLocks noChangeAspect="1"/>
+          </p:cNvPicPr>
+          <p:nvPr/>
+        </p:nvPicPr>
+        <p:blipFill>
+          <a:blip r:embed="rId2"/>
+          <a:stretch>
+            <a:fillRect/>
+          </a:stretch>
+        </p:blipFill>
+        <p:spPr>
+          <a:xfrm>
+            <a:off x="9143733" y="0"/>
+            <a:ext cx="3048000" cy="3048000"/>
+          </a:xfrm>
+          <a:prstGeom prst="rect">
+            <a:avLst/>
+          </a:prstGeom>
+        </p:spPr>
+      </p:pic>
+      <p:pic>
+        <p:nvPicPr>
+          <p:cNvPr id="7" name="Picture 6" descr="image.gif"/>
+          <p:cNvPicPr>
+            <a:picLocks noChangeAspect="1"/>
+          </p:cNvPicPr>
+          <p:nvPr/>
+        </p:nvPicPr>
+        <p:blipFill>
+          <a:blip r:embed="rId2"/>
+          <a:stretch>
+            <a:fillRect/>
+          </a:stretch>
+        </p:blipFill>
+        <p:spPr>
+          <a:xfrm>
+            <a:off x="-38" y="3809999"/>
+            <a:ext cx="3048000" cy="3048000"/>
+          </a:xfrm>
+          <a:prstGeom prst="rect">
+            <a:avLst/>
+          </a:prstGeom>
+        </p:spPr>
+      </p:pic>
+      <p:pic>
+        <p:nvPicPr>
+          <p:cNvPr id="8" name="Picture 7" descr="image.gif"/>
+          <p:cNvPicPr>
+            <a:picLocks noChangeAspect="1"/>
+          </p:cNvPicPr>
+          <p:nvPr/>
+        </p:nvPicPr>
+        <p:blipFill>
+          <a:blip r:embed="rId2"/>
+          <a:stretch>
+            <a:fillRect/>
+          </a:stretch>
+        </p:blipFill>
+        <p:spPr>
+          <a:xfrm>
+            <a:off x="3047885" y="3809999"/>
+            <a:ext cx="3048000" cy="3048000"/>
+          </a:xfrm>
+          <a:prstGeom prst="rect">
+            <a:avLst/>
+          </a:prstGeom>
+        </p:spPr>
+      </p:pic>
+      <p:pic>
+        <p:nvPicPr>
+          <p:cNvPr id="9" name="Picture 8" descr="image.gif"/>
+          <p:cNvPicPr>
+            <a:picLocks noChangeAspect="1"/>
+          </p:cNvPicPr>
+          <p:nvPr/>
+        </p:nvPicPr>
+        <p:blipFill>
+          <a:blip r:embed="rId2"/>
+          <a:stretch>
+            <a:fillRect/>
+          </a:stretch>
+        </p:blipFill>
+        <p:spPr>
+          <a:xfrm>
+            <a:off x="6095809" y="3809999"/>
+            <a:ext cx="3048000" cy="3048000"/>
+          </a:xfrm>
+          <a:prstGeom prst="rect">
+            <a:avLst/>
+          </a:prstGeom>
+        </p:spPr>
+      </p:pic>
+      <p:pic>
+        <p:nvPicPr>
+          <p:cNvPr id="10" name="Picture 9" descr="image.gif"/>
+          <p:cNvPicPr>
+            <a:picLocks noChangeAspect="1"/>
+          </p:cNvPicPr>
+          <p:nvPr/>
+        </p:nvPicPr>
+        <p:blipFill>
+          <a:blip r:embed="rId3"/>
+          <a:stretch>
+            <a:fillRect/>
+          </a:stretch>
+        </p:blipFill>
+        <p:spPr>
+          <a:xfrm>
+            <a:off x="9683482" y="3429000"/>
+            <a:ext cx="1968500" cy="3429000"/>
+          </a:xfrm>
+          <a:prstGeom prst="rect">
+            <a:avLst/>
+          </a:prstGeom>
+        </p:spPr>
+      </p:pic>
+    </p:spTree>
+  </p:cSld>
+  <p:clrMapOvr>
+    <a:masterClrMapping/>
+  </p:clrMapOvr>
+</p:sld>
+</file>
+
+<file path=ppt/slides/slide2.xml><?xml version="1.0" encoding="utf-8"?>
+<p:sld xmlns:a="http://schemas.openxmlformats.org/drawingml/2006/main" xmlns:p="http://schemas.openxmlformats.org/presentationml/2006/main" xmlns:r="http://schemas.openxmlformats.org/officeDocument/2006/relationships">
+  <p:cSld>
+    <p:spTree>
+      <p:nvGrpSpPr>
+        <p:cNvPr id="1" name=""/>
+        <p:cNvGrpSpPr/>
+        <p:nvPr/>
+      </p:nvGrpSpPr>
+      <p:grpSpPr/>
+      <p:sp>
+        <p:nvSpPr>
+          <p:cNvPr id="2" name="TextBox 1"/>
+          <p:cNvSpPr txBox="1"/>
+          <p:nvPr/>
+        </p:nvSpPr>
+        <p:spPr>
+          <a:xfrm>
+            <a:off x="5501487" y="2880360"/>
+            <a:ext cx="914400" cy="914400"/>
+          </a:xfrm>
+          <a:prstGeom prst="rect">
+            <a:avLst/>
+          </a:prstGeom>
+          <a:noFill/>
+        </p:spPr>
+        <p:txBody>
+          <a:bodyPr wrap="none">
+            <a:spAutoFit/>
+          </a:bodyPr>
+          <a:lstStyle/>
+          <a:p/>
+          <a:p>
+            <a:pPr>
+              <a:defRPr sz="3000"/>
+            </a:pPr>
+            <a:r>
+              <a:t>Cell 1</a:t>
+            </a:r>
+          </a:p>
+        </p:txBody>
+      </p:sp>
+      <p:pic>
+        <p:nvPicPr>
+          <p:cNvPr id="3" name="Picture 2" descr="image.gif"/>
+          <p:cNvPicPr>
+            <a:picLocks noChangeAspect="1"/>
+          </p:cNvPicPr>
+          <p:nvPr/>
+        </p:nvPicPr>
+        <p:blipFill>
+          <a:blip r:embed="rId2"/>
+          <a:stretch>
+            <a:fillRect/>
+          </a:stretch>
+        </p:blipFill>
+        <p:spPr>
+          <a:xfrm>
+            <a:off x="241261" y="0"/>
+            <a:ext cx="2565400" cy="3429000"/>
           </a:xfrm>
           <a:prstGeom prst="rect">
             <a:avLst/>
@@ -3160,8 +3403,8 @@
         </p:blipFill>
         <p:spPr>
           <a:xfrm>
-            <a:off x="3143158" y="0"/>
-            <a:ext cx="1028700" cy="1371600"/>
+            <a:off x="3047885" y="0"/>
+            <a:ext cx="3048000" cy="2286000"/>
           </a:xfrm>
           <a:prstGeom prst="rect">
             <a:avLst/>
@@ -3184,8 +3427,8 @@
         </p:blipFill>
         <p:spPr>
           <a:xfrm>
-            <a:off x="5181447" y="0"/>
-            <a:ext cx="1828800" cy="1371600"/>
+            <a:off x="6337108" y="0"/>
+            <a:ext cx="2565400" cy="3429000"/>
           </a:xfrm>
           <a:prstGeom prst="rect">
             <a:avLst/>
@@ -3208,8 +3451,8 @@
         </p:blipFill>
         <p:spPr>
           <a:xfrm>
-            <a:off x="7619786" y="0"/>
-            <a:ext cx="1828800" cy="1371600"/>
+            <a:off x="9385032" y="0"/>
+            <a:ext cx="2565400" cy="3429000"/>
           </a:xfrm>
           <a:prstGeom prst="rect">
             <a:avLst/>
@@ -3232,8 +3475,8 @@
         </p:blipFill>
         <p:spPr>
           <a:xfrm>
-            <a:off x="10458175" y="0"/>
-            <a:ext cx="1028700" cy="1371600"/>
+            <a:off x="-38" y="4572000"/>
+            <a:ext cx="3048000" cy="2286000"/>
           </a:xfrm>
           <a:prstGeom prst="rect">
             <a:avLst/>
@@ -3256,8 +3499,8 @@
         </p:blipFill>
         <p:spPr>
           <a:xfrm>
-            <a:off x="704819" y="1371600"/>
-            <a:ext cx="1028700" cy="1371600"/>
+            <a:off x="3047885" y="4572000"/>
+            <a:ext cx="3048000" cy="2286000"/>
           </a:xfrm>
           <a:prstGeom prst="rect">
             <a:avLst/>
@@ -3280,8 +3523,8 @@
         </p:blipFill>
         <p:spPr>
           <a:xfrm>
-            <a:off x="2743108" y="1371600"/>
-            <a:ext cx="1828800" cy="1371600"/>
+            <a:off x="6337108" y="3429000"/>
+            <a:ext cx="2565400" cy="3429000"/>
           </a:xfrm>
           <a:prstGeom prst="rect">
             <a:avLst/>
@@ -3304,209 +3547,17 @@
         </p:blipFill>
         <p:spPr>
           <a:xfrm>
-            <a:off x="5581497" y="1371600"/>
-            <a:ext cx="1028700" cy="1371600"/>
+            <a:off x="9143733" y="4572000"/>
+            <a:ext cx="3048000" cy="2286000"/>
           </a:xfrm>
           <a:prstGeom prst="rect">
             <a:avLst/>
           </a:prstGeom>
         </p:spPr>
       </p:pic>
-      <p:pic>
-        <p:nvPicPr>
-          <p:cNvPr id="11" name="Picture 10" descr="image.gif"/>
-          <p:cNvPicPr>
-            <a:picLocks noChangeAspect="1"/>
-          </p:cNvPicPr>
-          <p:nvPr/>
-        </p:nvPicPr>
-        <p:blipFill>
-          <a:blip r:embed="rId8"/>
-          <a:stretch>
-            <a:fillRect/>
-          </a:stretch>
-        </p:blipFill>
-        <p:spPr>
-          <a:xfrm>
-            <a:off x="8140486" y="1371600"/>
-            <a:ext cx="787400" cy="1371600"/>
-          </a:xfrm>
-          <a:prstGeom prst="rect">
-            <a:avLst/>
-          </a:prstGeom>
-        </p:spPr>
-      </p:pic>
-      <p:pic>
-        <p:nvPicPr>
-          <p:cNvPr id="12" name="Picture 11" descr="image.gif"/>
-          <p:cNvPicPr>
-            <a:picLocks noChangeAspect="1"/>
-          </p:cNvPicPr>
-          <p:nvPr/>
-        </p:nvPicPr>
-        <p:blipFill>
-          <a:blip r:embed="rId9"/>
-          <a:stretch>
-            <a:fillRect/>
-          </a:stretch>
-        </p:blipFill>
-        <p:spPr>
-          <a:xfrm>
-            <a:off x="10286725" y="1371600"/>
-            <a:ext cx="1371600" cy="1371600"/>
-          </a:xfrm>
-          <a:prstGeom prst="rect">
-            <a:avLst/>
-          </a:prstGeom>
-        </p:spPr>
-      </p:pic>
-      <p:pic>
-        <p:nvPicPr>
-          <p:cNvPr id="13" name="Picture 12" descr="image.gif"/>
-          <p:cNvPicPr>
-            <a:picLocks noChangeAspect="1"/>
-          </p:cNvPicPr>
-          <p:nvPr/>
-        </p:nvPicPr>
-        <p:blipFill>
-          <a:blip r:embed="rId9"/>
-          <a:stretch>
-            <a:fillRect/>
-          </a:stretch>
-        </p:blipFill>
-        <p:spPr>
-          <a:xfrm>
-            <a:off x="533369" y="2743200"/>
-            <a:ext cx="1371600" cy="1371600"/>
-          </a:xfrm>
-          <a:prstGeom prst="rect">
-            <a:avLst/>
-          </a:prstGeom>
-        </p:spPr>
-      </p:pic>
-      <p:pic>
-        <p:nvPicPr>
-          <p:cNvPr id="14" name="Picture 13" descr="image.gif"/>
-          <p:cNvPicPr>
-            <a:picLocks noChangeAspect="1"/>
-          </p:cNvPicPr>
-          <p:nvPr/>
-        </p:nvPicPr>
-        <p:blipFill>
-          <a:blip r:embed="rId9"/>
-          <a:stretch>
-            <a:fillRect/>
-          </a:stretch>
-        </p:blipFill>
-        <p:spPr>
-          <a:xfrm>
-            <a:off x="2971708" y="2743200"/>
-            <a:ext cx="1371600" cy="1371600"/>
-          </a:xfrm>
-          <a:prstGeom prst="rect">
-            <a:avLst/>
-          </a:prstGeom>
-        </p:spPr>
-      </p:pic>
-      <p:pic>
-        <p:nvPicPr>
-          <p:cNvPr id="15" name="Picture 14" descr="image.gif"/>
-          <p:cNvPicPr>
-            <a:picLocks noChangeAspect="1"/>
-          </p:cNvPicPr>
-          <p:nvPr/>
-        </p:nvPicPr>
-        <p:blipFill>
-          <a:blip r:embed="rId9"/>
-          <a:stretch>
-            <a:fillRect/>
-          </a:stretch>
-        </p:blipFill>
-        <p:spPr>
-          <a:xfrm>
-            <a:off x="5410047" y="2743200"/>
-            <a:ext cx="1371600" cy="1371600"/>
-          </a:xfrm>
-          <a:prstGeom prst="rect">
-            <a:avLst/>
-          </a:prstGeom>
-        </p:spPr>
-      </p:pic>
-      <p:pic>
-        <p:nvPicPr>
-          <p:cNvPr id="16" name="Picture 15" descr="image.gif"/>
-          <p:cNvPicPr>
-            <a:picLocks noChangeAspect="1"/>
-          </p:cNvPicPr>
-          <p:nvPr/>
-        </p:nvPicPr>
-        <p:blipFill>
-          <a:blip r:embed="rId9"/>
-          <a:stretch>
-            <a:fillRect/>
-          </a:stretch>
-        </p:blipFill>
-        <p:spPr>
-          <a:xfrm>
-            <a:off x="7848386" y="2743200"/>
-            <a:ext cx="1371600" cy="1371600"/>
-          </a:xfrm>
-          <a:prstGeom prst="rect">
-            <a:avLst/>
-          </a:prstGeom>
-        </p:spPr>
-      </p:pic>
-      <p:pic>
-        <p:nvPicPr>
-          <p:cNvPr id="17" name="Picture 16" descr="image.gif"/>
-          <p:cNvPicPr>
-            <a:picLocks noChangeAspect="1"/>
-          </p:cNvPicPr>
-          <p:nvPr/>
-        </p:nvPicPr>
-        <p:blipFill>
-          <a:blip r:embed="rId9"/>
-          <a:stretch>
-            <a:fillRect/>
-          </a:stretch>
-        </p:blipFill>
-        <p:spPr>
-          <a:xfrm>
-            <a:off x="10286725" y="2743200"/>
-            <a:ext cx="1371600" cy="1371600"/>
-          </a:xfrm>
-          <a:prstGeom prst="rect">
-            <a:avLst/>
-          </a:prstGeom>
-        </p:spPr>
-      </p:pic>
-      <p:pic>
-        <p:nvPicPr>
-          <p:cNvPr id="18" name="Picture 17" descr="image.gif"/>
-          <p:cNvPicPr>
-            <a:picLocks noChangeAspect="1"/>
-          </p:cNvPicPr>
-          <p:nvPr/>
-        </p:nvPicPr>
-        <p:blipFill>
-          <a:blip r:embed="rId9"/>
-          <a:stretch>
-            <a:fillRect/>
-          </a:stretch>
-        </p:blipFill>
-        <p:spPr>
-          <a:xfrm>
-            <a:off x="533369" y="4114800"/>
-            <a:ext cx="1371600" cy="1371600"/>
-          </a:xfrm>
-          <a:prstGeom prst="rect">
-            <a:avLst/>
-          </a:prstGeom>
-        </p:spPr>
-      </p:pic>
-      <p:sp>
-        <p:nvSpPr>
-          <p:cNvPr id="19" name="Rounded Rectangle 18"/>
+      <p:sp>
+        <p:nvSpPr>
+          <p:cNvPr id="11" name="Rounded Rectangle 10"/>
           <p:cNvSpPr/>
           <p:nvPr/>
         </p:nvSpPr>

--- a/Image2ppt/Output/test.pptx
+++ b/Image2ppt/Output/test.pptx
@@ -7,6 +7,7 @@
   <p:sldIdLst>
     <p:sldId id="256" r:id="rId7"/>
     <p:sldId id="257" r:id="rId8"/>
+    <p:sldId id="258" r:id="rId9"/>
   </p:sldIdLst>
   <p:sldSz cx="12191695" cy="6858000" type="screen4x3"/>
   <p:notesSz cx="6858000" cy="9144000"/>
@@ -3137,8 +3138,8 @@
         </p:blipFill>
         <p:spPr>
           <a:xfrm>
-            <a:off x="666711" y="0"/>
-            <a:ext cx="1714500" cy="1714500"/>
+            <a:off x="-38" y="0"/>
+            <a:ext cx="3048000" cy="2286000"/>
           </a:xfrm>
           <a:prstGeom prst="rect">
             <a:avLst/>
@@ -3154,15 +3155,15 @@
           <p:nvPr/>
         </p:nvPicPr>
         <p:blipFill>
-          <a:blip r:embed="rId2"/>
+          <a:blip r:embed="rId3"/>
           <a:stretch>
             <a:fillRect/>
           </a:stretch>
         </p:blipFill>
         <p:spPr>
           <a:xfrm>
-            <a:off x="3714634" y="0"/>
-            <a:ext cx="1714500" cy="1714500"/>
+            <a:off x="3289184" y="0"/>
+            <a:ext cx="2565400" cy="3429000"/>
           </a:xfrm>
           <a:prstGeom prst="rect">
             <a:avLst/>
@@ -3178,15 +3179,15 @@
           <p:nvPr/>
         </p:nvPicPr>
         <p:blipFill>
-          <a:blip r:embed="rId2"/>
+          <a:blip r:embed="rId4"/>
           <a:stretch>
             <a:fillRect/>
           </a:stretch>
         </p:blipFill>
         <p:spPr>
           <a:xfrm>
-            <a:off x="6762558" y="0"/>
-            <a:ext cx="1714500" cy="1714500"/>
+            <a:off x="6095809" y="0"/>
+            <a:ext cx="3048000" cy="2286000"/>
           </a:xfrm>
           <a:prstGeom prst="rect">
             <a:avLst/>
@@ -3202,15 +3203,15 @@
           <p:nvPr/>
         </p:nvPicPr>
         <p:blipFill>
-          <a:blip r:embed="rId2"/>
+          <a:blip r:embed="rId5"/>
           <a:stretch>
             <a:fillRect/>
           </a:stretch>
         </p:blipFill>
         <p:spPr>
           <a:xfrm>
-            <a:off x="9810482" y="0"/>
-            <a:ext cx="1714500" cy="1714500"/>
+            <a:off x="9143733" y="0"/>
+            <a:ext cx="3048000" cy="2286000"/>
           </a:xfrm>
           <a:prstGeom prst="rect">
             <a:avLst/>
@@ -3226,15 +3227,15 @@
           <p:nvPr/>
         </p:nvPicPr>
         <p:blipFill>
-          <a:blip r:embed="rId2"/>
+          <a:blip r:embed="rId6"/>
           <a:stretch>
             <a:fillRect/>
           </a:stretch>
         </p:blipFill>
         <p:spPr>
           <a:xfrm>
-            <a:off x="666711" y="1714500"/>
-            <a:ext cx="1714500" cy="1714500"/>
+            <a:off x="241261" y="3429000"/>
+            <a:ext cx="2565400" cy="3429000"/>
           </a:xfrm>
           <a:prstGeom prst="rect">
             <a:avLst/>
@@ -3250,15 +3251,15 @@
           <p:nvPr/>
         </p:nvPicPr>
         <p:blipFill>
-          <a:blip r:embed="rId2"/>
+          <a:blip r:embed="rId7"/>
           <a:stretch>
             <a:fillRect/>
           </a:stretch>
         </p:blipFill>
         <p:spPr>
           <a:xfrm>
-            <a:off x="3714634" y="1714500"/>
-            <a:ext cx="1714500" cy="1714500"/>
+            <a:off x="3289184" y="3429000"/>
+            <a:ext cx="2565400" cy="3429000"/>
           </a:xfrm>
           <a:prstGeom prst="rect">
             <a:avLst/>
@@ -3274,15 +3275,15 @@
           <p:nvPr/>
         </p:nvPicPr>
         <p:blipFill>
-          <a:blip r:embed="rId2"/>
+          <a:blip r:embed="rId8"/>
           <a:stretch>
             <a:fillRect/>
           </a:stretch>
         </p:blipFill>
         <p:spPr>
           <a:xfrm>
-            <a:off x="6762558" y="1714500"/>
-            <a:ext cx="1714500" cy="1714500"/>
+            <a:off x="6337108" y="3429000"/>
+            <a:ext cx="2565400" cy="3429000"/>
           </a:xfrm>
           <a:prstGeom prst="rect">
             <a:avLst/>
@@ -3298,207 +3299,15 @@
           <p:nvPr/>
         </p:nvPicPr>
         <p:blipFill>
-          <a:blip r:embed="rId2"/>
+          <a:blip r:embed="rId9"/>
           <a:stretch>
             <a:fillRect/>
           </a:stretch>
         </p:blipFill>
         <p:spPr>
           <a:xfrm>
-            <a:off x="9810482" y="1714500"/>
-            <a:ext cx="1714500" cy="1714500"/>
-          </a:xfrm>
-          <a:prstGeom prst="rect">
-            <a:avLst/>
-          </a:prstGeom>
-        </p:spPr>
-      </p:pic>
-      <p:pic>
-        <p:nvPicPr>
-          <p:cNvPr id="11" name="Picture 10" descr="image.gif"/>
-          <p:cNvPicPr>
-            <a:picLocks noChangeAspect="1"/>
-          </p:cNvPicPr>
-          <p:nvPr/>
-        </p:nvPicPr>
-        <p:blipFill>
-          <a:blip r:embed="rId2"/>
-          <a:stretch>
-            <a:fillRect/>
-          </a:stretch>
-        </p:blipFill>
-        <p:spPr>
-          <a:xfrm>
-            <a:off x="666711" y="3429000"/>
-            <a:ext cx="1714500" cy="1714500"/>
-          </a:xfrm>
-          <a:prstGeom prst="rect">
-            <a:avLst/>
-          </a:prstGeom>
-        </p:spPr>
-      </p:pic>
-      <p:pic>
-        <p:nvPicPr>
-          <p:cNvPr id="12" name="Picture 11" descr="image.gif"/>
-          <p:cNvPicPr>
-            <a:picLocks noChangeAspect="1"/>
-          </p:cNvPicPr>
-          <p:nvPr/>
-        </p:nvPicPr>
-        <p:blipFill>
-          <a:blip r:embed="rId2"/>
-          <a:stretch>
-            <a:fillRect/>
-          </a:stretch>
-        </p:blipFill>
-        <p:spPr>
-          <a:xfrm>
-            <a:off x="3714634" y="3429000"/>
-            <a:ext cx="1714500" cy="1714500"/>
-          </a:xfrm>
-          <a:prstGeom prst="rect">
-            <a:avLst/>
-          </a:prstGeom>
-        </p:spPr>
-      </p:pic>
-      <p:pic>
-        <p:nvPicPr>
-          <p:cNvPr id="13" name="Picture 12" descr="image.gif"/>
-          <p:cNvPicPr>
-            <a:picLocks noChangeAspect="1"/>
-          </p:cNvPicPr>
-          <p:nvPr/>
-        </p:nvPicPr>
-        <p:blipFill>
-          <a:blip r:embed="rId2"/>
-          <a:stretch>
-            <a:fillRect/>
-          </a:stretch>
-        </p:blipFill>
-        <p:spPr>
-          <a:xfrm>
-            <a:off x="6762558" y="3429000"/>
-            <a:ext cx="1714500" cy="1714500"/>
-          </a:xfrm>
-          <a:prstGeom prst="rect">
-            <a:avLst/>
-          </a:prstGeom>
-        </p:spPr>
-      </p:pic>
-      <p:pic>
-        <p:nvPicPr>
-          <p:cNvPr id="14" name="Picture 13" descr="image.gif"/>
-          <p:cNvPicPr>
-            <a:picLocks noChangeAspect="1"/>
-          </p:cNvPicPr>
-          <p:nvPr/>
-        </p:nvPicPr>
-        <p:blipFill>
-          <a:blip r:embed="rId2"/>
-          <a:stretch>
-            <a:fillRect/>
-          </a:stretch>
-        </p:blipFill>
-        <p:spPr>
-          <a:xfrm>
-            <a:off x="9810482" y="3429000"/>
-            <a:ext cx="1714500" cy="1714500"/>
-          </a:xfrm>
-          <a:prstGeom prst="rect">
-            <a:avLst/>
-          </a:prstGeom>
-        </p:spPr>
-      </p:pic>
-      <p:pic>
-        <p:nvPicPr>
-          <p:cNvPr id="15" name="Picture 14" descr="image.gif"/>
-          <p:cNvPicPr>
-            <a:picLocks noChangeAspect="1"/>
-          </p:cNvPicPr>
-          <p:nvPr/>
-        </p:nvPicPr>
-        <p:blipFill>
-          <a:blip r:embed="rId2"/>
-          <a:stretch>
-            <a:fillRect/>
-          </a:stretch>
-        </p:blipFill>
-        <p:spPr>
-          <a:xfrm>
-            <a:off x="666711" y="5143500"/>
-            <a:ext cx="1714500" cy="1714500"/>
-          </a:xfrm>
-          <a:prstGeom prst="rect">
-            <a:avLst/>
-          </a:prstGeom>
-        </p:spPr>
-      </p:pic>
-      <p:pic>
-        <p:nvPicPr>
-          <p:cNvPr id="16" name="Picture 15" descr="image.gif"/>
-          <p:cNvPicPr>
-            <a:picLocks noChangeAspect="1"/>
-          </p:cNvPicPr>
-          <p:nvPr/>
-        </p:nvPicPr>
-        <p:blipFill>
-          <a:blip r:embed="rId2"/>
-          <a:stretch>
-            <a:fillRect/>
-          </a:stretch>
-        </p:blipFill>
-        <p:spPr>
-          <a:xfrm>
-            <a:off x="3714634" y="5143500"/>
-            <a:ext cx="1714500" cy="1714500"/>
-          </a:xfrm>
-          <a:prstGeom prst="rect">
-            <a:avLst/>
-          </a:prstGeom>
-        </p:spPr>
-      </p:pic>
-      <p:pic>
-        <p:nvPicPr>
-          <p:cNvPr id="17" name="Picture 16" descr="image.gif"/>
-          <p:cNvPicPr>
-            <a:picLocks noChangeAspect="1"/>
-          </p:cNvPicPr>
-          <p:nvPr/>
-        </p:nvPicPr>
-        <p:blipFill>
-          <a:blip r:embed="rId2"/>
-          <a:stretch>
-            <a:fillRect/>
-          </a:stretch>
-        </p:blipFill>
-        <p:spPr>
-          <a:xfrm>
-            <a:off x="6762558" y="5143500"/>
-            <a:ext cx="1714500" cy="1714500"/>
-          </a:xfrm>
-          <a:prstGeom prst="rect">
-            <a:avLst/>
-          </a:prstGeom>
-        </p:spPr>
-      </p:pic>
-      <p:pic>
-        <p:nvPicPr>
-          <p:cNvPr id="18" name="Picture 17" descr="image.gif"/>
-          <p:cNvPicPr>
-            <a:picLocks noChangeAspect="1"/>
-          </p:cNvPicPr>
-          <p:nvPr/>
-        </p:nvPicPr>
-        <p:blipFill>
-          <a:blip r:embed="rId2"/>
-          <a:stretch>
-            <a:fillRect/>
-          </a:stretch>
-        </p:blipFill>
-        <p:spPr>
-          <a:xfrm>
-            <a:off x="9810482" y="5143500"/>
-            <a:ext cx="1714500" cy="1714500"/>
+            <a:off x="9385032" y="3429000"/>
+            <a:ext cx="2565400" cy="3429000"/>
           </a:xfrm>
           <a:prstGeom prst="rect">
             <a:avLst/>
@@ -3571,8 +3380,8 @@
         </p:blipFill>
         <p:spPr>
           <a:xfrm>
-            <a:off x="666711" y="0"/>
-            <a:ext cx="1714500" cy="1714500"/>
+            <a:off x="241261" y="0"/>
+            <a:ext cx="2565400" cy="3429000"/>
           </a:xfrm>
           <a:prstGeom prst="rect">
             <a:avLst/>
@@ -3582,6 +3391,224 @@
       <p:pic>
         <p:nvPicPr>
           <p:cNvPr id="4" name="Picture 3" descr="image.gif"/>
+          <p:cNvPicPr>
+            <a:picLocks noChangeAspect="1"/>
+          </p:cNvPicPr>
+          <p:nvPr/>
+        </p:nvPicPr>
+        <p:blipFill>
+          <a:blip r:embed="rId3"/>
+          <a:stretch>
+            <a:fillRect/>
+          </a:stretch>
+        </p:blipFill>
+        <p:spPr>
+          <a:xfrm>
+            <a:off x="3047885" y="0"/>
+            <a:ext cx="3048000" cy="2286000"/>
+          </a:xfrm>
+          <a:prstGeom prst="rect">
+            <a:avLst/>
+          </a:prstGeom>
+        </p:spPr>
+      </p:pic>
+      <p:pic>
+        <p:nvPicPr>
+          <p:cNvPr id="5" name="Picture 4" descr="image.gif"/>
+          <p:cNvPicPr>
+            <a:picLocks noChangeAspect="1"/>
+          </p:cNvPicPr>
+          <p:nvPr/>
+        </p:nvPicPr>
+        <p:blipFill>
+          <a:blip r:embed="rId4"/>
+          <a:stretch>
+            <a:fillRect/>
+          </a:stretch>
+        </p:blipFill>
+        <p:spPr>
+          <a:xfrm>
+            <a:off x="6337108" y="0"/>
+            <a:ext cx="2565400" cy="3429000"/>
+          </a:xfrm>
+          <a:prstGeom prst="rect">
+            <a:avLst/>
+          </a:prstGeom>
+        </p:spPr>
+      </p:pic>
+      <p:pic>
+        <p:nvPicPr>
+          <p:cNvPr id="6" name="Picture 5" descr="image.gif"/>
+          <p:cNvPicPr>
+            <a:picLocks noChangeAspect="1"/>
+          </p:cNvPicPr>
+          <p:nvPr/>
+        </p:nvPicPr>
+        <p:blipFill>
+          <a:blip r:embed="rId5"/>
+          <a:stretch>
+            <a:fillRect/>
+          </a:stretch>
+        </p:blipFill>
+        <p:spPr>
+          <a:xfrm>
+            <a:off x="9143733" y="0"/>
+            <a:ext cx="3048000" cy="2286000"/>
+          </a:xfrm>
+          <a:prstGeom prst="rect">
+            <a:avLst/>
+          </a:prstGeom>
+        </p:spPr>
+      </p:pic>
+      <p:pic>
+        <p:nvPicPr>
+          <p:cNvPr id="7" name="Picture 6" descr="image.gif"/>
+          <p:cNvPicPr>
+            <a:picLocks noChangeAspect="1"/>
+          </p:cNvPicPr>
+          <p:nvPr/>
+        </p:nvPicPr>
+        <p:blipFill>
+          <a:blip r:embed="rId6"/>
+          <a:stretch>
+            <a:fillRect/>
+          </a:stretch>
+        </p:blipFill>
+        <p:spPr>
+          <a:xfrm>
+            <a:off x="-38" y="4572000"/>
+            <a:ext cx="3048000" cy="2286000"/>
+          </a:xfrm>
+          <a:prstGeom prst="rect">
+            <a:avLst/>
+          </a:prstGeom>
+        </p:spPr>
+      </p:pic>
+      <p:pic>
+        <p:nvPicPr>
+          <p:cNvPr id="8" name="Picture 7" descr="image.gif"/>
+          <p:cNvPicPr>
+            <a:picLocks noChangeAspect="1"/>
+          </p:cNvPicPr>
+          <p:nvPr/>
+        </p:nvPicPr>
+        <p:blipFill>
+          <a:blip r:embed="rId7"/>
+          <a:stretch>
+            <a:fillRect/>
+          </a:stretch>
+        </p:blipFill>
+        <p:spPr>
+          <a:xfrm>
+            <a:off x="3289184" y="3429000"/>
+            <a:ext cx="2565400" cy="3429000"/>
+          </a:xfrm>
+          <a:prstGeom prst="rect">
+            <a:avLst/>
+          </a:prstGeom>
+        </p:spPr>
+      </p:pic>
+      <p:pic>
+        <p:nvPicPr>
+          <p:cNvPr id="9" name="Picture 8" descr="image.gif"/>
+          <p:cNvPicPr>
+            <a:picLocks noChangeAspect="1"/>
+          </p:cNvPicPr>
+          <p:nvPr/>
+        </p:nvPicPr>
+        <p:blipFill>
+          <a:blip r:embed="rId8"/>
+          <a:stretch>
+            <a:fillRect/>
+          </a:stretch>
+        </p:blipFill>
+        <p:spPr>
+          <a:xfrm>
+            <a:off x="6337108" y="3429000"/>
+            <a:ext cx="2565400" cy="3429000"/>
+          </a:xfrm>
+          <a:prstGeom prst="rect">
+            <a:avLst/>
+          </a:prstGeom>
+        </p:spPr>
+      </p:pic>
+      <p:pic>
+        <p:nvPicPr>
+          <p:cNvPr id="10" name="Picture 9" descr="image.gif"/>
+          <p:cNvPicPr>
+            <a:picLocks noChangeAspect="1"/>
+          </p:cNvPicPr>
+          <p:nvPr/>
+        </p:nvPicPr>
+        <p:blipFill>
+          <a:blip r:embed="rId9"/>
+          <a:stretch>
+            <a:fillRect/>
+          </a:stretch>
+        </p:blipFill>
+        <p:spPr>
+          <a:xfrm>
+            <a:off x="9385032" y="3429000"/>
+            <a:ext cx="2565400" cy="3429000"/>
+          </a:xfrm>
+          <a:prstGeom prst="rect">
+            <a:avLst/>
+          </a:prstGeom>
+        </p:spPr>
+      </p:pic>
+    </p:spTree>
+  </p:cSld>
+  <p:clrMapOvr>
+    <a:masterClrMapping/>
+  </p:clrMapOvr>
+</p:sld>
+</file>
+
+<file path=ppt/slides/slide3.xml><?xml version="1.0" encoding="utf-8"?>
+<p:sld xmlns:a="http://schemas.openxmlformats.org/drawingml/2006/main" xmlns:p="http://schemas.openxmlformats.org/presentationml/2006/main" xmlns:r="http://schemas.openxmlformats.org/officeDocument/2006/relationships">
+  <p:cSld>
+    <p:spTree>
+      <p:nvGrpSpPr>
+        <p:cNvPr id="1" name=""/>
+        <p:cNvGrpSpPr/>
+        <p:nvPr/>
+      </p:nvGrpSpPr>
+      <p:grpSpPr/>
+      <p:sp>
+        <p:nvSpPr>
+          <p:cNvPr id="2" name="TextBox 1"/>
+          <p:cNvSpPr txBox="1"/>
+          <p:nvPr/>
+        </p:nvSpPr>
+        <p:spPr>
+          <a:xfrm>
+            <a:off x="5501487" y="2880360"/>
+            <a:ext cx="914400" cy="914400"/>
+          </a:xfrm>
+          <a:prstGeom prst="rect">
+            <a:avLst/>
+          </a:prstGeom>
+          <a:noFill/>
+        </p:spPr>
+        <p:txBody>
+          <a:bodyPr wrap="none">
+            <a:spAutoFit/>
+          </a:bodyPr>
+          <a:lstStyle/>
+          <a:p/>
+          <a:p>
+            <a:pPr>
+              <a:defRPr sz="3000"/>
+            </a:pPr>
+            <a:r>
+              <a:t>Cell 2</a:t>
+            </a:r>
+          </a:p>
+        </p:txBody>
+      </p:sp>
+      <p:pic>
+        <p:nvPicPr>
+          <p:cNvPr id="3" name="Picture 2" descr="image.gif"/>
           <p:cNvPicPr>
             <a:picLocks noChangeAspect="1"/>
           </p:cNvPicPr>
@@ -3595,8 +3622,8 @@
         </p:blipFill>
         <p:spPr>
           <a:xfrm>
-            <a:off x="3714634" y="0"/>
-            <a:ext cx="1714500" cy="1714500"/>
+            <a:off x="241261" y="0"/>
+            <a:ext cx="2565400" cy="3429000"/>
           </a:xfrm>
           <a:prstGeom prst="rect">
             <a:avLst/>
@@ -3605,238 +3632,22 @@
       </p:pic>
       <p:pic>
         <p:nvPicPr>
-          <p:cNvPr id="5" name="Picture 4" descr="image.gif"/>
+          <p:cNvPr id="4" name="Picture 3" descr="image.gif"/>
           <p:cNvPicPr>
             <a:picLocks noChangeAspect="1"/>
           </p:cNvPicPr>
           <p:nvPr/>
         </p:nvPicPr>
         <p:blipFill>
-          <a:blip r:embed="rId2"/>
+          <a:blip r:embed="rId3"/>
           <a:stretch>
             <a:fillRect/>
           </a:stretch>
         </p:blipFill>
         <p:spPr>
           <a:xfrm>
-            <a:off x="6762558" y="0"/>
-            <a:ext cx="1714500" cy="1714500"/>
-          </a:xfrm>
-          <a:prstGeom prst="rect">
-            <a:avLst/>
-          </a:prstGeom>
-        </p:spPr>
-      </p:pic>
-      <p:pic>
-        <p:nvPicPr>
-          <p:cNvPr id="6" name="Picture 5" descr="image.gif"/>
-          <p:cNvPicPr>
-            <a:picLocks noChangeAspect="1"/>
-          </p:cNvPicPr>
-          <p:nvPr/>
-        </p:nvPicPr>
-        <p:blipFill>
-          <a:blip r:embed="rId2"/>
-          <a:stretch>
-            <a:fillRect/>
-          </a:stretch>
-        </p:blipFill>
-        <p:spPr>
-          <a:xfrm>
-            <a:off x="9810482" y="0"/>
-            <a:ext cx="1714500" cy="1714500"/>
-          </a:xfrm>
-          <a:prstGeom prst="rect">
-            <a:avLst/>
-          </a:prstGeom>
-        </p:spPr>
-      </p:pic>
-      <p:pic>
-        <p:nvPicPr>
-          <p:cNvPr id="7" name="Picture 6" descr="image.gif"/>
-          <p:cNvPicPr>
-            <a:picLocks noChangeAspect="1"/>
-          </p:cNvPicPr>
-          <p:nvPr/>
-        </p:nvPicPr>
-        <p:blipFill>
-          <a:blip r:embed="rId2"/>
-          <a:stretch>
-            <a:fillRect/>
-          </a:stretch>
-        </p:blipFill>
-        <p:spPr>
-          <a:xfrm>
-            <a:off x="666711" y="1714500"/>
-            <a:ext cx="1714500" cy="1714500"/>
-          </a:xfrm>
-          <a:prstGeom prst="rect">
-            <a:avLst/>
-          </a:prstGeom>
-        </p:spPr>
-      </p:pic>
-      <p:pic>
-        <p:nvPicPr>
-          <p:cNvPr id="8" name="Picture 7" descr="image.gif"/>
-          <p:cNvPicPr>
-            <a:picLocks noChangeAspect="1"/>
-          </p:cNvPicPr>
-          <p:nvPr/>
-        </p:nvPicPr>
-        <p:blipFill>
-          <a:blip r:embed="rId2"/>
-          <a:stretch>
-            <a:fillRect/>
-          </a:stretch>
-        </p:blipFill>
-        <p:spPr>
-          <a:xfrm>
-            <a:off x="3714634" y="1714500"/>
-            <a:ext cx="1714500" cy="1714500"/>
-          </a:xfrm>
-          <a:prstGeom prst="rect">
-            <a:avLst/>
-          </a:prstGeom>
-        </p:spPr>
-      </p:pic>
-      <p:pic>
-        <p:nvPicPr>
-          <p:cNvPr id="9" name="Picture 8" descr="image.gif"/>
-          <p:cNvPicPr>
-            <a:picLocks noChangeAspect="1"/>
-          </p:cNvPicPr>
-          <p:nvPr/>
-        </p:nvPicPr>
-        <p:blipFill>
-          <a:blip r:embed="rId2"/>
-          <a:stretch>
-            <a:fillRect/>
-          </a:stretch>
-        </p:blipFill>
-        <p:spPr>
-          <a:xfrm>
-            <a:off x="6762558" y="1714500"/>
-            <a:ext cx="1714500" cy="1714500"/>
-          </a:xfrm>
-          <a:prstGeom prst="rect">
-            <a:avLst/>
-          </a:prstGeom>
-        </p:spPr>
-      </p:pic>
-      <p:pic>
-        <p:nvPicPr>
-          <p:cNvPr id="10" name="Picture 9" descr="image.gif"/>
-          <p:cNvPicPr>
-            <a:picLocks noChangeAspect="1"/>
-          </p:cNvPicPr>
-          <p:nvPr/>
-        </p:nvPicPr>
-        <p:blipFill>
-          <a:blip r:embed="rId2"/>
-          <a:stretch>
-            <a:fillRect/>
-          </a:stretch>
-        </p:blipFill>
-        <p:spPr>
-          <a:xfrm>
-            <a:off x="9810482" y="1714500"/>
-            <a:ext cx="1714500" cy="1714500"/>
-          </a:xfrm>
-          <a:prstGeom prst="rect">
-            <a:avLst/>
-          </a:prstGeom>
-        </p:spPr>
-      </p:pic>
-      <p:pic>
-        <p:nvPicPr>
-          <p:cNvPr id="11" name="Picture 10" descr="image.gif"/>
-          <p:cNvPicPr>
-            <a:picLocks noChangeAspect="1"/>
-          </p:cNvPicPr>
-          <p:nvPr/>
-        </p:nvPicPr>
-        <p:blipFill>
-          <a:blip r:embed="rId2"/>
-          <a:stretch>
-            <a:fillRect/>
-          </a:stretch>
-        </p:blipFill>
-        <p:spPr>
-          <a:xfrm>
-            <a:off x="666711" y="3429000"/>
-            <a:ext cx="1714500" cy="1714500"/>
-          </a:xfrm>
-          <a:prstGeom prst="rect">
-            <a:avLst/>
-          </a:prstGeom>
-        </p:spPr>
-      </p:pic>
-      <p:pic>
-        <p:nvPicPr>
-          <p:cNvPr id="12" name="Picture 11" descr="image.gif"/>
-          <p:cNvPicPr>
-            <a:picLocks noChangeAspect="1"/>
-          </p:cNvPicPr>
-          <p:nvPr/>
-        </p:nvPicPr>
-        <p:blipFill>
-          <a:blip r:embed="rId2"/>
-          <a:stretch>
-            <a:fillRect/>
-          </a:stretch>
-        </p:blipFill>
-        <p:spPr>
-          <a:xfrm>
-            <a:off x="3714634" y="3429000"/>
-            <a:ext cx="1714500" cy="1714500"/>
-          </a:xfrm>
-          <a:prstGeom prst="rect">
-            <a:avLst/>
-          </a:prstGeom>
-        </p:spPr>
-      </p:pic>
-      <p:pic>
-        <p:nvPicPr>
-          <p:cNvPr id="13" name="Picture 12" descr="image.gif"/>
-          <p:cNvPicPr>
-            <a:picLocks noChangeAspect="1"/>
-          </p:cNvPicPr>
-          <p:nvPr/>
-        </p:nvPicPr>
-        <p:blipFill>
-          <a:blip r:embed="rId2"/>
-          <a:stretch>
-            <a:fillRect/>
-          </a:stretch>
-        </p:blipFill>
-        <p:spPr>
-          <a:xfrm>
-            <a:off x="6762558" y="3429000"/>
-            <a:ext cx="1714500" cy="1714500"/>
-          </a:xfrm>
-          <a:prstGeom prst="rect">
-            <a:avLst/>
-          </a:prstGeom>
-        </p:spPr>
-      </p:pic>
-      <p:pic>
-        <p:nvPicPr>
-          <p:cNvPr id="14" name="Picture 13" descr="image.gif"/>
-          <p:cNvPicPr>
-            <a:picLocks noChangeAspect="1"/>
-          </p:cNvPicPr>
-          <p:nvPr/>
-        </p:nvPicPr>
-        <p:blipFill>
-          <a:blip r:embed="rId2"/>
-          <a:stretch>
-            <a:fillRect/>
-          </a:stretch>
-        </p:blipFill>
-        <p:spPr>
-          <a:xfrm>
-            <a:off x="9810482" y="3429000"/>
-            <a:ext cx="1714500" cy="1714500"/>
+            <a:off x="3289184" y="0"/>
+            <a:ext cx="2565400" cy="3429000"/>
           </a:xfrm>
           <a:prstGeom prst="rect">
             <a:avLst/>

--- a/Image2ppt/Output/test.pptx
+++ b/Image2ppt/Output/test.pptx
@@ -7,8 +7,11 @@
   <p:sldIdLst>
     <p:sldId id="256" r:id="rId7"/>
     <p:sldId id="257" r:id="rId8"/>
+    <p:sldId id="258" r:id="rId9"/>
+    <p:sldId id="259" r:id="rId10"/>
+    <p:sldId id="260" r:id="rId11"/>
   </p:sldIdLst>
-  <p:sldSz cx="12191695" cy="6858000" type="screen4x3"/>
+  <p:sldSz cx="24383939" cy="13716000" type="screen4x3"/>
   <p:notesSz cx="6858000" cy="9144000"/>
   <p:defaultTextStyle>
     <a:defPPr>
@@ -3089,41 +3092,9 @@
         <p:nvPr/>
       </p:nvGrpSpPr>
       <p:grpSpPr/>
-      <p:sp>
-        <p:nvSpPr>
-          <p:cNvPr id="2" name="TextBox 1"/>
-          <p:cNvSpPr txBox="1"/>
-          <p:nvPr/>
-        </p:nvSpPr>
-        <p:spPr>
-          <a:xfrm>
-            <a:off x="5501487" y="2880360"/>
-            <a:ext cx="914400" cy="914400"/>
-          </a:xfrm>
-          <a:prstGeom prst="rect">
-            <a:avLst/>
-          </a:prstGeom>
-          <a:noFill/>
-        </p:spPr>
-        <p:txBody>
-          <a:bodyPr wrap="none">
-            <a:spAutoFit/>
-          </a:bodyPr>
-          <a:lstStyle/>
-          <a:p/>
-          <a:p>
-            <a:pPr>
-              <a:defRPr sz="3000"/>
-            </a:pPr>
-            <a:r>
-              <a:t>Cell 1</a:t>
-            </a:r>
-          </a:p>
-        </p:txBody>
-      </p:sp>
       <p:pic>
         <p:nvPicPr>
-          <p:cNvPr id="3" name="Picture 2" descr="image.gif"/>
+          <p:cNvPr id="2" name="Picture 1" descr="image.gif"/>
           <p:cNvPicPr>
             <a:picLocks noChangeAspect="1"/>
           </p:cNvPicPr>
@@ -3137,8 +3108,8 @@
         </p:blipFill>
         <p:spPr>
           <a:xfrm>
-            <a:off x="-38" y="0"/>
-            <a:ext cx="3048000" cy="3048000"/>
+            <a:off x="1066800" y="0"/>
+            <a:ext cx="3949700" cy="6858000"/>
           </a:xfrm>
           <a:prstGeom prst="rect">
             <a:avLst/>
@@ -3147,151 +3118,7 @@
       </p:pic>
       <p:pic>
         <p:nvPicPr>
-          <p:cNvPr id="4" name="Picture 3" descr="image.gif"/>
-          <p:cNvPicPr>
-            <a:picLocks noChangeAspect="1"/>
-          </p:cNvPicPr>
-          <p:nvPr/>
-        </p:nvPicPr>
-        <p:blipFill>
-          <a:blip r:embed="rId2"/>
-          <a:stretch>
-            <a:fillRect/>
-          </a:stretch>
-        </p:blipFill>
-        <p:spPr>
-          <a:xfrm>
-            <a:off x="3047885" y="0"/>
-            <a:ext cx="3048000" cy="3048000"/>
-          </a:xfrm>
-          <a:prstGeom prst="rect">
-            <a:avLst/>
-          </a:prstGeom>
-        </p:spPr>
-      </p:pic>
-      <p:pic>
-        <p:nvPicPr>
-          <p:cNvPr id="5" name="Picture 4" descr="image.gif"/>
-          <p:cNvPicPr>
-            <a:picLocks noChangeAspect="1"/>
-          </p:cNvPicPr>
-          <p:nvPr/>
-        </p:nvPicPr>
-        <p:blipFill>
-          <a:blip r:embed="rId2"/>
-          <a:stretch>
-            <a:fillRect/>
-          </a:stretch>
-        </p:blipFill>
-        <p:spPr>
-          <a:xfrm>
-            <a:off x="6095809" y="0"/>
-            <a:ext cx="3048000" cy="3048000"/>
-          </a:xfrm>
-          <a:prstGeom prst="rect">
-            <a:avLst/>
-          </a:prstGeom>
-        </p:spPr>
-      </p:pic>
-      <p:pic>
-        <p:nvPicPr>
-          <p:cNvPr id="6" name="Picture 5" descr="image.gif"/>
-          <p:cNvPicPr>
-            <a:picLocks noChangeAspect="1"/>
-          </p:cNvPicPr>
-          <p:nvPr/>
-        </p:nvPicPr>
-        <p:blipFill>
-          <a:blip r:embed="rId2"/>
-          <a:stretch>
-            <a:fillRect/>
-          </a:stretch>
-        </p:blipFill>
-        <p:spPr>
-          <a:xfrm>
-            <a:off x="9143733" y="0"/>
-            <a:ext cx="3048000" cy="3048000"/>
-          </a:xfrm>
-          <a:prstGeom prst="rect">
-            <a:avLst/>
-          </a:prstGeom>
-        </p:spPr>
-      </p:pic>
-      <p:pic>
-        <p:nvPicPr>
-          <p:cNvPr id="7" name="Picture 6" descr="image.gif"/>
-          <p:cNvPicPr>
-            <a:picLocks noChangeAspect="1"/>
-          </p:cNvPicPr>
-          <p:nvPr/>
-        </p:nvPicPr>
-        <p:blipFill>
-          <a:blip r:embed="rId2"/>
-          <a:stretch>
-            <a:fillRect/>
-          </a:stretch>
-        </p:blipFill>
-        <p:spPr>
-          <a:xfrm>
-            <a:off x="-38" y="3809999"/>
-            <a:ext cx="3048000" cy="3048000"/>
-          </a:xfrm>
-          <a:prstGeom prst="rect">
-            <a:avLst/>
-          </a:prstGeom>
-        </p:spPr>
-      </p:pic>
-      <p:pic>
-        <p:nvPicPr>
-          <p:cNvPr id="8" name="Picture 7" descr="image.gif"/>
-          <p:cNvPicPr>
-            <a:picLocks noChangeAspect="1"/>
-          </p:cNvPicPr>
-          <p:nvPr/>
-        </p:nvPicPr>
-        <p:blipFill>
-          <a:blip r:embed="rId2"/>
-          <a:stretch>
-            <a:fillRect/>
-          </a:stretch>
-        </p:blipFill>
-        <p:spPr>
-          <a:xfrm>
-            <a:off x="3047885" y="3809999"/>
-            <a:ext cx="3048000" cy="3048000"/>
-          </a:xfrm>
-          <a:prstGeom prst="rect">
-            <a:avLst/>
-          </a:prstGeom>
-        </p:spPr>
-      </p:pic>
-      <p:pic>
-        <p:nvPicPr>
-          <p:cNvPr id="9" name="Picture 8" descr="image.gif"/>
-          <p:cNvPicPr>
-            <a:picLocks noChangeAspect="1"/>
-          </p:cNvPicPr>
-          <p:nvPr/>
-        </p:nvPicPr>
-        <p:blipFill>
-          <a:blip r:embed="rId2"/>
-          <a:stretch>
-            <a:fillRect/>
-          </a:stretch>
-        </p:blipFill>
-        <p:spPr>
-          <a:xfrm>
-            <a:off x="6095809" y="3809999"/>
-            <a:ext cx="3048000" cy="3048000"/>
-          </a:xfrm>
-          <a:prstGeom prst="rect">
-            <a:avLst/>
-          </a:prstGeom>
-        </p:spPr>
-      </p:pic>
-      <p:pic>
-        <p:nvPicPr>
-          <p:cNvPr id="10" name="Picture 9" descr="image.gif"/>
+          <p:cNvPr id="3" name="Picture 2" descr="image.gif"/>
           <p:cNvPicPr>
             <a:picLocks noChangeAspect="1"/>
           </p:cNvPicPr>
@@ -3305,8 +3132,152 @@
         </p:blipFill>
         <p:spPr>
           <a:xfrm>
-            <a:off x="9683482" y="3429000"/>
-            <a:ext cx="1968500" cy="3429000"/>
+            <a:off x="6095984" y="0"/>
+            <a:ext cx="6083300" cy="6083300"/>
+          </a:xfrm>
+          <a:prstGeom prst="rect">
+            <a:avLst/>
+          </a:prstGeom>
+        </p:spPr>
+      </p:pic>
+      <p:pic>
+        <p:nvPicPr>
+          <p:cNvPr id="4" name="Picture 3" descr="image.gif"/>
+          <p:cNvPicPr>
+            <a:picLocks noChangeAspect="1"/>
+          </p:cNvPicPr>
+          <p:nvPr/>
+        </p:nvPicPr>
+        <p:blipFill>
+          <a:blip r:embed="rId3"/>
+          <a:stretch>
+            <a:fillRect/>
+          </a:stretch>
+        </p:blipFill>
+        <p:spPr>
+          <a:xfrm>
+            <a:off x="12191969" y="0"/>
+            <a:ext cx="6083300" cy="6083300"/>
+          </a:xfrm>
+          <a:prstGeom prst="rect">
+            <a:avLst/>
+          </a:prstGeom>
+        </p:spPr>
+      </p:pic>
+      <p:pic>
+        <p:nvPicPr>
+          <p:cNvPr id="5" name="Picture 4" descr="image.gif"/>
+          <p:cNvPicPr>
+            <a:picLocks noChangeAspect="1"/>
+          </p:cNvPicPr>
+          <p:nvPr/>
+        </p:nvPicPr>
+        <p:blipFill>
+          <a:blip r:embed="rId3"/>
+          <a:stretch>
+            <a:fillRect/>
+          </a:stretch>
+        </p:blipFill>
+        <p:spPr>
+          <a:xfrm>
+            <a:off x="18287954" y="0"/>
+            <a:ext cx="6083300" cy="6083300"/>
+          </a:xfrm>
+          <a:prstGeom prst="rect">
+            <a:avLst/>
+          </a:prstGeom>
+        </p:spPr>
+      </p:pic>
+      <p:pic>
+        <p:nvPicPr>
+          <p:cNvPr id="6" name="Picture 5" descr="image.gif"/>
+          <p:cNvPicPr>
+            <a:picLocks noChangeAspect="1"/>
+          </p:cNvPicPr>
+          <p:nvPr/>
+        </p:nvPicPr>
+        <p:blipFill>
+          <a:blip r:embed="rId3"/>
+          <a:stretch>
+            <a:fillRect/>
+          </a:stretch>
+        </p:blipFill>
+        <p:spPr>
+          <a:xfrm>
+            <a:off x="0" y="7632700"/>
+            <a:ext cx="6083300" cy="6083300"/>
+          </a:xfrm>
+          <a:prstGeom prst="rect">
+            <a:avLst/>
+          </a:prstGeom>
+        </p:spPr>
+      </p:pic>
+      <p:pic>
+        <p:nvPicPr>
+          <p:cNvPr id="7" name="Picture 6" descr="image.gif"/>
+          <p:cNvPicPr>
+            <a:picLocks noChangeAspect="1"/>
+          </p:cNvPicPr>
+          <p:nvPr/>
+        </p:nvPicPr>
+        <p:blipFill>
+          <a:blip r:embed="rId3"/>
+          <a:stretch>
+            <a:fillRect/>
+          </a:stretch>
+        </p:blipFill>
+        <p:spPr>
+          <a:xfrm>
+            <a:off x="6095984" y="7632700"/>
+            <a:ext cx="6083300" cy="6083300"/>
+          </a:xfrm>
+          <a:prstGeom prst="rect">
+            <a:avLst/>
+          </a:prstGeom>
+        </p:spPr>
+      </p:pic>
+      <p:pic>
+        <p:nvPicPr>
+          <p:cNvPr id="8" name="Picture 7" descr="image.gif"/>
+          <p:cNvPicPr>
+            <a:picLocks noChangeAspect="1"/>
+          </p:cNvPicPr>
+          <p:nvPr/>
+        </p:nvPicPr>
+        <p:blipFill>
+          <a:blip r:embed="rId3"/>
+          <a:stretch>
+            <a:fillRect/>
+          </a:stretch>
+        </p:blipFill>
+        <p:spPr>
+          <a:xfrm>
+            <a:off x="12191969" y="7632700"/>
+            <a:ext cx="6083300" cy="6083300"/>
+          </a:xfrm>
+          <a:prstGeom prst="rect">
+            <a:avLst/>
+          </a:prstGeom>
+        </p:spPr>
+      </p:pic>
+      <p:pic>
+        <p:nvPicPr>
+          <p:cNvPr id="9" name="Picture 8" descr="image.gif"/>
+          <p:cNvPicPr>
+            <a:picLocks noChangeAspect="1"/>
+          </p:cNvPicPr>
+          <p:nvPr/>
+        </p:nvPicPr>
+        <p:blipFill>
+          <a:blip r:embed="rId3"/>
+          <a:stretch>
+            <a:fillRect/>
+          </a:stretch>
+        </p:blipFill>
+        <p:spPr>
+          <a:xfrm>
+            <a:off x="18287954" y="7632700"/>
+            <a:ext cx="6083300" cy="6083300"/>
           </a:xfrm>
           <a:prstGeom prst="rect">
             <a:avLst/>
@@ -3331,38 +3302,117 @@
         <p:nvPr/>
       </p:nvGrpSpPr>
       <p:grpSpPr/>
-      <p:sp>
-        <p:nvSpPr>
-          <p:cNvPr id="2" name="TextBox 1"/>
-          <p:cNvSpPr txBox="1"/>
+      <p:pic>
+        <p:nvPicPr>
+          <p:cNvPr id="2" name="Picture 1" descr="image.gif"/>
+          <p:cNvPicPr>
+            <a:picLocks noChangeAspect="1"/>
+          </p:cNvPicPr>
           <p:nvPr/>
-        </p:nvSpPr>
-        <p:spPr>
-          <a:xfrm>
-            <a:off x="5501487" y="2880360"/>
-            <a:ext cx="914400" cy="914400"/>
+        </p:nvPicPr>
+        <p:blipFill>
+          <a:blip r:embed="rId2"/>
+          <a:stretch>
+            <a:fillRect/>
+          </a:stretch>
+        </p:blipFill>
+        <p:spPr>
+          <a:xfrm>
+            <a:off x="0" y="0"/>
+            <a:ext cx="6083300" cy="6083300"/>
           </a:xfrm>
           <a:prstGeom prst="rect">
             <a:avLst/>
           </a:prstGeom>
-          <a:noFill/>
-        </p:spPr>
-        <p:txBody>
-          <a:bodyPr wrap="none">
-            <a:spAutoFit/>
-          </a:bodyPr>
-          <a:lstStyle/>
-          <a:p/>
-          <a:p>
-            <a:pPr>
-              <a:defRPr sz="3000"/>
+        </p:spPr>
+      </p:pic>
+      <p:sp>
+        <p:nvSpPr>
+          <p:cNvPr id="3" name="Rounded Rectangle 2"/>
+          <p:cNvSpPr/>
+          <p:nvPr/>
+        </p:nvSpPr>
+        <p:spPr>
+          <a:xfrm>
+            <a:off x="10363169" y="6400800"/>
+            <a:ext cx="3657600" cy="914400"/>
+          </a:xfrm>
+          <a:prstGeom prst="roundRect">
+            <a:avLst/>
+          </a:prstGeom>
+          <a:solidFill>
+            <a:srgbClr val="FA6464"/>
+          </a:solidFill>
+        </p:spPr>
+        <p:style>
+          <a:lnRef idx="1">
+            <a:schemeClr val="accent1"/>
+          </a:lnRef>
+          <a:fillRef idx="3">
+            <a:schemeClr val="accent1"/>
+          </a:fillRef>
+          <a:effectRef idx="2">
+            <a:schemeClr val="accent1"/>
+          </a:effectRef>
+          <a:fontRef idx="minor">
+            <a:schemeClr val="lt1"/>
+          </a:fontRef>
+        </p:style>
+        <p:txBody>
+          <a:bodyPr rtlCol="0" anchor="ctr"/>
+          <a:lstStyle/>
+          <a:p>
+            <a:pPr algn="ctr">
+              <a:defRPr sz="1000"/>
             </a:pPr>
             <a:r>
-              <a:t>Cell 1</a:t>
-            </a:r>
-          </a:p>
-        </p:txBody>
-      </p:sp>
+              <a:t>ROUNDED_RECTANGLE</a:t>
+            </a:r>
+          </a:p>
+        </p:txBody>
+      </p:sp>
+    </p:spTree>
+  </p:cSld>
+  <p:clrMapOvr>
+    <a:masterClrMapping/>
+  </p:clrMapOvr>
+</p:sld>
+</file>
+
+<file path=ppt/slides/slide3.xml><?xml version="1.0" encoding="utf-8"?>
+<p:sld xmlns:a="http://schemas.openxmlformats.org/drawingml/2006/main" xmlns:p="http://schemas.openxmlformats.org/presentationml/2006/main" xmlns:r="http://schemas.openxmlformats.org/officeDocument/2006/relationships">
+  <p:cSld>
+    <p:spTree>
+      <p:nvGrpSpPr>
+        <p:cNvPr id="1" name=""/>
+        <p:cNvGrpSpPr/>
+        <p:nvPr/>
+      </p:nvGrpSpPr>
+      <p:grpSpPr/>
+      <p:pic>
+        <p:nvPicPr>
+          <p:cNvPr id="2" name="Picture 1" descr="image.gif"/>
+          <p:cNvPicPr>
+            <a:picLocks noChangeAspect="1"/>
+          </p:cNvPicPr>
+          <p:nvPr/>
+        </p:nvPicPr>
+        <p:blipFill>
+          <a:blip r:embed="rId2"/>
+          <a:stretch>
+            <a:fillRect/>
+          </a:stretch>
+        </p:blipFill>
+        <p:spPr>
+          <a:xfrm>
+            <a:off x="0" y="0"/>
+            <a:ext cx="6083300" cy="6083300"/>
+          </a:xfrm>
+          <a:prstGeom prst="rect">
+            <a:avLst/>
+          </a:prstGeom>
+        </p:spPr>
+      </p:pic>
       <p:pic>
         <p:nvPicPr>
           <p:cNvPr id="3" name="Picture 2" descr="image.gif"/>
@@ -3379,8 +3429,8 @@
         </p:blipFill>
         <p:spPr>
           <a:xfrm>
-            <a:off x="241261" y="0"/>
-            <a:ext cx="2565400" cy="3429000"/>
+            <a:off x="6095984" y="0"/>
+            <a:ext cx="6083300" cy="6083300"/>
           </a:xfrm>
           <a:prstGeom prst="rect">
             <a:avLst/>
@@ -3396,15 +3446,15 @@
           <p:nvPr/>
         </p:nvPicPr>
         <p:blipFill>
-          <a:blip r:embed="rId3"/>
+          <a:blip r:embed="rId2"/>
           <a:stretch>
             <a:fillRect/>
           </a:stretch>
         </p:blipFill>
         <p:spPr>
           <a:xfrm>
-            <a:off x="3047885" y="0"/>
-            <a:ext cx="3048000" cy="2286000"/>
+            <a:off x="12191969" y="0"/>
+            <a:ext cx="6083300" cy="6083300"/>
           </a:xfrm>
           <a:prstGeom prst="rect">
             <a:avLst/>
@@ -3420,15 +3470,15 @@
           <p:nvPr/>
         </p:nvPicPr>
         <p:blipFill>
-          <a:blip r:embed="rId4"/>
+          <a:blip r:embed="rId2"/>
           <a:stretch>
             <a:fillRect/>
           </a:stretch>
         </p:blipFill>
         <p:spPr>
           <a:xfrm>
-            <a:off x="6337108" y="0"/>
-            <a:ext cx="2565400" cy="3429000"/>
+            <a:off x="18287954" y="0"/>
+            <a:ext cx="6083300" cy="6083300"/>
           </a:xfrm>
           <a:prstGeom prst="rect">
             <a:avLst/>
@@ -3444,15 +3494,15 @@
           <p:nvPr/>
         </p:nvPicPr>
         <p:blipFill>
-          <a:blip r:embed="rId5"/>
+          <a:blip r:embed="rId2"/>
           <a:stretch>
             <a:fillRect/>
           </a:stretch>
         </p:blipFill>
         <p:spPr>
           <a:xfrm>
-            <a:off x="9385032" y="0"/>
-            <a:ext cx="2565400" cy="3429000"/>
+            <a:off x="0" y="7632700"/>
+            <a:ext cx="6083300" cy="6083300"/>
           </a:xfrm>
           <a:prstGeom prst="rect">
             <a:avLst/>
@@ -3468,15 +3518,15 @@
           <p:nvPr/>
         </p:nvPicPr>
         <p:blipFill>
-          <a:blip r:embed="rId6"/>
+          <a:blip r:embed="rId2"/>
           <a:stretch>
             <a:fillRect/>
           </a:stretch>
         </p:blipFill>
         <p:spPr>
           <a:xfrm>
-            <a:off x="-38" y="4572000"/>
-            <a:ext cx="3048000" cy="2286000"/>
+            <a:off x="6095984" y="7632700"/>
+            <a:ext cx="6083300" cy="6083300"/>
           </a:xfrm>
           <a:prstGeom prst="rect">
             <a:avLst/>
@@ -3492,15 +3542,15 @@
           <p:nvPr/>
         </p:nvPicPr>
         <p:blipFill>
-          <a:blip r:embed="rId7"/>
+          <a:blip r:embed="rId2"/>
           <a:stretch>
             <a:fillRect/>
           </a:stretch>
         </p:blipFill>
         <p:spPr>
           <a:xfrm>
-            <a:off x="3047885" y="4572000"/>
-            <a:ext cx="3048000" cy="2286000"/>
+            <a:off x="12191969" y="7632700"/>
+            <a:ext cx="6083300" cy="6083300"/>
           </a:xfrm>
           <a:prstGeom prst="rect">
             <a:avLst/>
@@ -3523,17 +3573,146 @@
         </p:blipFill>
         <p:spPr>
           <a:xfrm>
-            <a:off x="6337108" y="3429000"/>
-            <a:ext cx="2565400" cy="3429000"/>
+            <a:off x="18287954" y="7632700"/>
+            <a:ext cx="6083300" cy="6083300"/>
           </a:xfrm>
           <a:prstGeom prst="rect">
             <a:avLst/>
           </a:prstGeom>
         </p:spPr>
       </p:pic>
+    </p:spTree>
+  </p:cSld>
+  <p:clrMapOvr>
+    <a:masterClrMapping/>
+  </p:clrMapOvr>
+</p:sld>
+</file>
+
+<file path=ppt/slides/slide4.xml><?xml version="1.0" encoding="utf-8"?>
+<p:sld xmlns:a="http://schemas.openxmlformats.org/drawingml/2006/main" xmlns:p="http://schemas.openxmlformats.org/presentationml/2006/main" xmlns:r="http://schemas.openxmlformats.org/officeDocument/2006/relationships">
+  <p:cSld>
+    <p:spTree>
+      <p:nvGrpSpPr>
+        <p:cNvPr id="1" name=""/>
+        <p:cNvGrpSpPr/>
+        <p:nvPr/>
+      </p:nvGrpSpPr>
+      <p:grpSpPr/>
       <p:pic>
         <p:nvPicPr>
-          <p:cNvPr id="10" name="Picture 9" descr="image.gif"/>
+          <p:cNvPr id="2" name="Picture 1" descr="image.gif"/>
+          <p:cNvPicPr>
+            <a:picLocks noChangeAspect="1"/>
+          </p:cNvPicPr>
+          <p:nvPr/>
+        </p:nvPicPr>
+        <p:blipFill>
+          <a:blip r:embed="rId2"/>
+          <a:stretch>
+            <a:fillRect/>
+          </a:stretch>
+        </p:blipFill>
+        <p:spPr>
+          <a:xfrm>
+            <a:off x="0" y="0"/>
+            <a:ext cx="6083300" cy="4559300"/>
+          </a:xfrm>
+          <a:prstGeom prst="rect">
+            <a:avLst/>
+          </a:prstGeom>
+        </p:spPr>
+      </p:pic>
+      <p:sp>
+        <p:nvSpPr>
+          <p:cNvPr id="3" name="Rounded Rectangle 2"/>
+          <p:cNvSpPr/>
+          <p:nvPr/>
+        </p:nvSpPr>
+        <p:spPr>
+          <a:xfrm>
+            <a:off x="10363169" y="6400800"/>
+            <a:ext cx="3657600" cy="914400"/>
+          </a:xfrm>
+          <a:prstGeom prst="roundRect">
+            <a:avLst/>
+          </a:prstGeom>
+          <a:solidFill>
+            <a:srgbClr val="FA6464"/>
+          </a:solidFill>
+        </p:spPr>
+        <p:style>
+          <a:lnRef idx="1">
+            <a:schemeClr val="accent1"/>
+          </a:lnRef>
+          <a:fillRef idx="3">
+            <a:schemeClr val="accent1"/>
+          </a:fillRef>
+          <a:effectRef idx="2">
+            <a:schemeClr val="accent1"/>
+          </a:effectRef>
+          <a:fontRef idx="minor">
+            <a:schemeClr val="lt1"/>
+          </a:fontRef>
+        </p:style>
+        <p:txBody>
+          <a:bodyPr rtlCol="0" anchor="ctr"/>
+          <a:lstStyle/>
+          <a:p>
+            <a:pPr algn="ctr">
+              <a:defRPr sz="1000"/>
+            </a:pPr>
+            <a:r>
+              <a:t>ROUNDED_RECTANGLE</a:t>
+            </a:r>
+          </a:p>
+        </p:txBody>
+      </p:sp>
+    </p:spTree>
+  </p:cSld>
+  <p:clrMapOvr>
+    <a:masterClrMapping/>
+  </p:clrMapOvr>
+</p:sld>
+</file>
+
+<file path=ppt/slides/slide5.xml><?xml version="1.0" encoding="utf-8"?>
+<p:sld xmlns:a="http://schemas.openxmlformats.org/drawingml/2006/main" xmlns:p="http://schemas.openxmlformats.org/presentationml/2006/main" xmlns:r="http://schemas.openxmlformats.org/officeDocument/2006/relationships">
+  <p:cSld>
+    <p:spTree>
+      <p:nvGrpSpPr>
+        <p:cNvPr id="1" name=""/>
+        <p:cNvGrpSpPr/>
+        <p:nvPr/>
+      </p:nvGrpSpPr>
+      <p:grpSpPr/>
+      <p:pic>
+        <p:nvPicPr>
+          <p:cNvPr id="2" name="Picture 1" descr="image.gif"/>
+          <p:cNvPicPr>
+            <a:picLocks noChangeAspect="1"/>
+          </p:cNvPicPr>
+          <p:nvPr/>
+        </p:nvPicPr>
+        <p:blipFill>
+          <a:blip r:embed="rId2"/>
+          <a:stretch>
+            <a:fillRect/>
+          </a:stretch>
+        </p:blipFill>
+        <p:spPr>
+          <a:xfrm>
+            <a:off x="469900" y="0"/>
+            <a:ext cx="5143500" cy="6858000"/>
+          </a:xfrm>
+          <a:prstGeom prst="rect">
+            <a:avLst/>
+          </a:prstGeom>
+        </p:spPr>
+      </p:pic>
+      <p:pic>
+        <p:nvPicPr>
+          <p:cNvPr id="3" name="Picture 2" descr="image.gif"/>
           <p:cNvPicPr>
             <a:picLocks noChangeAspect="1"/>
           </p:cNvPicPr>
@@ -3547,23 +3726,143 @@
         </p:blipFill>
         <p:spPr>
           <a:xfrm>
-            <a:off x="9143733" y="4572000"/>
-            <a:ext cx="3048000" cy="2286000"/>
+            <a:off x="6095984" y="0"/>
+            <a:ext cx="6083300" cy="4559300"/>
           </a:xfrm>
           <a:prstGeom prst="rect">
             <a:avLst/>
           </a:prstGeom>
         </p:spPr>
       </p:pic>
-      <p:sp>
-        <p:nvSpPr>
-          <p:cNvPr id="11" name="Rounded Rectangle 10"/>
+      <p:pic>
+        <p:nvPicPr>
+          <p:cNvPr id="4" name="Picture 3" descr="image.gif"/>
+          <p:cNvPicPr>
+            <a:picLocks noChangeAspect="1"/>
+          </p:cNvPicPr>
+          <p:nvPr/>
+        </p:nvPicPr>
+        <p:blipFill>
+          <a:blip r:embed="rId4"/>
+          <a:stretch>
+            <a:fillRect/>
+          </a:stretch>
+        </p:blipFill>
+        <p:spPr>
+          <a:xfrm>
+            <a:off x="12191969" y="0"/>
+            <a:ext cx="6083300" cy="4559300"/>
+          </a:xfrm>
+          <a:prstGeom prst="rect">
+            <a:avLst/>
+          </a:prstGeom>
+        </p:spPr>
+      </p:pic>
+      <p:pic>
+        <p:nvPicPr>
+          <p:cNvPr id="5" name="Picture 4" descr="image.gif"/>
+          <p:cNvPicPr>
+            <a:picLocks noChangeAspect="1"/>
+          </p:cNvPicPr>
+          <p:nvPr/>
+        </p:nvPicPr>
+        <p:blipFill>
+          <a:blip r:embed="rId5"/>
+          <a:stretch>
+            <a:fillRect/>
+          </a:stretch>
+        </p:blipFill>
+        <p:spPr>
+          <a:xfrm>
+            <a:off x="18757854" y="0"/>
+            <a:ext cx="5143500" cy="6858000"/>
+          </a:xfrm>
+          <a:prstGeom prst="rect">
+            <a:avLst/>
+          </a:prstGeom>
+        </p:spPr>
+      </p:pic>
+      <p:pic>
+        <p:nvPicPr>
+          <p:cNvPr id="6" name="Picture 5" descr="image.gif"/>
+          <p:cNvPicPr>
+            <a:picLocks noChangeAspect="1"/>
+          </p:cNvPicPr>
+          <p:nvPr/>
+        </p:nvPicPr>
+        <p:blipFill>
+          <a:blip r:embed="rId6"/>
+          <a:stretch>
+            <a:fillRect/>
+          </a:stretch>
+        </p:blipFill>
+        <p:spPr>
+          <a:xfrm>
+            <a:off x="469900" y="6858000"/>
+            <a:ext cx="5143500" cy="6858000"/>
+          </a:xfrm>
+          <a:prstGeom prst="rect">
+            <a:avLst/>
+          </a:prstGeom>
+        </p:spPr>
+      </p:pic>
+      <p:pic>
+        <p:nvPicPr>
+          <p:cNvPr id="7" name="Picture 6" descr="image.gif"/>
+          <p:cNvPicPr>
+            <a:picLocks noChangeAspect="1"/>
+          </p:cNvPicPr>
+          <p:nvPr/>
+        </p:nvPicPr>
+        <p:blipFill>
+          <a:blip r:embed="rId7"/>
+          <a:stretch>
+            <a:fillRect/>
+          </a:stretch>
+        </p:blipFill>
+        <p:spPr>
+          <a:xfrm>
+            <a:off x="6095984" y="9156700"/>
+            <a:ext cx="6083300" cy="4559300"/>
+          </a:xfrm>
+          <a:prstGeom prst="rect">
+            <a:avLst/>
+          </a:prstGeom>
+        </p:spPr>
+      </p:pic>
+      <p:pic>
+        <p:nvPicPr>
+          <p:cNvPr id="8" name="Picture 7" descr="image.gif"/>
+          <p:cNvPicPr>
+            <a:picLocks noChangeAspect="1"/>
+          </p:cNvPicPr>
+          <p:nvPr/>
+        </p:nvPicPr>
+        <p:blipFill>
+          <a:blip r:embed="rId2"/>
+          <a:stretch>
+            <a:fillRect/>
+          </a:stretch>
+        </p:blipFill>
+        <p:spPr>
+          <a:xfrm>
+            <a:off x="12661869" y="6858000"/>
+            <a:ext cx="5143500" cy="6858000"/>
+          </a:xfrm>
+          <a:prstGeom prst="rect">
+            <a:avLst/>
+          </a:prstGeom>
+        </p:spPr>
+      </p:pic>
+      <p:sp>
+        <p:nvSpPr>
+          <p:cNvPr id="9" name="Rounded Rectangle 8"/>
           <p:cNvSpPr/>
           <p:nvPr/>
         </p:nvSpPr>
         <p:spPr>
           <a:xfrm>
-            <a:off x="4267047" y="2971800"/>
+            <a:off x="10363169" y="6400800"/>
             <a:ext cx="3657600" cy="914400"/>
           </a:xfrm>
           <a:prstGeom prst="roundRect">

--- a/Image2ppt/Output/test.pptx
+++ b/Image2ppt/Output/test.pptx
@@ -105,6 +105,461 @@
     </a:lvl9pPr>
   </p:defaultTextStyle>
 </p:presentation>
+</file>
+
+<file path=ppt/notesMasters/notesMaster1.xml><?xml version="1.0" encoding="utf-8"?>
+<p:notesMaster xmlns:a="http://schemas.openxmlformats.org/drawingml/2006/main" xmlns:p="http://schemas.openxmlformats.org/presentationml/2006/main" xmlns:r="http://schemas.openxmlformats.org/officeDocument/2006/relationships">
+  <p:cSld>
+    <p:bg>
+      <p:bgRef idx="1001">
+        <a:schemeClr val="bg1"/>
+      </p:bgRef>
+    </p:bg>
+    <p:spTree>
+      <p:nvGrpSpPr>
+        <p:cNvPr id="1" name=""/>
+        <p:cNvGrpSpPr/>
+        <p:nvPr/>
+      </p:nvGrpSpPr>
+      <p:grpSpPr>
+        <a:xfrm>
+          <a:off x="0" y="0"/>
+          <a:ext cx="0" cy="0"/>
+          <a:chOff x="0" y="0"/>
+          <a:chExt cx="0" cy="0"/>
+        </a:xfrm>
+      </p:grpSpPr>
+      <p:sp>
+        <p:nvSpPr>
+          <p:cNvPr id="2" name="Header Placeholder 1"/>
+          <p:cNvSpPr>
+            <a:spLocks noGrp="1"/>
+          </p:cNvSpPr>
+          <p:nvPr>
+            <p:ph type="hdr" sz="quarter"/>
+          </p:nvPr>
+        </p:nvSpPr>
+        <p:spPr>
+          <a:xfrm>
+            <a:off x="0" y="0"/>
+            <a:ext cx="2971800" cy="457200"/>
+          </a:xfrm>
+          <a:prstGeom prst="rect">
+            <a:avLst/>
+          </a:prstGeom>
+        </p:spPr>
+        <p:txBody>
+          <a:bodyPr vert="horz" lIns="91440" tIns="45720" rIns="91440" bIns="45720" rtlCol="0"/>
+          <a:lstStyle>
+            <a:lvl1pPr algn="l">
+              <a:defRPr sz="1200"/>
+            </a:lvl1pPr>
+          </a:lstStyle>
+          <a:p>
+            <a:endParaRPr lang="en-US"/>
+          </a:p>
+        </p:txBody>
+      </p:sp>
+      <p:sp>
+        <p:nvSpPr>
+          <p:cNvPr id="3" name="Date Placeholder 2"/>
+          <p:cNvSpPr>
+            <a:spLocks noGrp="1"/>
+          </p:cNvSpPr>
+          <p:nvPr>
+            <p:ph type="dt" idx="1"/>
+          </p:nvPr>
+        </p:nvSpPr>
+        <p:spPr>
+          <a:xfrm>
+            <a:off x="3884613" y="0"/>
+            <a:ext cx="2971800" cy="457200"/>
+          </a:xfrm>
+          <a:prstGeom prst="rect">
+            <a:avLst/>
+          </a:prstGeom>
+        </p:spPr>
+        <p:txBody>
+          <a:bodyPr vert="horz" lIns="91440" tIns="45720" rIns="91440" bIns="45720" rtlCol="0"/>
+          <a:lstStyle>
+            <a:lvl1pPr algn="r">
+              <a:defRPr sz="1200"/>
+            </a:lvl1pPr>
+          </a:lstStyle>
+          <a:p>
+            <a:fld id="{0F89C1C7-3DCD-1040-A9CF-14679D8B5DDD}" type="datetimeFigureOut">
+              <a:rPr lang="en-US" smtClean="0"/>
+              <a:t>10/17/16</a:t>
+            </a:fld>
+            <a:endParaRPr lang="en-US"/>
+          </a:p>
+        </p:txBody>
+      </p:sp>
+      <p:sp>
+        <p:nvSpPr>
+          <p:cNvPr id="4" name="Slide Image Placeholder 3"/>
+          <p:cNvSpPr>
+            <a:spLocks noGrp="1" noRot="1" noChangeAspect="1"/>
+          </p:cNvSpPr>
+          <p:nvPr>
+            <p:ph type="sldImg" idx="2"/>
+          </p:nvPr>
+        </p:nvSpPr>
+        <p:spPr>
+          <a:xfrm>
+            <a:off x="1143000" y="685800"/>
+            <a:ext cx="4572000" cy="3429000"/>
+          </a:xfrm>
+          <a:prstGeom prst="rect">
+            <a:avLst/>
+          </a:prstGeom>
+          <a:noFill/>
+          <a:ln w="12700">
+            <a:solidFill>
+              <a:prstClr val="black"/>
+            </a:solidFill>
+          </a:ln>
+        </p:spPr>
+        <p:txBody>
+          <a:bodyPr vert="horz" lIns="91440" tIns="45720" rIns="91440" bIns="45720" rtlCol="0" anchor="ctr"/>
+          <a:lstStyle/>
+          <a:p>
+            <a:endParaRPr lang="en-US"/>
+          </a:p>
+        </p:txBody>
+      </p:sp>
+      <p:sp>
+        <p:nvSpPr>
+          <p:cNvPr id="5" name="Notes Placeholder 4"/>
+          <p:cNvSpPr>
+            <a:spLocks noGrp="1"/>
+          </p:cNvSpPr>
+          <p:nvPr>
+            <p:ph type="body" sz="quarter" idx="3"/>
+          </p:nvPr>
+        </p:nvSpPr>
+        <p:spPr>
+          <a:xfrm>
+            <a:off x="685800" y="4343400"/>
+            <a:ext cx="5486400" cy="4114800"/>
+          </a:xfrm>
+          <a:prstGeom prst="rect">
+            <a:avLst/>
+          </a:prstGeom>
+        </p:spPr>
+        <p:txBody>
+          <a:bodyPr vert="horz" lIns="91440" tIns="45720" rIns="91440" bIns="45720" rtlCol="0"/>
+          <a:lstStyle/>
+          <a:p>
+            <a:pPr lvl="0"/>
+            <a:r>
+              <a:rPr lang="en-US" smtClean="0"/>
+              <a:t>Click to edit Master text styles</a:t>
+            </a:r>
+          </a:p>
+          <a:p>
+            <a:pPr lvl="1"/>
+            <a:r>
+              <a:rPr lang="en-US" smtClean="0"/>
+              <a:t>Second level</a:t>
+            </a:r>
+          </a:p>
+          <a:p>
+            <a:pPr lvl="2"/>
+            <a:r>
+              <a:rPr lang="en-US" smtClean="0"/>
+              <a:t>Third level</a:t>
+            </a:r>
+          </a:p>
+          <a:p>
+            <a:pPr lvl="3"/>
+            <a:r>
+              <a:rPr lang="en-US" smtClean="0"/>
+              <a:t>Fourth level</a:t>
+            </a:r>
+          </a:p>
+          <a:p>
+            <a:pPr lvl="4"/>
+            <a:r>
+              <a:rPr lang="en-US" smtClean="0"/>
+              <a:t>Fifth level</a:t>
+            </a:r>
+            <a:endParaRPr lang="en-US"/>
+          </a:p>
+        </p:txBody>
+      </p:sp>
+      <p:sp>
+        <p:nvSpPr>
+          <p:cNvPr id="6" name="Footer Placeholder 5"/>
+          <p:cNvSpPr>
+            <a:spLocks noGrp="1"/>
+          </p:cNvSpPr>
+          <p:nvPr>
+            <p:ph type="ftr" sz="quarter" idx="4"/>
+          </p:nvPr>
+        </p:nvSpPr>
+        <p:spPr>
+          <a:xfrm>
+            <a:off x="0" y="8685213"/>
+            <a:ext cx="2971800" cy="457200"/>
+          </a:xfrm>
+          <a:prstGeom prst="rect">
+            <a:avLst/>
+          </a:prstGeom>
+        </p:spPr>
+        <p:txBody>
+          <a:bodyPr vert="horz" lIns="91440" tIns="45720" rIns="91440" bIns="45720" rtlCol="0" anchor="b"/>
+          <a:lstStyle>
+            <a:lvl1pPr algn="l">
+              <a:defRPr sz="1200"/>
+            </a:lvl1pPr>
+          </a:lstStyle>
+          <a:p>
+            <a:endParaRPr lang="en-US"/>
+          </a:p>
+        </p:txBody>
+      </p:sp>
+      <p:sp>
+        <p:nvSpPr>
+          <p:cNvPr id="7" name="Slide Number Placeholder 6"/>
+          <p:cNvSpPr>
+            <a:spLocks noGrp="1"/>
+          </p:cNvSpPr>
+          <p:nvPr>
+            <p:ph type="sldNum" sz="quarter" idx="5"/>
+          </p:nvPr>
+        </p:nvSpPr>
+        <p:spPr>
+          <a:xfrm>
+            <a:off x="3884613" y="8685213"/>
+            <a:ext cx="2971800" cy="457200"/>
+          </a:xfrm>
+          <a:prstGeom prst="rect">
+            <a:avLst/>
+          </a:prstGeom>
+        </p:spPr>
+        <p:txBody>
+          <a:bodyPr vert="horz" lIns="91440" tIns="45720" rIns="91440" bIns="45720" rtlCol="0" anchor="b"/>
+          <a:lstStyle>
+            <a:lvl1pPr algn="r">
+              <a:defRPr sz="1200"/>
+            </a:lvl1pPr>
+          </a:lstStyle>
+          <a:p>
+            <a:fld id="{BB5E49A5-4136-284D-997B-48E1D791AD67}" type="slidenum">
+              <a:rPr lang="en-US" smtClean="0"/>
+              <a:t>‹#›</a:t>
+            </a:fld>
+            <a:endParaRPr lang="en-US"/>
+          </a:p>
+        </p:txBody>
+      </p:sp>
+    </p:spTree>
+    <p:extLst>
+      <p:ext uri="{BB962C8B-B14F-4D97-AF65-F5344CB8AC3E}">
+        <p14:creationId xmlns:p14="http://schemas.microsoft.com/office/powerpoint/2010/main" val="2623252185"/>
+      </p:ext>
+    </p:extLst>
+  </p:cSld>
+  <p:clrMap bg1="lt1" tx1="dk1" bg2="lt2" tx2="dk2" accent1="accent1" accent2="accent2" accent3="accent3" accent4="accent4" accent5="accent5" accent6="accent6" hlink="hlink" folHlink="folHlink"/>
+  <p:notesStyle>
+    <a:lvl1pPr marL="0" algn="l" defTabSz="457200" rtl="0" eaLnBrk="1" latinLnBrk="0" hangingPunct="1">
+      <a:defRPr sz="1200" kern="1200">
+        <a:solidFill>
+          <a:schemeClr val="tx1"/>
+        </a:solidFill>
+        <a:latin typeface="+mn-lt"/>
+        <a:ea typeface="+mn-ea"/>
+        <a:cs typeface="+mn-cs"/>
+      </a:defRPr>
+    </a:lvl1pPr>
+    <a:lvl2pPr marL="457200" algn="l" defTabSz="457200" rtl="0" eaLnBrk="1" latinLnBrk="0" hangingPunct="1">
+      <a:defRPr sz="1200" kern="1200">
+        <a:solidFill>
+          <a:schemeClr val="tx1"/>
+        </a:solidFill>
+        <a:latin typeface="+mn-lt"/>
+        <a:ea typeface="+mn-ea"/>
+        <a:cs typeface="+mn-cs"/>
+      </a:defRPr>
+    </a:lvl2pPr>
+    <a:lvl3pPr marL="914400" algn="l" defTabSz="457200" rtl="0" eaLnBrk="1" latinLnBrk="0" hangingPunct="1">
+      <a:defRPr sz="1200" kern="1200">
+        <a:solidFill>
+          <a:schemeClr val="tx1"/>
+        </a:solidFill>
+        <a:latin typeface="+mn-lt"/>
+        <a:ea typeface="+mn-ea"/>
+        <a:cs typeface="+mn-cs"/>
+      </a:defRPr>
+    </a:lvl3pPr>
+    <a:lvl4pPr marL="1371600" algn="l" defTabSz="457200" rtl="0" eaLnBrk="1" latinLnBrk="0" hangingPunct="1">
+      <a:defRPr sz="1200" kern="1200">
+        <a:solidFill>
+          <a:schemeClr val="tx1"/>
+        </a:solidFill>
+        <a:latin typeface="+mn-lt"/>
+        <a:ea typeface="+mn-ea"/>
+        <a:cs typeface="+mn-cs"/>
+      </a:defRPr>
+    </a:lvl4pPr>
+    <a:lvl5pPr marL="1828800" algn="l" defTabSz="457200" rtl="0" eaLnBrk="1" latinLnBrk="0" hangingPunct="1">
+      <a:defRPr sz="1200" kern="1200">
+        <a:solidFill>
+          <a:schemeClr val="tx1"/>
+        </a:solidFill>
+        <a:latin typeface="+mn-lt"/>
+        <a:ea typeface="+mn-ea"/>
+        <a:cs typeface="+mn-cs"/>
+      </a:defRPr>
+    </a:lvl5pPr>
+    <a:lvl6pPr marL="2286000" algn="l" defTabSz="457200" rtl="0" eaLnBrk="1" latinLnBrk="0" hangingPunct="1">
+      <a:defRPr sz="1200" kern="1200">
+        <a:solidFill>
+          <a:schemeClr val="tx1"/>
+        </a:solidFill>
+        <a:latin typeface="+mn-lt"/>
+        <a:ea typeface="+mn-ea"/>
+        <a:cs typeface="+mn-cs"/>
+      </a:defRPr>
+    </a:lvl6pPr>
+    <a:lvl7pPr marL="2743200" algn="l" defTabSz="457200" rtl="0" eaLnBrk="1" latinLnBrk="0" hangingPunct="1">
+      <a:defRPr sz="1200" kern="1200">
+        <a:solidFill>
+          <a:schemeClr val="tx1"/>
+        </a:solidFill>
+        <a:latin typeface="+mn-lt"/>
+        <a:ea typeface="+mn-ea"/>
+        <a:cs typeface="+mn-cs"/>
+      </a:defRPr>
+    </a:lvl7pPr>
+    <a:lvl8pPr marL="3200400" algn="l" defTabSz="457200" rtl="0" eaLnBrk="1" latinLnBrk="0" hangingPunct="1">
+      <a:defRPr sz="1200" kern="1200">
+        <a:solidFill>
+          <a:schemeClr val="tx1"/>
+        </a:solidFill>
+        <a:latin typeface="+mn-lt"/>
+        <a:ea typeface="+mn-ea"/>
+        <a:cs typeface="+mn-cs"/>
+      </a:defRPr>
+    </a:lvl8pPr>
+    <a:lvl9pPr marL="3657600" algn="l" defTabSz="457200" rtl="0" eaLnBrk="1" latinLnBrk="0" hangingPunct="1">
+      <a:defRPr sz="1200" kern="1200">
+        <a:solidFill>
+          <a:schemeClr val="tx1"/>
+        </a:solidFill>
+        <a:latin typeface="+mn-lt"/>
+        <a:ea typeface="+mn-ea"/>
+        <a:cs typeface="+mn-cs"/>
+      </a:defRPr>
+    </a:lvl9pPr>
+  </p:notesStyle>
+</p:notesMaster>
+</file>
+
+<file path=ppt/notesSlides/notesSlide1.xml><?xml version="1.0" encoding="utf-8"?>
+<p:notes xmlns:a="http://schemas.openxmlformats.org/drawingml/2006/main" xmlns:p="http://schemas.openxmlformats.org/presentationml/2006/main" xmlns:r="http://schemas.openxmlformats.org/officeDocument/2006/relationships">
+  <p:cSld>
+    <p:spTree>
+      <p:nvGrpSpPr>
+        <p:cNvPr id="1" name=""/>
+        <p:cNvGrpSpPr/>
+        <p:nvPr/>
+      </p:nvGrpSpPr>
+      <p:grpSpPr>
+        <a:xfrm>
+          <a:off x="0" y="0"/>
+          <a:ext cx="0" cy="0"/>
+          <a:chOff x="0" y="0"/>
+          <a:chExt cx="0" cy="0"/>
+        </a:xfrm>
+      </p:grpSpPr>
+      <p:sp>
+        <p:nvSpPr>
+          <p:cNvPr id="2" name="Slide Image Placeholder 1"/>
+          <p:cNvSpPr>
+            <a:spLocks noGrp="1"/>
+          </p:cNvSpPr>
+          <p:nvPr>
+            <p:ph type="sldImg" idx="2"/>
+          </p:nvPr>
+        </p:nvSpPr>
+        <p:spPr/>
+      </p:sp>
+      <p:sp>
+        <p:nvSpPr>
+          <p:cNvPr id="3" name="Notes Placeholder 2"/>
+          <p:cNvSpPr>
+            <a:spLocks noGrp="1"/>
+          </p:cNvSpPr>
+          <p:nvPr>
+            <p:ph type="body" idx="3" sz="quarter"/>
+          </p:nvPr>
+        </p:nvSpPr>
+        <p:spPr/>
+        <p:txBody>
+          <a:bodyPr/>
+          <a:lstStyle/>
+          <a:p>
+            <a:r>
+              <a:t>tofu_1.jpg</a:t>
+            </a:r>
+          </a:p>
+          <a:p>
+            <a:r>
+              <a:t>tofu_17.jpg</a:t>
+            </a:r>
+          </a:p>
+          <a:p>
+            <a:r>
+              <a:t>tofu_18.jpg</a:t>
+            </a:r>
+          </a:p>
+          <a:p>
+            <a:r>
+              <a:t>tofu_19.jpg</a:t>
+            </a:r>
+          </a:p>
+          <a:p>
+            <a:r>
+              <a:t>tofu_23.jpg</a:t>
+            </a:r>
+          </a:p>
+          <a:p>
+            <a:r>
+              <a:t>tofu_24.jpg</a:t>
+            </a:r>
+          </a:p>
+          <a:p>
+            <a:r>
+              <a:t>tofu_25.jpg</a:t>
+            </a:r>
+          </a:p>
+          <a:p>
+            <a:r>
+              <a:t>tofu_26.jpg</a:t>
+            </a:r>
+          </a:p>
+        </p:txBody>
+      </p:sp>
+      <p:sp>
+        <p:nvSpPr>
+          <p:cNvPr id="4" name="Slide Number Placeholder 3"/>
+          <p:cNvSpPr>
+            <a:spLocks noGrp="1"/>
+          </p:cNvSpPr>
+          <p:nvPr>
+            <p:ph type="sldNum" idx="5" sz="quarter"/>
+          </p:nvPr>
+        </p:nvSpPr>
+        <p:spPr/>
+      </p:sp>
+    </p:spTree>
+  </p:cSld>
+  <p:clrMapOvr>
+    <a:masterClrMapping/>
+  </p:clrMapOvr>
+</p:notes>
 </file>
 
 <file path=ppt/slideLayouts/slideLayout1.xml><?xml version="1.0" encoding="utf-8"?>
@@ -3638,4 +4093,324 @@
   </a:objectDefaults>
   <a:extraClrSchemeLst/>
 </a:theme>
+</file>
+
+<file path=ppt/theme/theme2.xml><?xml version="1.0" encoding="utf-8"?>
+<a:theme xmlns:a="http://schemas.openxmlformats.org/drawingml/2006/main" name="Office Theme">
+  <a:themeElements>
+    <a:clrScheme name="Office">
+      <a:dk1>
+        <a:sysClr val="windowText" lastClr="000000"/>
+      </a:dk1>
+      <a:lt1>
+        <a:sysClr val="window" lastClr="FFFFFF"/>
+      </a:lt1>
+      <a:dk2>
+        <a:srgbClr val="1F497D"/>
+      </a:dk2>
+      <a:lt2>
+        <a:srgbClr val="EEECE1"/>
+      </a:lt2>
+      <a:accent1>
+        <a:srgbClr val="4F81BD"/>
+      </a:accent1>
+      <a:accent2>
+        <a:srgbClr val="C0504D"/>
+      </a:accent2>
+      <a:accent3>
+        <a:srgbClr val="9BBB59"/>
+      </a:accent3>
+      <a:accent4>
+        <a:srgbClr val="8064A2"/>
+      </a:accent4>
+      <a:accent5>
+        <a:srgbClr val="4BACC6"/>
+      </a:accent5>
+      <a:accent6>
+        <a:srgbClr val="F79646"/>
+      </a:accent6>
+      <a:hlink>
+        <a:srgbClr val="0000FF"/>
+      </a:hlink>
+      <a:folHlink>
+        <a:srgbClr val="800080"/>
+      </a:folHlink>
+    </a:clrScheme>
+    <a:fontScheme name="Office">
+      <a:majorFont>
+        <a:latin typeface="Calibri"/>
+        <a:ea typeface=""/>
+        <a:cs typeface=""/>
+        <a:font script="Jpan" typeface="ＭＳ Ｐゴシック"/>
+        <a:font script="Hang" typeface="맑은 고딕"/>
+        <a:font script="Hans" typeface="宋体"/>
+        <a:font script="Hant" typeface="新細明體"/>
+        <a:font script="Arab" typeface="Times New Roman"/>
+        <a:font script="Hebr" typeface="Times New Roman"/>
+        <a:font script="Thai" typeface="Angsana New"/>
+        <a:font script="Ethi" typeface="Nyala"/>
+        <a:font script="Beng" typeface="Vrinda"/>
+        <a:font script="Gujr" typeface="Shruti"/>
+        <a:font script="Khmr" typeface="MoolBoran"/>
+        <a:font script="Knda" typeface="Tunga"/>
+        <a:font script="Guru" typeface="Raavi"/>
+        <a:font script="Cans" typeface="Euphemia"/>
+        <a:font script="Cher" typeface="Plantagenet Cherokee"/>
+        <a:font script="Yiii" typeface="Microsoft Yi Baiti"/>
+        <a:font script="Tibt" typeface="Microsoft Himalaya"/>
+        <a:font script="Thaa" typeface="MV Boli"/>
+        <a:font script="Deva" typeface="Mangal"/>
+        <a:font script="Telu" typeface="Gautami"/>
+        <a:font script="Taml" typeface="Latha"/>
+        <a:font script="Syrc" typeface="Estrangelo Edessa"/>
+        <a:font script="Orya" typeface="Kalinga"/>
+        <a:font script="Mlym" typeface="Kartika"/>
+        <a:font script="Laoo" typeface="DokChampa"/>
+        <a:font script="Sinh" typeface="Iskoola Pota"/>
+        <a:font script="Mong" typeface="Mongolian Baiti"/>
+        <a:font script="Viet" typeface="Times New Roman"/>
+        <a:font script="Uigh" typeface="Microsoft Uighur"/>
+        <a:font script="Geor" typeface="Sylfaen"/>
+      </a:majorFont>
+      <a:minorFont>
+        <a:latin typeface="Calibri"/>
+        <a:ea typeface=""/>
+        <a:cs typeface=""/>
+        <a:font script="Jpan" typeface="ＭＳ Ｐゴシック"/>
+        <a:font script="Hang" typeface="맑은 고딕"/>
+        <a:font script="Hans" typeface="宋体"/>
+        <a:font script="Hant" typeface="新細明體"/>
+        <a:font script="Arab" typeface="Arial"/>
+        <a:font script="Hebr" typeface="Arial"/>
+        <a:font script="Thai" typeface="Cordia New"/>
+        <a:font script="Ethi" typeface="Nyala"/>
+        <a:font script="Beng" typeface="Vrinda"/>
+        <a:font script="Gujr" typeface="Shruti"/>
+        <a:font script="Khmr" typeface="DaunPenh"/>
+        <a:font script="Knda" typeface="Tunga"/>
+        <a:font script="Guru" typeface="Raavi"/>
+        <a:font script="Cans" typeface="Euphemia"/>
+        <a:font script="Cher" typeface="Plantagenet Cherokee"/>
+        <a:font script="Yiii" typeface="Microsoft Yi Baiti"/>
+        <a:font script="Tibt" typeface="Microsoft Himalaya"/>
+        <a:font script="Thaa" typeface="MV Boli"/>
+        <a:font script="Deva" typeface="Mangal"/>
+        <a:font script="Telu" typeface="Gautami"/>
+        <a:font script="Taml" typeface="Latha"/>
+        <a:font script="Syrc" typeface="Estrangelo Edessa"/>
+        <a:font script="Orya" typeface="Kalinga"/>
+        <a:font script="Mlym" typeface="Kartika"/>
+        <a:font script="Laoo" typeface="DokChampa"/>
+        <a:font script="Sinh" typeface="Iskoola Pota"/>
+        <a:font script="Mong" typeface="Mongolian Baiti"/>
+        <a:font script="Viet" typeface="Arial"/>
+        <a:font script="Uigh" typeface="Microsoft Uighur"/>
+        <a:font script="Geor" typeface="Sylfaen"/>
+      </a:minorFont>
+    </a:fontScheme>
+    <a:fmtScheme name="Office">
+      <a:fillStyleLst>
+        <a:solidFill>
+          <a:schemeClr val="phClr"/>
+        </a:solidFill>
+        <a:gradFill rotWithShape="1">
+          <a:gsLst>
+            <a:gs pos="0">
+              <a:schemeClr val="phClr">
+                <a:tint val="50000"/>
+                <a:satMod val="300000"/>
+              </a:schemeClr>
+            </a:gs>
+            <a:gs pos="35000">
+              <a:schemeClr val="phClr">
+                <a:tint val="37000"/>
+                <a:satMod val="300000"/>
+              </a:schemeClr>
+            </a:gs>
+            <a:gs pos="100000">
+              <a:schemeClr val="phClr">
+                <a:tint val="15000"/>
+                <a:satMod val="350000"/>
+              </a:schemeClr>
+            </a:gs>
+          </a:gsLst>
+          <a:lin ang="16200000" scaled="1"/>
+        </a:gradFill>
+        <a:gradFill rotWithShape="1">
+          <a:gsLst>
+            <a:gs pos="0">
+              <a:schemeClr val="phClr">
+                <a:tint val="100000"/>
+                <a:shade val="100000"/>
+                <a:satMod val="130000"/>
+              </a:schemeClr>
+            </a:gs>
+            <a:gs pos="100000">
+              <a:schemeClr val="phClr">
+                <a:tint val="50000"/>
+                <a:shade val="100000"/>
+                <a:satMod val="350000"/>
+              </a:schemeClr>
+            </a:gs>
+          </a:gsLst>
+          <a:lin ang="16200000" scaled="0"/>
+        </a:gradFill>
+      </a:fillStyleLst>
+      <a:lnStyleLst>
+        <a:ln w="9525" cap="flat" cmpd="sng" algn="ctr">
+          <a:solidFill>
+            <a:schemeClr val="phClr">
+              <a:shade val="95000"/>
+              <a:satMod val="105000"/>
+            </a:schemeClr>
+          </a:solidFill>
+          <a:prstDash val="solid"/>
+        </a:ln>
+        <a:ln w="25400" cap="flat" cmpd="sng" algn="ctr">
+          <a:solidFill>
+            <a:schemeClr val="phClr"/>
+          </a:solidFill>
+          <a:prstDash val="solid"/>
+        </a:ln>
+        <a:ln w="38100" cap="flat" cmpd="sng" algn="ctr">
+          <a:solidFill>
+            <a:schemeClr val="phClr"/>
+          </a:solidFill>
+          <a:prstDash val="solid"/>
+        </a:ln>
+      </a:lnStyleLst>
+      <a:effectStyleLst>
+        <a:effectStyle>
+          <a:effectLst>
+            <a:outerShdw blurRad="40000" dist="20000" dir="5400000" rotWithShape="0">
+              <a:srgbClr val="000000">
+                <a:alpha val="38000"/>
+              </a:srgbClr>
+            </a:outerShdw>
+          </a:effectLst>
+        </a:effectStyle>
+        <a:effectStyle>
+          <a:effectLst>
+            <a:outerShdw blurRad="40000" dist="23000" dir="5400000" rotWithShape="0">
+              <a:srgbClr val="000000">
+                <a:alpha val="35000"/>
+              </a:srgbClr>
+            </a:outerShdw>
+          </a:effectLst>
+        </a:effectStyle>
+        <a:effectStyle>
+          <a:effectLst>
+            <a:outerShdw blurRad="40000" dist="23000" dir="5400000" rotWithShape="0">
+              <a:srgbClr val="000000">
+                <a:alpha val="35000"/>
+              </a:srgbClr>
+            </a:outerShdw>
+          </a:effectLst>
+          <a:scene3d>
+            <a:camera prst="orthographicFront">
+              <a:rot lat="0" lon="0" rev="0"/>
+            </a:camera>
+            <a:lightRig rig="threePt" dir="t">
+              <a:rot lat="0" lon="0" rev="1200000"/>
+            </a:lightRig>
+          </a:scene3d>
+          <a:sp3d>
+            <a:bevelT w="63500" h="25400"/>
+          </a:sp3d>
+        </a:effectStyle>
+      </a:effectStyleLst>
+      <a:bgFillStyleLst>
+        <a:solidFill>
+          <a:schemeClr val="phClr"/>
+        </a:solidFill>
+        <a:gradFill rotWithShape="1">
+          <a:gsLst>
+            <a:gs pos="0">
+              <a:schemeClr val="phClr">
+                <a:tint val="40000"/>
+                <a:satMod val="350000"/>
+              </a:schemeClr>
+            </a:gs>
+            <a:gs pos="40000">
+              <a:schemeClr val="phClr">
+                <a:tint val="45000"/>
+                <a:shade val="99000"/>
+                <a:satMod val="350000"/>
+              </a:schemeClr>
+            </a:gs>
+            <a:gs pos="100000">
+              <a:schemeClr val="phClr">
+                <a:shade val="20000"/>
+                <a:satMod val="255000"/>
+              </a:schemeClr>
+            </a:gs>
+          </a:gsLst>
+          <a:path path="circle">
+            <a:fillToRect l="50000" t="-80000" r="50000" b="180000"/>
+          </a:path>
+        </a:gradFill>
+        <a:gradFill rotWithShape="1">
+          <a:gsLst>
+            <a:gs pos="0">
+              <a:schemeClr val="phClr">
+                <a:tint val="80000"/>
+                <a:satMod val="300000"/>
+              </a:schemeClr>
+            </a:gs>
+            <a:gs pos="100000">
+              <a:schemeClr val="phClr">
+                <a:shade val="30000"/>
+                <a:satMod val="200000"/>
+              </a:schemeClr>
+            </a:gs>
+          </a:gsLst>
+          <a:path path="circle">
+            <a:fillToRect l="50000" t="50000" r="50000" b="50000"/>
+          </a:path>
+        </a:gradFill>
+      </a:bgFillStyleLst>
+    </a:fmtScheme>
+  </a:themeElements>
+  <a:objectDefaults>
+    <a:spDef>
+      <a:spPr/>
+      <a:bodyPr/>
+      <a:lstStyle/>
+      <a:style>
+        <a:lnRef idx="1">
+          <a:schemeClr val="accent1"/>
+        </a:lnRef>
+        <a:fillRef idx="3">
+          <a:schemeClr val="accent1"/>
+        </a:fillRef>
+        <a:effectRef idx="2">
+          <a:schemeClr val="accent1"/>
+        </a:effectRef>
+        <a:fontRef idx="minor">
+          <a:schemeClr val="lt1"/>
+        </a:fontRef>
+      </a:style>
+    </a:spDef>
+    <a:lnDef>
+      <a:spPr/>
+      <a:bodyPr/>
+      <a:lstStyle/>
+      <a:style>
+        <a:lnRef idx="2">
+          <a:schemeClr val="accent1"/>
+        </a:lnRef>
+        <a:fillRef idx="0">
+          <a:schemeClr val="accent1"/>
+        </a:fillRef>
+        <a:effectRef idx="1">
+          <a:schemeClr val="accent1"/>
+        </a:effectRef>
+        <a:fontRef idx="minor">
+          <a:schemeClr val="tx1"/>
+        </a:fontRef>
+      </a:style>
+    </a:lnDef>
+  </a:objectDefaults>
+  <a:extraClrSchemeLst/>
+</a:theme>
 </file>